--- a/academic_thesis/UNET 3+/徐淳2023-9-25 UNET 3+ A FULL-SCALE CONNECTED UNET FOR MEDICAL IMAGE SEGMENTATION.pptx
+++ b/academic_thesis/UNET 3+/徐淳2023-9-25 UNET 3+ A FULL-SCALE CONNECTED UNET FOR MEDICAL IMAGE SEGMENTATION.pptx
@@ -5,10 +5,10 @@
     <p:sldMasterId id="2147483648" r:id="rId1"/>
   </p:sldMasterIdLst>
   <p:notesMasterIdLst>
-    <p:notesMasterId r:id="rId20"/>
+    <p:notesMasterId r:id="rId16"/>
   </p:notesMasterIdLst>
   <p:handoutMasterIdLst>
-    <p:handoutMasterId r:id="rId21"/>
+    <p:handoutMasterId r:id="rId17"/>
   </p:handoutMasterIdLst>
   <p:sldIdLst>
     <p:sldId id="303" r:id="rId2"/>
@@ -19,21 +19,17 @@
     <p:sldId id="409" r:id="rId7"/>
     <p:sldId id="390" r:id="rId8"/>
     <p:sldId id="410" r:id="rId9"/>
-    <p:sldId id="411" r:id="rId10"/>
-    <p:sldId id="412" r:id="rId11"/>
-    <p:sldId id="413" r:id="rId12"/>
-    <p:sldId id="371" r:id="rId13"/>
-    <p:sldId id="414" r:id="rId14"/>
-    <p:sldId id="396" r:id="rId15"/>
-    <p:sldId id="415" r:id="rId16"/>
-    <p:sldId id="403" r:id="rId17"/>
-    <p:sldId id="389" r:id="rId18"/>
-    <p:sldId id="333" r:id="rId19"/>
+    <p:sldId id="413" r:id="rId10"/>
+    <p:sldId id="371" r:id="rId11"/>
+    <p:sldId id="414" r:id="rId12"/>
+    <p:sldId id="396" r:id="rId13"/>
+    <p:sldId id="389" r:id="rId14"/>
+    <p:sldId id="333" r:id="rId15"/>
   </p:sldIdLst>
   <p:sldSz cx="9144000" cy="5143500" type="screen16x9"/>
   <p:notesSz cx="6858000" cy="9144000"/>
   <p:custDataLst>
-    <p:tags r:id="rId22"/>
+    <p:tags r:id="rId18"/>
   </p:custDataLst>
   <p:defaultTextStyle>
     <a:defPPr>
@@ -2407,7 +2403,66 @@
           </a:bodyPr>
           <a:lstStyle/>
           <a:p>
-            <a:endParaRPr lang="en-US" altLang="zh-CN" dirty="0"/>
+            <a:r>
+              <a:rPr lang="en-US" altLang="zh-CN" dirty="0"/>
+              <a:t>“Proc of ICASSP” </a:t>
+            </a:r>
+            <a:r>
+              <a:rPr lang="zh-CN" altLang="en-US" dirty="0"/>
+              <a:t>是 “</a:t>
+            </a:r>
+            <a:r>
+              <a:rPr lang="en-US" altLang="zh-CN" dirty="0"/>
+              <a:t>Proceedings of the International Conference on Acoustics, Speech, and Signal Processing (ICASSP)” </a:t>
+            </a:r>
+            <a:r>
+              <a:rPr lang="zh-CN" altLang="en-US" dirty="0"/>
+              <a:t>的缩写，根据 </a:t>
+            </a:r>
+            <a:r>
+              <a:rPr lang="en-US" altLang="zh-CN" dirty="0"/>
+              <a:t>CORE 2018 </a:t>
+            </a:r>
+            <a:r>
+              <a:rPr lang="zh-CN" altLang="en-US" dirty="0"/>
+              <a:t>的排名，</a:t>
+            </a:r>
+            <a:r>
+              <a:rPr lang="en-US" altLang="zh-CN" dirty="0"/>
+              <a:t>IEEE </a:t>
+            </a:r>
+            <a:r>
+              <a:rPr lang="zh-CN" altLang="en-US" dirty="0"/>
+              <a:t>国际声学、语音和信号处理会议 </a:t>
+            </a:r>
+            <a:r>
+              <a:rPr lang="en-US" altLang="zh-CN" dirty="0"/>
+              <a:t>(ICASSP) </a:t>
+            </a:r>
+            <a:r>
+              <a:rPr lang="zh-CN" altLang="en-US" dirty="0"/>
+              <a:t>的级别为 </a:t>
+            </a:r>
+            <a:r>
+              <a:rPr lang="en-US" altLang="zh-CN" dirty="0"/>
+              <a:t>B</a:t>
+            </a:r>
+            <a:r>
+              <a:rPr lang="zh-CN" altLang="en-US" dirty="0"/>
+              <a:t>，根据最新的数据，</a:t>
+            </a:r>
+            <a:r>
+              <a:rPr lang="en-US" altLang="zh-CN" dirty="0"/>
+              <a:t>ICASSP </a:t>
+            </a:r>
+            <a:r>
+              <a:rPr lang="zh-CN" altLang="en-US" dirty="0"/>
+              <a:t>的影响因子为 </a:t>
+            </a:r>
+            <a:r>
+              <a:rPr lang="en-US" altLang="zh-CN" dirty="0"/>
+              <a:t>3.59</a:t>
+            </a:r>
           </a:p>
         </p:txBody>
       </p:sp>
@@ -2493,19 +2548,14 @@
         </p:nvSpPr>
         <p:spPr/>
         <p:txBody>
-          <a:bodyPr>
-            <a:normAutofit/>
-          </a:bodyPr>
+          <a:bodyPr/>
           <a:lstStyle/>
           <a:p>
             <a:pPr marL="0" indent="0">
               <a:buFont typeface="Arial" panose="020B0604020202020204" pitchFamily="34" charset="0"/>
               <a:buNone/>
             </a:pPr>
-            <a:endParaRPr lang="en-US" altLang="zh-CN" dirty="0">
-              <a:effectLst/>
-              <a:latin typeface="Arial" panose="020B0604020202020204" pitchFamily="34" charset="0"/>
-            </a:endParaRPr>
+            <a:endParaRPr lang="en-US" altLang="zh-CN" dirty="0"/>
           </a:p>
         </p:txBody>
       </p:sp>
@@ -2535,7 +2585,7 @@
     </p:spTree>
     <p:extLst>
       <p:ext uri="{BB962C8B-B14F-4D97-AF65-F5344CB8AC3E}">
-        <p14:creationId xmlns:p14="http://schemas.microsoft.com/office/powerpoint/2010/main" val="2298166267"/>
+        <p14:creationId xmlns:p14="http://schemas.microsoft.com/office/powerpoint/2010/main" val="1674062567"/>
       </p:ext>
     </p:extLst>
   </p:cSld>
@@ -2598,10 +2648,7 @@
               <a:buFont typeface="Arial" panose="020B0604020202020204" pitchFamily="34" charset="0"/>
               <a:buNone/>
             </a:pPr>
-            <a:endParaRPr lang="en-US" altLang="zh-CN" dirty="0">
-              <a:effectLst/>
-              <a:latin typeface="Arial" panose="020B0604020202020204" pitchFamily="34" charset="0"/>
-            </a:endParaRPr>
+            <a:endParaRPr lang="en-US" altLang="zh-CN" dirty="0"/>
           </a:p>
         </p:txBody>
       </p:sp>
@@ -2631,7 +2678,7 @@
     </p:spTree>
     <p:extLst>
       <p:ext uri="{BB962C8B-B14F-4D97-AF65-F5344CB8AC3E}">
-        <p14:creationId xmlns:p14="http://schemas.microsoft.com/office/powerpoint/2010/main" val="2029098717"/>
+        <p14:creationId xmlns:p14="http://schemas.microsoft.com/office/powerpoint/2010/main" val="4210142115"/>
       </p:ext>
     </p:extLst>
   </p:cSld>
@@ -2724,7 +2771,7 @@
     </p:spTree>
     <p:extLst>
       <p:ext uri="{BB962C8B-B14F-4D97-AF65-F5344CB8AC3E}">
-        <p14:creationId xmlns:p14="http://schemas.microsoft.com/office/powerpoint/2010/main" val="1674062567"/>
+        <p14:creationId xmlns:p14="http://schemas.microsoft.com/office/powerpoint/2010/main" val="3718831396"/>
       </p:ext>
     </p:extLst>
   </p:cSld>
@@ -2817,7 +2864,7 @@
     </p:spTree>
     <p:extLst>
       <p:ext uri="{BB962C8B-B14F-4D97-AF65-F5344CB8AC3E}">
-        <p14:creationId xmlns:p14="http://schemas.microsoft.com/office/powerpoint/2010/main" val="4210142115"/>
+        <p14:creationId xmlns:p14="http://schemas.microsoft.com/office/powerpoint/2010/main" val="4195941573"/>
       </p:ext>
     </p:extLst>
   </p:cSld>
@@ -2846,378 +2893,6 @@
       </p:grpSpPr>
       <p:sp>
         <p:nvSpPr>
-          <p:cNvPr id="2" name="幻灯片图像占位符 1"/>
-          <p:cNvSpPr>
-            <a:spLocks noGrp="1" noRot="1" noChangeAspect="1"/>
-          </p:cNvSpPr>
-          <p:nvPr>
-            <p:ph type="sldImg"/>
-          </p:nvPr>
-        </p:nvSpPr>
-        <p:spPr>
-          <a:xfrm>
-            <a:off x="381000" y="685800"/>
-            <a:ext cx="6096000" cy="3429000"/>
-          </a:xfrm>
-        </p:spPr>
-      </p:sp>
-      <p:sp>
-        <p:nvSpPr>
-          <p:cNvPr id="3" name="备注占位符 2"/>
-          <p:cNvSpPr>
-            <a:spLocks noGrp="1"/>
-          </p:cNvSpPr>
-          <p:nvPr>
-            <p:ph type="body" idx="1"/>
-          </p:nvPr>
-        </p:nvSpPr>
-        <p:spPr/>
-        <p:txBody>
-          <a:bodyPr/>
-          <a:lstStyle/>
-          <a:p>
-            <a:pPr marL="0" indent="0">
-              <a:buFont typeface="Arial" panose="020B0604020202020204" pitchFamily="34" charset="0"/>
-              <a:buNone/>
-            </a:pPr>
-            <a:endParaRPr lang="en-US" altLang="zh-CN" dirty="0"/>
-          </a:p>
-        </p:txBody>
-      </p:sp>
-      <p:sp>
-        <p:nvSpPr>
-          <p:cNvPr id="4" name="灯片编号占位符 3"/>
-          <p:cNvSpPr>
-            <a:spLocks noGrp="1"/>
-          </p:cNvSpPr>
-          <p:nvPr>
-            <p:ph type="sldNum" sz="quarter" idx="10"/>
-          </p:nvPr>
-        </p:nvSpPr>
-        <p:spPr/>
-        <p:txBody>
-          <a:bodyPr/>
-          <a:lstStyle/>
-          <a:p>
-            <a:fld id="{0E21FD59-C920-460C-B1C9-0346C59420B0}" type="slidenum">
-              <a:rPr lang="zh-CN" altLang="en-US" smtClean="0"/>
-              <a:t>14</a:t>
-            </a:fld>
-            <a:endParaRPr lang="zh-CN" altLang="en-US"/>
-          </a:p>
-        </p:txBody>
-      </p:sp>
-    </p:spTree>
-    <p:extLst>
-      <p:ext uri="{BB962C8B-B14F-4D97-AF65-F5344CB8AC3E}">
-        <p14:creationId xmlns:p14="http://schemas.microsoft.com/office/powerpoint/2010/main" val="3718831396"/>
-      </p:ext>
-    </p:extLst>
-  </p:cSld>
-  <p:clrMapOvr>
-    <a:masterClrMapping/>
-  </p:clrMapOvr>
-</p:notes>
-</file>
-
-<file path=ppt/notesSlides/notesSlide15.xml><?xml version="1.0" encoding="utf-8"?>
-<p:notes xmlns:a="http://schemas.openxmlformats.org/drawingml/2006/main" xmlns:r="http://schemas.openxmlformats.org/officeDocument/2006/relationships" xmlns:p="http://schemas.openxmlformats.org/presentationml/2006/main">
-  <p:cSld>
-    <p:spTree>
-      <p:nvGrpSpPr>
-        <p:cNvPr id="1" name=""/>
-        <p:cNvGrpSpPr/>
-        <p:nvPr/>
-      </p:nvGrpSpPr>
-      <p:grpSpPr>
-        <a:xfrm>
-          <a:off x="0" y="0"/>
-          <a:ext cx="0" cy="0"/>
-          <a:chOff x="0" y="0"/>
-          <a:chExt cx="0" cy="0"/>
-        </a:xfrm>
-      </p:grpSpPr>
-      <p:sp>
-        <p:nvSpPr>
-          <p:cNvPr id="2" name="幻灯片图像占位符 1"/>
-          <p:cNvSpPr>
-            <a:spLocks noGrp="1" noRot="1" noChangeAspect="1"/>
-          </p:cNvSpPr>
-          <p:nvPr>
-            <p:ph type="sldImg"/>
-          </p:nvPr>
-        </p:nvSpPr>
-        <p:spPr>
-          <a:xfrm>
-            <a:off x="381000" y="685800"/>
-            <a:ext cx="6096000" cy="3429000"/>
-          </a:xfrm>
-        </p:spPr>
-      </p:sp>
-      <p:sp>
-        <p:nvSpPr>
-          <p:cNvPr id="3" name="备注占位符 2"/>
-          <p:cNvSpPr>
-            <a:spLocks noGrp="1"/>
-          </p:cNvSpPr>
-          <p:nvPr>
-            <p:ph type="body" idx="1"/>
-          </p:nvPr>
-        </p:nvSpPr>
-        <p:spPr/>
-        <p:txBody>
-          <a:bodyPr/>
-          <a:lstStyle/>
-          <a:p>
-            <a:pPr marL="0" indent="0">
-              <a:buFont typeface="Arial" panose="020B0604020202020204" pitchFamily="34" charset="0"/>
-              <a:buNone/>
-            </a:pPr>
-            <a:endParaRPr lang="en-US" altLang="zh-CN" dirty="0"/>
-          </a:p>
-        </p:txBody>
-      </p:sp>
-      <p:sp>
-        <p:nvSpPr>
-          <p:cNvPr id="4" name="灯片编号占位符 3"/>
-          <p:cNvSpPr>
-            <a:spLocks noGrp="1"/>
-          </p:cNvSpPr>
-          <p:nvPr>
-            <p:ph type="sldNum" sz="quarter" idx="10"/>
-          </p:nvPr>
-        </p:nvSpPr>
-        <p:spPr/>
-        <p:txBody>
-          <a:bodyPr/>
-          <a:lstStyle/>
-          <a:p>
-            <a:fld id="{0E21FD59-C920-460C-B1C9-0346C59420B0}" type="slidenum">
-              <a:rPr lang="zh-CN" altLang="en-US" smtClean="0"/>
-              <a:t>15</a:t>
-            </a:fld>
-            <a:endParaRPr lang="zh-CN" altLang="en-US"/>
-          </a:p>
-        </p:txBody>
-      </p:sp>
-    </p:spTree>
-    <p:extLst>
-      <p:ext uri="{BB962C8B-B14F-4D97-AF65-F5344CB8AC3E}">
-        <p14:creationId xmlns:p14="http://schemas.microsoft.com/office/powerpoint/2010/main" val="3455688717"/>
-      </p:ext>
-    </p:extLst>
-  </p:cSld>
-  <p:clrMapOvr>
-    <a:masterClrMapping/>
-  </p:clrMapOvr>
-</p:notes>
-</file>
-
-<file path=ppt/notesSlides/notesSlide16.xml><?xml version="1.0" encoding="utf-8"?>
-<p:notes xmlns:a="http://schemas.openxmlformats.org/drawingml/2006/main" xmlns:r="http://schemas.openxmlformats.org/officeDocument/2006/relationships" xmlns:p="http://schemas.openxmlformats.org/presentationml/2006/main">
-  <p:cSld>
-    <p:spTree>
-      <p:nvGrpSpPr>
-        <p:cNvPr id="1" name=""/>
-        <p:cNvGrpSpPr/>
-        <p:nvPr/>
-      </p:nvGrpSpPr>
-      <p:grpSpPr>
-        <a:xfrm>
-          <a:off x="0" y="0"/>
-          <a:ext cx="0" cy="0"/>
-          <a:chOff x="0" y="0"/>
-          <a:chExt cx="0" cy="0"/>
-        </a:xfrm>
-      </p:grpSpPr>
-      <p:sp>
-        <p:nvSpPr>
-          <p:cNvPr id="2" name="幻灯片图像占位符 1"/>
-          <p:cNvSpPr>
-            <a:spLocks noGrp="1" noRot="1" noChangeAspect="1"/>
-          </p:cNvSpPr>
-          <p:nvPr>
-            <p:ph type="sldImg"/>
-          </p:nvPr>
-        </p:nvSpPr>
-        <p:spPr>
-          <a:xfrm>
-            <a:off x="381000" y="685800"/>
-            <a:ext cx="6096000" cy="3429000"/>
-          </a:xfrm>
-        </p:spPr>
-      </p:sp>
-      <p:sp>
-        <p:nvSpPr>
-          <p:cNvPr id="3" name="备注占位符 2"/>
-          <p:cNvSpPr>
-            <a:spLocks noGrp="1"/>
-          </p:cNvSpPr>
-          <p:nvPr>
-            <p:ph type="body" idx="1"/>
-          </p:nvPr>
-        </p:nvSpPr>
-        <p:spPr/>
-        <p:txBody>
-          <a:bodyPr/>
-          <a:lstStyle/>
-          <a:p>
-            <a:pPr marL="0" indent="0">
-              <a:buFont typeface="Arial" panose="020B0604020202020204" pitchFamily="34" charset="0"/>
-              <a:buNone/>
-            </a:pPr>
-            <a:endParaRPr lang="en-US" altLang="zh-CN" dirty="0"/>
-          </a:p>
-        </p:txBody>
-      </p:sp>
-      <p:sp>
-        <p:nvSpPr>
-          <p:cNvPr id="4" name="灯片编号占位符 3"/>
-          <p:cNvSpPr>
-            <a:spLocks noGrp="1"/>
-          </p:cNvSpPr>
-          <p:nvPr>
-            <p:ph type="sldNum" sz="quarter" idx="10"/>
-          </p:nvPr>
-        </p:nvSpPr>
-        <p:spPr/>
-        <p:txBody>
-          <a:bodyPr/>
-          <a:lstStyle/>
-          <a:p>
-            <a:fld id="{0E21FD59-C920-460C-B1C9-0346C59420B0}" type="slidenum">
-              <a:rPr lang="zh-CN" altLang="en-US" smtClean="0"/>
-              <a:t>16</a:t>
-            </a:fld>
-            <a:endParaRPr lang="zh-CN" altLang="en-US"/>
-          </a:p>
-        </p:txBody>
-      </p:sp>
-    </p:spTree>
-    <p:extLst>
-      <p:ext uri="{BB962C8B-B14F-4D97-AF65-F5344CB8AC3E}">
-        <p14:creationId xmlns:p14="http://schemas.microsoft.com/office/powerpoint/2010/main" val="165345122"/>
-      </p:ext>
-    </p:extLst>
-  </p:cSld>
-  <p:clrMapOvr>
-    <a:masterClrMapping/>
-  </p:clrMapOvr>
-</p:notes>
-</file>
-
-<file path=ppt/notesSlides/notesSlide17.xml><?xml version="1.0" encoding="utf-8"?>
-<p:notes xmlns:a="http://schemas.openxmlformats.org/drawingml/2006/main" xmlns:r="http://schemas.openxmlformats.org/officeDocument/2006/relationships" xmlns:p="http://schemas.openxmlformats.org/presentationml/2006/main">
-  <p:cSld>
-    <p:spTree>
-      <p:nvGrpSpPr>
-        <p:cNvPr id="1" name=""/>
-        <p:cNvGrpSpPr/>
-        <p:nvPr/>
-      </p:nvGrpSpPr>
-      <p:grpSpPr>
-        <a:xfrm>
-          <a:off x="0" y="0"/>
-          <a:ext cx="0" cy="0"/>
-          <a:chOff x="0" y="0"/>
-          <a:chExt cx="0" cy="0"/>
-        </a:xfrm>
-      </p:grpSpPr>
-      <p:sp>
-        <p:nvSpPr>
-          <p:cNvPr id="2" name="幻灯片图像占位符 1"/>
-          <p:cNvSpPr>
-            <a:spLocks noGrp="1" noRot="1" noChangeAspect="1"/>
-          </p:cNvSpPr>
-          <p:nvPr>
-            <p:ph type="sldImg"/>
-          </p:nvPr>
-        </p:nvSpPr>
-        <p:spPr>
-          <a:xfrm>
-            <a:off x="381000" y="685800"/>
-            <a:ext cx="6096000" cy="3429000"/>
-          </a:xfrm>
-        </p:spPr>
-      </p:sp>
-      <p:sp>
-        <p:nvSpPr>
-          <p:cNvPr id="3" name="备注占位符 2"/>
-          <p:cNvSpPr>
-            <a:spLocks noGrp="1"/>
-          </p:cNvSpPr>
-          <p:nvPr>
-            <p:ph type="body" idx="1"/>
-          </p:nvPr>
-        </p:nvSpPr>
-        <p:spPr/>
-        <p:txBody>
-          <a:bodyPr/>
-          <a:lstStyle/>
-          <a:p>
-            <a:pPr marL="0" indent="0">
-              <a:buFont typeface="Arial" panose="020B0604020202020204" pitchFamily="34" charset="0"/>
-              <a:buNone/>
-            </a:pPr>
-            <a:endParaRPr lang="en-US" altLang="zh-CN" dirty="0"/>
-          </a:p>
-        </p:txBody>
-      </p:sp>
-      <p:sp>
-        <p:nvSpPr>
-          <p:cNvPr id="4" name="灯片编号占位符 3"/>
-          <p:cNvSpPr>
-            <a:spLocks noGrp="1"/>
-          </p:cNvSpPr>
-          <p:nvPr>
-            <p:ph type="sldNum" sz="quarter" idx="10"/>
-          </p:nvPr>
-        </p:nvSpPr>
-        <p:spPr/>
-        <p:txBody>
-          <a:bodyPr/>
-          <a:lstStyle/>
-          <a:p>
-            <a:fld id="{0E21FD59-C920-460C-B1C9-0346C59420B0}" type="slidenum">
-              <a:rPr lang="zh-CN" altLang="en-US" smtClean="0"/>
-              <a:t>17</a:t>
-            </a:fld>
-            <a:endParaRPr lang="zh-CN" altLang="en-US"/>
-          </a:p>
-        </p:txBody>
-      </p:sp>
-    </p:spTree>
-    <p:extLst>
-      <p:ext uri="{BB962C8B-B14F-4D97-AF65-F5344CB8AC3E}">
-        <p14:creationId xmlns:p14="http://schemas.microsoft.com/office/powerpoint/2010/main" val="4195941573"/>
-      </p:ext>
-    </p:extLst>
-  </p:cSld>
-  <p:clrMapOvr>
-    <a:masterClrMapping/>
-  </p:clrMapOvr>
-</p:notes>
-</file>
-
-<file path=ppt/notesSlides/notesSlide18.xml><?xml version="1.0" encoding="utf-8"?>
-<p:notes xmlns:a="http://schemas.openxmlformats.org/drawingml/2006/main" xmlns:r="http://schemas.openxmlformats.org/officeDocument/2006/relationships" xmlns:p="http://schemas.openxmlformats.org/presentationml/2006/main">
-  <p:cSld>
-    <p:spTree>
-      <p:nvGrpSpPr>
-        <p:cNvPr id="1" name=""/>
-        <p:cNvGrpSpPr/>
-        <p:nvPr/>
-      </p:nvGrpSpPr>
-      <p:grpSpPr>
-        <a:xfrm>
-          <a:off x="0" y="0"/>
-          <a:ext cx="0" cy="0"/>
-          <a:chOff x="0" y="0"/>
-          <a:chExt cx="0" cy="0"/>
-        </a:xfrm>
-      </p:grpSpPr>
-      <p:sp>
-        <p:nvSpPr>
           <p:cNvPr id="2" name="Slide Image Placeholder 1"/>
           <p:cNvSpPr>
             <a:spLocks noGrp="1" noRot="1" noChangeAspect="1"/>
@@ -3266,7 +2941,7 @@
           <a:p>
             <a:fld id="{4D8A3554-0430-45DB-BDFE-3C446509E54A}" type="slidenum">
               <a:rPr lang="en-US" smtClean="0"/>
-              <a:t>18</a:t>
+              <a:t>14</a:t>
             </a:fld>
             <a:endParaRPr lang="en-US" dirty="0"/>
           </a:p>
@@ -4095,9 +3770,7 @@
         </p:nvSpPr>
         <p:spPr/>
         <p:txBody>
-          <a:bodyPr>
-            <a:normAutofit/>
-          </a:bodyPr>
+          <a:bodyPr/>
           <a:lstStyle/>
           <a:p>
             <a:pPr marL="0" indent="0">
@@ -4137,7 +3810,7 @@
     </p:spTree>
     <p:extLst>
       <p:ext uri="{BB962C8B-B14F-4D97-AF65-F5344CB8AC3E}">
-        <p14:creationId xmlns:p14="http://schemas.microsoft.com/office/powerpoint/2010/main" val="498828215"/>
+        <p14:creationId xmlns:p14="http://schemas.microsoft.com/office/powerpoint/2010/main" val="2029098717"/>
       </p:ext>
     </p:extLst>
   </p:cSld>
@@ -12072,7 +11745,7 @@
         <p:spPr>
           <a:xfrm>
             <a:off x="144777" y="4432427"/>
-            <a:ext cx="8793999" cy="646331"/>
+            <a:ext cx="8793999" cy="461665"/>
           </a:xfrm>
           <a:prstGeom prst="rect">
             <a:avLst/>
@@ -12086,7 +11759,7 @@
           <a:lstStyle/>
           <a:p>
             <a:r>
-              <a:rPr lang="en-US" altLang="zh-CN" sz="1200" dirty="0">
+              <a:rPr lang="en-US" altLang="zh-CN" sz="1200" dirty="0" err="1">
                 <a:solidFill>
                   <a:schemeClr val="bg1">
                     <a:lumMod val="95000"/>
@@ -12095,10 +11768,10 @@
                 <a:latin typeface="Times New Roman" panose="02020603050405020304" pitchFamily="18" charset="0"/>
                 <a:cs typeface="Times New Roman" panose="02020603050405020304" pitchFamily="18" charset="0"/>
               </a:rPr>
-              <a:t>Zou, </a:t>
-            </a:r>
-            <a:r>
-              <a:rPr lang="en-US" altLang="zh-CN" sz="1200" dirty="0" err="1">
+              <a:t>Huimin</a:t>
+            </a:r>
+            <a:r>
+              <a:rPr lang="en-US" altLang="zh-CN" sz="1200" dirty="0">
                 <a:solidFill>
                   <a:schemeClr val="bg1">
                     <a:lumMod val="95000"/>
@@ -12107,10 +11780,10 @@
                 <a:latin typeface="Times New Roman" panose="02020603050405020304" pitchFamily="18" charset="0"/>
                 <a:cs typeface="Times New Roman" panose="02020603050405020304" pitchFamily="18" charset="0"/>
               </a:rPr>
-              <a:t>Xuechao</a:t>
-            </a:r>
-            <a:r>
-              <a:rPr lang="en-US" altLang="zh-CN" sz="1200" dirty="0">
+              <a:t> Huang , </a:t>
+            </a:r>
+            <a:r>
+              <a:rPr lang="en-US" altLang="zh-CN" sz="1200" dirty="0" err="1">
                 <a:solidFill>
                   <a:schemeClr val="bg1">
                     <a:lumMod val="95000"/>
@@ -12119,10 +11792,10 @@
                 <a:latin typeface="Times New Roman" panose="02020603050405020304" pitchFamily="18" charset="0"/>
                 <a:cs typeface="Times New Roman" panose="02020603050405020304" pitchFamily="18" charset="0"/>
               </a:rPr>
-              <a:t> and Li, Kai and Xing, </a:t>
-            </a:r>
-            <a:r>
-              <a:rPr lang="en-US" altLang="zh-CN" sz="1200" dirty="0" err="1">
+              <a:t>Lanfen</a:t>
+            </a:r>
+            <a:r>
+              <a:rPr lang="en-US" altLang="zh-CN" sz="1200" dirty="0">
                 <a:solidFill>
                   <a:schemeClr val="bg1">
                     <a:lumMod val="95000"/>
@@ -12131,10 +11804,10 @@
                 <a:latin typeface="Times New Roman" panose="02020603050405020304" pitchFamily="18" charset="0"/>
                 <a:cs typeface="Times New Roman" panose="02020603050405020304" pitchFamily="18" charset="0"/>
               </a:rPr>
-              <a:t>Junliang</a:t>
-            </a:r>
-            <a:r>
-              <a:rPr lang="en-US" altLang="zh-CN" sz="1200" dirty="0">
+              <a:t> Lin, </a:t>
+            </a:r>
+            <a:r>
+              <a:rPr lang="en-US" altLang="zh-CN" sz="1200" dirty="0" err="1">
                 <a:solidFill>
                   <a:schemeClr val="bg1">
                     <a:lumMod val="95000"/>
@@ -12143,10 +11816,10 @@
                 <a:latin typeface="Times New Roman" panose="02020603050405020304" pitchFamily="18" charset="0"/>
                 <a:cs typeface="Times New Roman" panose="02020603050405020304" pitchFamily="18" charset="0"/>
               </a:rPr>
-              <a:t> and Tao, Pin and Cui, </a:t>
-            </a:r>
-            <a:r>
-              <a:rPr lang="en-US" altLang="zh-CN" sz="1200" dirty="0" err="1">
+              <a:t>Ruofeng</a:t>
+            </a:r>
+            <a:r>
+              <a:rPr lang="en-US" altLang="zh-CN" sz="1200" dirty="0">
                 <a:solidFill>
                   <a:schemeClr val="bg1">
                     <a:lumMod val="95000"/>
@@ -12155,10 +11828,10 @@
                 <a:latin typeface="Times New Roman" panose="02020603050405020304" pitchFamily="18" charset="0"/>
                 <a:cs typeface="Times New Roman" panose="02020603050405020304" pitchFamily="18" charset="0"/>
               </a:rPr>
-              <a:t>Yachao</a:t>
-            </a:r>
-            <a:r>
-              <a:rPr lang="en-US" altLang="zh-CN" sz="1200" dirty="0">
+              <a:t> Tong, Hongjie Hu, </a:t>
+            </a:r>
+            <a:r>
+              <a:rPr lang="en-US" altLang="zh-CN" sz="1200" dirty="0" err="1">
                 <a:solidFill>
                   <a:schemeClr val="bg1">
                     <a:lumMod val="95000"/>
@@ -12167,10 +11840,10 @@
                 <a:latin typeface="Times New Roman" panose="02020603050405020304" pitchFamily="18" charset="0"/>
                 <a:cs typeface="Times New Roman" panose="02020603050405020304" pitchFamily="18" charset="0"/>
               </a:rPr>
-              <a:t> . </a:t>
-            </a:r>
-            <a:r>
-              <a:rPr lang="zh-CN" altLang="en-US" sz="1200" dirty="0">
+              <a:t>Qiaowei</a:t>
+            </a:r>
+            <a:r>
+              <a:rPr lang="en-US" altLang="zh-CN" sz="1200" dirty="0">
                 <a:solidFill>
                   <a:schemeClr val="bg1">
                     <a:lumMod val="95000"/>
@@ -12179,10 +11852,10 @@
                 <a:latin typeface="Times New Roman" panose="02020603050405020304" pitchFamily="18" charset="0"/>
                 <a:cs typeface="Times New Roman" panose="02020603050405020304" pitchFamily="18" charset="0"/>
               </a:rPr>
-              <a:t>“</a:t>
-            </a:r>
-            <a:r>
-              <a:rPr lang="en-US" altLang="zh-CN" sz="1200" dirty="0">
+              <a:t> Zhang, </a:t>
+            </a:r>
+            <a:r>
+              <a:rPr lang="en-US" altLang="zh-CN" sz="1200" dirty="0" err="1">
                 <a:solidFill>
                   <a:schemeClr val="bg1">
                     <a:lumMod val="95000"/>
@@ -12191,10 +11864,10 @@
                 <a:latin typeface="Times New Roman" panose="02020603050405020304" pitchFamily="18" charset="0"/>
                 <a:cs typeface="Times New Roman" panose="02020603050405020304" pitchFamily="18" charset="0"/>
               </a:rPr>
-              <a:t>PMAA: A Progressive Multi-scale Attention Autoencoder Model for High-Performance Cloud Removal from Multi-temporal Satellite Imagery </a:t>
-            </a:r>
-            <a:r>
-              <a:rPr lang="zh-CN" altLang="en-US" sz="1200" dirty="0">
+              <a:t>Yutaro</a:t>
+            </a:r>
+            <a:r>
+              <a:rPr lang="en-US" altLang="zh-CN" sz="1200" dirty="0">
                 <a:solidFill>
                   <a:schemeClr val="bg1">
                     <a:lumMod val="95000"/>
@@ -12203,10 +11876,10 @@
                 <a:latin typeface="Times New Roman" panose="02020603050405020304" pitchFamily="18" charset="0"/>
                 <a:cs typeface="Times New Roman" panose="02020603050405020304" pitchFamily="18" charset="0"/>
               </a:rPr>
-              <a:t>”</a:t>
-            </a:r>
-            <a:r>
-              <a:rPr lang="en-US" altLang="zh-CN" sz="1200" dirty="0">
+              <a:t> Iwamoto, </a:t>
+            </a:r>
+            <a:r>
+              <a:rPr lang="en-US" altLang="zh-CN" sz="1200" dirty="0" err="1">
                 <a:solidFill>
                   <a:schemeClr val="bg1">
                     <a:lumMod val="95000"/>
@@ -12215,7 +11888,67 @@
                 <a:latin typeface="Times New Roman" panose="02020603050405020304" pitchFamily="18" charset="0"/>
                 <a:cs typeface="Times New Roman" panose="02020603050405020304" pitchFamily="18" charset="0"/>
               </a:rPr>
-              <a:t>. European Conference on Artificial Intelligence (ECAI) , 2023.03.29</a:t>
+              <a:t>Xianhua</a:t>
+            </a:r>
+            <a:r>
+              <a:rPr lang="en-US" altLang="zh-CN" sz="1200" dirty="0">
+                <a:solidFill>
+                  <a:schemeClr val="bg1">
+                    <a:lumMod val="95000"/>
+                  </a:schemeClr>
+                </a:solidFill>
+                <a:latin typeface="Times New Roman" panose="02020603050405020304" pitchFamily="18" charset="0"/>
+                <a:cs typeface="Times New Roman" panose="02020603050405020304" pitchFamily="18" charset="0"/>
+              </a:rPr>
+              <a:t> Han, Yen-Wei Chen, Jian Wu, "</a:t>
+            </a:r>
+            <a:r>
+              <a:rPr lang="en-US" altLang="zh-CN" sz="1200" dirty="0" err="1">
+                <a:solidFill>
+                  <a:schemeClr val="bg1">
+                    <a:lumMod val="95000"/>
+                  </a:schemeClr>
+                </a:solidFill>
+                <a:latin typeface="Times New Roman" panose="02020603050405020304" pitchFamily="18" charset="0"/>
+                <a:cs typeface="Times New Roman" panose="02020603050405020304" pitchFamily="18" charset="0"/>
+              </a:rPr>
+              <a:t>Unet</a:t>
+            </a:r>
+            <a:r>
+              <a:rPr lang="en-US" altLang="zh-CN" sz="1200" dirty="0">
+                <a:solidFill>
+                  <a:schemeClr val="bg1">
+                    <a:lumMod val="95000"/>
+                  </a:schemeClr>
+                </a:solidFill>
+                <a:latin typeface="Times New Roman" panose="02020603050405020304" pitchFamily="18" charset="0"/>
+                <a:cs typeface="Times New Roman" panose="02020603050405020304" pitchFamily="18" charset="0"/>
+              </a:rPr>
+              <a:t> 3+: A full-scale connected </a:t>
+            </a:r>
+            <a:r>
+              <a:rPr lang="en-US" altLang="zh-CN" sz="1200" dirty="0" err="1">
+                <a:solidFill>
+                  <a:schemeClr val="bg1">
+                    <a:lumMod val="95000"/>
+                  </a:schemeClr>
+                </a:solidFill>
+                <a:latin typeface="Times New Roman" panose="02020603050405020304" pitchFamily="18" charset="0"/>
+                <a:cs typeface="Times New Roman" panose="02020603050405020304" pitchFamily="18" charset="0"/>
+              </a:rPr>
+              <a:t>unet</a:t>
+            </a:r>
+            <a:r>
+              <a:rPr lang="en-US" altLang="zh-CN" sz="1200" dirty="0">
+                <a:solidFill>
+                  <a:schemeClr val="bg1">
+                    <a:lumMod val="95000"/>
+                  </a:schemeClr>
+                </a:solidFill>
+                <a:latin typeface="Times New Roman" panose="02020603050405020304" pitchFamily="18" charset="0"/>
+                <a:cs typeface="Times New Roman" panose="02020603050405020304" pitchFamily="18" charset="0"/>
+              </a:rPr>
+              <a:t> for medical image segmentation", Proc of ICASSP, 2020.</a:t>
             </a:r>
             <a:endParaRPr lang="zh-CN" altLang="en-US" sz="1200" dirty="0">
               <a:solidFill>
@@ -12399,192 +12132,6 @@
       </p:grpSpPr>
       <p:pic>
         <p:nvPicPr>
-          <p:cNvPr id="3" name="图片 2">
-            <a:extLst>
-              <a:ext uri="{FF2B5EF4-FFF2-40B4-BE49-F238E27FC236}">
-                <a16:creationId xmlns:a16="http://schemas.microsoft.com/office/drawing/2014/main" id="{931C2AF2-06C3-EDCE-ADAB-045D0CCB9203}"/>
-              </a:ext>
-            </a:extLst>
-          </p:cNvPr>
-          <p:cNvPicPr>
-            <a:picLocks noChangeAspect="1"/>
-          </p:cNvPicPr>
-          <p:nvPr/>
-        </p:nvPicPr>
-        <p:blipFill>
-          <a:blip r:embed="rId3"/>
-          <a:stretch>
-            <a:fillRect/>
-          </a:stretch>
-        </p:blipFill>
-        <p:spPr>
-          <a:xfrm>
-            <a:off x="2895600" y="4448647"/>
-            <a:ext cx="2743200" cy="543465"/>
-          </a:xfrm>
-          <a:prstGeom prst="rect">
-            <a:avLst/>
-          </a:prstGeom>
-        </p:spPr>
-      </p:pic>
-      <p:sp>
-        <p:nvSpPr>
-          <p:cNvPr id="17" name="文本框 46">
-            <a:extLst>
-              <a:ext uri="{FF2B5EF4-FFF2-40B4-BE49-F238E27FC236}">
-                <a16:creationId xmlns:a16="http://schemas.microsoft.com/office/drawing/2014/main" id="{13CB2652-C5EB-4CBF-945F-6B39B99672A5}"/>
-              </a:ext>
-            </a:extLst>
-          </p:cNvPr>
-          <p:cNvSpPr txBox="1"/>
-          <p:nvPr/>
-        </p:nvSpPr>
-        <p:spPr>
-          <a:xfrm>
-            <a:off x="362148" y="160202"/>
-            <a:ext cx="3062954" cy="400110"/>
-          </a:xfrm>
-          <a:prstGeom prst="rect">
-            <a:avLst/>
-          </a:prstGeom>
-          <a:noFill/>
-        </p:spPr>
-        <p:txBody>
-          <a:bodyPr wrap="none" rtlCol="0">
-            <a:spAutoFit/>
-          </a:bodyPr>
-          <a:lstStyle>
-            <a:defPPr>
-              <a:defRPr lang="zh-CN"/>
-            </a:defPPr>
-            <a:lvl1pPr marL="0" algn="l" defTabSz="914400" rtl="0" eaLnBrk="1" latinLnBrk="0" hangingPunct="1">
-              <a:defRPr sz="1800" kern="1200">
-                <a:solidFill>
-                  <a:schemeClr val="tx1"/>
-                </a:solidFill>
-                <a:latin typeface="+mn-lt"/>
-                <a:ea typeface="+mn-ea"/>
-                <a:cs typeface="+mn-cs"/>
-              </a:defRPr>
-            </a:lvl1pPr>
-            <a:lvl2pPr marL="457200" algn="l" defTabSz="914400" rtl="0" eaLnBrk="1" latinLnBrk="0" hangingPunct="1">
-              <a:defRPr sz="1800" kern="1200">
-                <a:solidFill>
-                  <a:schemeClr val="tx1"/>
-                </a:solidFill>
-                <a:latin typeface="+mn-lt"/>
-                <a:ea typeface="+mn-ea"/>
-                <a:cs typeface="+mn-cs"/>
-              </a:defRPr>
-            </a:lvl2pPr>
-            <a:lvl3pPr marL="914400" algn="l" defTabSz="914400" rtl="0" eaLnBrk="1" latinLnBrk="0" hangingPunct="1">
-              <a:defRPr sz="1800" kern="1200">
-                <a:solidFill>
-                  <a:schemeClr val="tx1"/>
-                </a:solidFill>
-                <a:latin typeface="+mn-lt"/>
-                <a:ea typeface="+mn-ea"/>
-                <a:cs typeface="+mn-cs"/>
-              </a:defRPr>
-            </a:lvl3pPr>
-            <a:lvl4pPr marL="1371600" algn="l" defTabSz="914400" rtl="0" eaLnBrk="1" latinLnBrk="0" hangingPunct="1">
-              <a:defRPr sz="1800" kern="1200">
-                <a:solidFill>
-                  <a:schemeClr val="tx1"/>
-                </a:solidFill>
-                <a:latin typeface="+mn-lt"/>
-                <a:ea typeface="+mn-ea"/>
-                <a:cs typeface="+mn-cs"/>
-              </a:defRPr>
-            </a:lvl4pPr>
-            <a:lvl5pPr marL="1828800" algn="l" defTabSz="914400" rtl="0" eaLnBrk="1" latinLnBrk="0" hangingPunct="1">
-              <a:defRPr sz="1800" kern="1200">
-                <a:solidFill>
-                  <a:schemeClr val="tx1"/>
-                </a:solidFill>
-                <a:latin typeface="+mn-lt"/>
-                <a:ea typeface="+mn-ea"/>
-                <a:cs typeface="+mn-cs"/>
-              </a:defRPr>
-            </a:lvl5pPr>
-            <a:lvl6pPr marL="2286000" algn="l" defTabSz="914400" rtl="0" eaLnBrk="1" latinLnBrk="0" hangingPunct="1">
-              <a:defRPr sz="1800" kern="1200">
-                <a:solidFill>
-                  <a:schemeClr val="tx1"/>
-                </a:solidFill>
-                <a:latin typeface="+mn-lt"/>
-                <a:ea typeface="+mn-ea"/>
-                <a:cs typeface="+mn-cs"/>
-              </a:defRPr>
-            </a:lvl6pPr>
-            <a:lvl7pPr marL="2743200" algn="l" defTabSz="914400" rtl="0" eaLnBrk="1" latinLnBrk="0" hangingPunct="1">
-              <a:defRPr sz="1800" kern="1200">
-                <a:solidFill>
-                  <a:schemeClr val="tx1"/>
-                </a:solidFill>
-                <a:latin typeface="+mn-lt"/>
-                <a:ea typeface="+mn-ea"/>
-                <a:cs typeface="+mn-cs"/>
-              </a:defRPr>
-            </a:lvl7pPr>
-            <a:lvl8pPr marL="3200400" algn="l" defTabSz="914400" rtl="0" eaLnBrk="1" latinLnBrk="0" hangingPunct="1">
-              <a:defRPr sz="1800" kern="1200">
-                <a:solidFill>
-                  <a:schemeClr val="tx1"/>
-                </a:solidFill>
-                <a:latin typeface="+mn-lt"/>
-                <a:ea typeface="+mn-ea"/>
-                <a:cs typeface="+mn-cs"/>
-              </a:defRPr>
-            </a:lvl8pPr>
-            <a:lvl9pPr marL="3657600" algn="l" defTabSz="914400" rtl="0" eaLnBrk="1" latinLnBrk="0" hangingPunct="1">
-              <a:defRPr sz="1800" kern="1200">
-                <a:solidFill>
-                  <a:schemeClr val="tx1"/>
-                </a:solidFill>
-                <a:latin typeface="+mn-lt"/>
-                <a:ea typeface="+mn-ea"/>
-                <a:cs typeface="+mn-cs"/>
-              </a:defRPr>
-            </a:lvl9pPr>
-          </a:lstStyle>
-          <a:p>
-            <a:pPr lvl="0"/>
-            <a:r>
-              <a:rPr lang="en-US" altLang="zh-CN" sz="2000" b="1" dirty="0">
-                <a:solidFill>
-                  <a:srgbClr val="4472C4"/>
-                </a:solidFill>
-                <a:latin typeface="微软雅黑" panose="020B0503020204020204" pitchFamily="34" charset="-122"/>
-                <a:ea typeface="微软雅黑" panose="020B0503020204020204" pitchFamily="34" charset="-122"/>
-              </a:rPr>
-              <a:t>Framework of</a:t>
-            </a:r>
-            <a:r>
-              <a:rPr lang="zh-CN" altLang="en-US" sz="2000" b="1" dirty="0">
-                <a:solidFill>
-                  <a:srgbClr val="4472C4"/>
-                </a:solidFill>
-                <a:latin typeface="微软雅黑" panose="020B0503020204020204" pitchFamily="34" charset="-122"/>
-                <a:ea typeface="微软雅黑" panose="020B0503020204020204" pitchFamily="34" charset="-122"/>
-              </a:rPr>
-              <a:t> </a:t>
-            </a:r>
-            <a:r>
-              <a:rPr lang="en-US" altLang="zh-CN" sz="2000" b="1" dirty="0">
-                <a:solidFill>
-                  <a:srgbClr val="4472C4"/>
-                </a:solidFill>
-                <a:latin typeface="微软雅黑" panose="020B0503020204020204" pitchFamily="34" charset="-122"/>
-                <a:ea typeface="微软雅黑" panose="020B0503020204020204" pitchFamily="34" charset="-122"/>
-              </a:rPr>
-              <a:t>Method</a:t>
-            </a:r>
-          </a:p>
-        </p:txBody>
-      </p:sp>
-      <p:pic>
-        <p:nvPicPr>
           <p:cNvPr id="16" name="图片 15"/>
           <p:cNvPicPr>
             <a:picLocks noChangeAspect="1"/>
@@ -12592,7 +12139,7 @@
           <p:nvPr/>
         </p:nvPicPr>
         <p:blipFill>
-          <a:blip r:embed="rId4" cstate="print">
+          <a:blip r:embed="rId3" cstate="print">
             <a:extLst>
               <a:ext uri="{28A0092B-C50C-407E-A947-70E740481C1C}">
                 <a14:useLocalDpi xmlns:a14="http://schemas.microsoft.com/office/drawing/2010/main" val="0"/>
@@ -12613,12 +12160,148 @@
           </a:prstGeom>
         </p:spPr>
       </p:pic>
+      <p:sp>
+        <p:nvSpPr>
+          <p:cNvPr id="17" name="文本框 46">
+            <a:extLst>
+              <a:ext uri="{FF2B5EF4-FFF2-40B4-BE49-F238E27FC236}">
+                <a16:creationId xmlns:a16="http://schemas.microsoft.com/office/drawing/2014/main" id="{13CB2652-C5EB-4CBF-945F-6B39B99672A5}"/>
+              </a:ext>
+            </a:extLst>
+          </p:cNvPr>
+          <p:cNvSpPr txBox="1"/>
+          <p:nvPr/>
+        </p:nvSpPr>
+        <p:spPr>
+          <a:xfrm>
+            <a:off x="362148" y="160202"/>
+            <a:ext cx="1660326" cy="400110"/>
+          </a:xfrm>
+          <a:prstGeom prst="rect">
+            <a:avLst/>
+          </a:prstGeom>
+          <a:noFill/>
+        </p:spPr>
+        <p:txBody>
+          <a:bodyPr wrap="none" rtlCol="0">
+            <a:spAutoFit/>
+          </a:bodyPr>
+          <a:lstStyle>
+            <a:defPPr>
+              <a:defRPr lang="zh-CN"/>
+            </a:defPPr>
+            <a:lvl1pPr marL="0" algn="l" defTabSz="914400" rtl="0" eaLnBrk="1" latinLnBrk="0" hangingPunct="1">
+              <a:defRPr sz="1800" kern="1200">
+                <a:solidFill>
+                  <a:schemeClr val="tx1"/>
+                </a:solidFill>
+                <a:latin typeface="+mn-lt"/>
+                <a:ea typeface="+mn-ea"/>
+                <a:cs typeface="+mn-cs"/>
+              </a:defRPr>
+            </a:lvl1pPr>
+            <a:lvl2pPr marL="457200" algn="l" defTabSz="914400" rtl="0" eaLnBrk="1" latinLnBrk="0" hangingPunct="1">
+              <a:defRPr sz="1800" kern="1200">
+                <a:solidFill>
+                  <a:schemeClr val="tx1"/>
+                </a:solidFill>
+                <a:latin typeface="+mn-lt"/>
+                <a:ea typeface="+mn-ea"/>
+                <a:cs typeface="+mn-cs"/>
+              </a:defRPr>
+            </a:lvl2pPr>
+            <a:lvl3pPr marL="914400" algn="l" defTabSz="914400" rtl="0" eaLnBrk="1" latinLnBrk="0" hangingPunct="1">
+              <a:defRPr sz="1800" kern="1200">
+                <a:solidFill>
+                  <a:schemeClr val="tx1"/>
+                </a:solidFill>
+                <a:latin typeface="+mn-lt"/>
+                <a:ea typeface="+mn-ea"/>
+                <a:cs typeface="+mn-cs"/>
+              </a:defRPr>
+            </a:lvl3pPr>
+            <a:lvl4pPr marL="1371600" algn="l" defTabSz="914400" rtl="0" eaLnBrk="1" latinLnBrk="0" hangingPunct="1">
+              <a:defRPr sz="1800" kern="1200">
+                <a:solidFill>
+                  <a:schemeClr val="tx1"/>
+                </a:solidFill>
+                <a:latin typeface="+mn-lt"/>
+                <a:ea typeface="+mn-ea"/>
+                <a:cs typeface="+mn-cs"/>
+              </a:defRPr>
+            </a:lvl4pPr>
+            <a:lvl5pPr marL="1828800" algn="l" defTabSz="914400" rtl="0" eaLnBrk="1" latinLnBrk="0" hangingPunct="1">
+              <a:defRPr sz="1800" kern="1200">
+                <a:solidFill>
+                  <a:schemeClr val="tx1"/>
+                </a:solidFill>
+                <a:latin typeface="+mn-lt"/>
+                <a:ea typeface="+mn-ea"/>
+                <a:cs typeface="+mn-cs"/>
+              </a:defRPr>
+            </a:lvl5pPr>
+            <a:lvl6pPr marL="2286000" algn="l" defTabSz="914400" rtl="0" eaLnBrk="1" latinLnBrk="0" hangingPunct="1">
+              <a:defRPr sz="1800" kern="1200">
+                <a:solidFill>
+                  <a:schemeClr val="tx1"/>
+                </a:solidFill>
+                <a:latin typeface="+mn-lt"/>
+                <a:ea typeface="+mn-ea"/>
+                <a:cs typeface="+mn-cs"/>
+              </a:defRPr>
+            </a:lvl6pPr>
+            <a:lvl7pPr marL="2743200" algn="l" defTabSz="914400" rtl="0" eaLnBrk="1" latinLnBrk="0" hangingPunct="1">
+              <a:defRPr sz="1800" kern="1200">
+                <a:solidFill>
+                  <a:schemeClr val="tx1"/>
+                </a:solidFill>
+                <a:latin typeface="+mn-lt"/>
+                <a:ea typeface="+mn-ea"/>
+                <a:cs typeface="+mn-cs"/>
+              </a:defRPr>
+            </a:lvl7pPr>
+            <a:lvl8pPr marL="3200400" algn="l" defTabSz="914400" rtl="0" eaLnBrk="1" latinLnBrk="0" hangingPunct="1">
+              <a:defRPr sz="1800" kern="1200">
+                <a:solidFill>
+                  <a:schemeClr val="tx1"/>
+                </a:solidFill>
+                <a:latin typeface="+mn-lt"/>
+                <a:ea typeface="+mn-ea"/>
+                <a:cs typeface="+mn-cs"/>
+              </a:defRPr>
+            </a:lvl8pPr>
+            <a:lvl9pPr marL="3657600" algn="l" defTabSz="914400" rtl="0" eaLnBrk="1" latinLnBrk="0" hangingPunct="1">
+              <a:defRPr sz="1800" kern="1200">
+                <a:solidFill>
+                  <a:schemeClr val="tx1"/>
+                </a:solidFill>
+                <a:latin typeface="+mn-lt"/>
+                <a:ea typeface="+mn-ea"/>
+                <a:cs typeface="+mn-cs"/>
+              </a:defRPr>
+            </a:lvl9pPr>
+          </a:lstStyle>
+          <a:p>
+            <a:pPr lvl="0"/>
+            <a:r>
+              <a:rPr lang="en-US" altLang="zh-CN" sz="2000" b="1" dirty="0">
+                <a:solidFill>
+                  <a:srgbClr val="4472C4"/>
+                </a:solidFill>
+                <a:latin typeface="微软雅黑" panose="020B0503020204020204" pitchFamily="34" charset="-122"/>
+                <a:ea typeface="微软雅黑" panose="020B0503020204020204" pitchFamily="34" charset="-122"/>
+              </a:rPr>
+              <a:t>Experiment</a:t>
+            </a:r>
+          </a:p>
+        </p:txBody>
+      </p:sp>
       <p:pic>
         <p:nvPicPr>
-          <p:cNvPr id="6" name="图片 5">
+          <p:cNvPr id="3" name="图片 2">
             <a:extLst>
               <a:ext uri="{FF2B5EF4-FFF2-40B4-BE49-F238E27FC236}">
-                <a16:creationId xmlns:a16="http://schemas.microsoft.com/office/drawing/2014/main" id="{49CA49F9-01B2-C584-429D-9BB19F74D5CC}"/>
+                <a16:creationId xmlns:a16="http://schemas.microsoft.com/office/drawing/2014/main" id="{2CBADFD4-843B-E882-A9CD-6FF521952916}"/>
               </a:ext>
             </a:extLst>
           </p:cNvPr>
@@ -12628,15 +12311,21 @@
           <p:nvPr/>
         </p:nvPicPr>
         <p:blipFill>
-          <a:blip r:embed="rId5"/>
+          <a:blip r:embed="rId4">
+            <a:extLst>
+              <a:ext uri="{28A0092B-C50C-407E-A947-70E740481C1C}">
+                <a14:useLocalDpi xmlns:a14="http://schemas.microsoft.com/office/drawing/2010/main" val="0"/>
+              </a:ext>
+            </a:extLst>
+          </a:blip>
           <a:stretch>
             <a:fillRect/>
           </a:stretch>
         </p:blipFill>
         <p:spPr>
           <a:xfrm>
-            <a:off x="76200" y="841267"/>
-            <a:ext cx="8780585" cy="3733800"/>
+            <a:off x="533400" y="1885950"/>
+            <a:ext cx="7810500" cy="1200150"/>
           </a:xfrm>
           <a:prstGeom prst="rect">
             <a:avLst/>
@@ -12646,7 +12335,7 @@
     </p:spTree>
     <p:extLst>
       <p:ext uri="{BB962C8B-B14F-4D97-AF65-F5344CB8AC3E}">
-        <p14:creationId xmlns:p14="http://schemas.microsoft.com/office/powerpoint/2010/main" val="1176159672"/>
+        <p14:creationId xmlns:p14="http://schemas.microsoft.com/office/powerpoint/2010/main" val="2771058579"/>
       </p:ext>
     </p:extLst>
   </p:cSld>
@@ -12726,7 +12415,7 @@
         <p:spPr>
           <a:xfrm>
             <a:off x="362148" y="160202"/>
-            <a:ext cx="1297150" cy="400110"/>
+            <a:ext cx="1660326" cy="400110"/>
           </a:xfrm>
           <a:prstGeom prst="rect">
             <a:avLst/>
@@ -12842,237 +12531,81 @@
                 <a:latin typeface="微软雅黑" panose="020B0503020204020204" pitchFamily="34" charset="-122"/>
                 <a:ea typeface="微软雅黑" panose="020B0503020204020204" pitchFamily="34" charset="-122"/>
               </a:rPr>
-              <a:t>Datasets</a:t>
-            </a:r>
-          </a:p>
-        </p:txBody>
-      </p:sp>
-      <p:sp>
-        <p:nvSpPr>
-          <p:cNvPr id="3" name="文本框 2">
+              <a:t>Experiment</a:t>
+            </a:r>
+          </a:p>
+        </p:txBody>
+      </p:sp>
+      <p:pic>
+        <p:nvPicPr>
+          <p:cNvPr id="4" name="图片 3">
             <a:extLst>
               <a:ext uri="{FF2B5EF4-FFF2-40B4-BE49-F238E27FC236}">
-                <a16:creationId xmlns:a16="http://schemas.microsoft.com/office/drawing/2014/main" id="{E63342BB-812F-97DD-E19F-28740F1EE9A6}"/>
+                <a16:creationId xmlns:a16="http://schemas.microsoft.com/office/drawing/2014/main" id="{7DEC2B4C-A5A4-37E4-F803-746CAFD84ED1}"/>
               </a:ext>
             </a:extLst>
           </p:cNvPr>
-          <p:cNvSpPr txBox="1"/>
+          <p:cNvPicPr>
+            <a:picLocks noChangeAspect="1"/>
+          </p:cNvPicPr>
           <p:nvPr/>
-        </p:nvSpPr>
-        <p:spPr>
-          <a:xfrm>
-            <a:off x="350311" y="742950"/>
-            <a:ext cx="4572000" cy="369332"/>
-          </a:xfrm>
-          <a:prstGeom prst="rect">
-            <a:avLst/>
-          </a:prstGeom>
-          <a:noFill/>
-        </p:spPr>
-        <p:txBody>
-          <a:bodyPr wrap="square">
-            <a:spAutoFit/>
-          </a:bodyPr>
-          <a:lstStyle/>
-          <a:p>
-            <a:pPr marL="285750" indent="-285750">
-              <a:buFont typeface="Wingdings" panose="05000000000000000000" pitchFamily="2" charset="2"/>
-              <a:buChar char="Ø"/>
-            </a:pPr>
-            <a:r>
-              <a:rPr lang="zh-CN" altLang="en-US" b="1" dirty="0"/>
-              <a:t>Sen2_MTC_Old</a:t>
-            </a:r>
-          </a:p>
-        </p:txBody>
-      </p:sp>
-      <p:sp>
-        <p:nvSpPr>
-          <p:cNvPr id="6" name="文本框 5">
+        </p:nvPicPr>
+        <p:blipFill>
+          <a:blip r:embed="rId4">
+            <a:extLst>
+              <a:ext uri="{28A0092B-C50C-407E-A947-70E740481C1C}">
+                <a14:useLocalDpi xmlns:a14="http://schemas.microsoft.com/office/drawing/2010/main" val="0"/>
+              </a:ext>
+            </a:extLst>
+          </a:blip>
+          <a:stretch>
+            <a:fillRect/>
+          </a:stretch>
+        </p:blipFill>
+        <p:spPr>
+          <a:xfrm>
+            <a:off x="1265971" y="742950"/>
+            <a:ext cx="6486525" cy="2847743"/>
+          </a:xfrm>
+          <a:prstGeom prst="rect">
+            <a:avLst/>
+          </a:prstGeom>
+        </p:spPr>
+      </p:pic>
+      <p:pic>
+        <p:nvPicPr>
+          <p:cNvPr id="7" name="图片 6">
             <a:extLst>
               <a:ext uri="{FF2B5EF4-FFF2-40B4-BE49-F238E27FC236}">
-                <a16:creationId xmlns:a16="http://schemas.microsoft.com/office/drawing/2014/main" id="{1F53E5EA-8270-D64A-55AB-AD699FC71545}"/>
+                <a16:creationId xmlns:a16="http://schemas.microsoft.com/office/drawing/2014/main" id="{3829DADB-D75D-EDE5-0A46-A8685ECEE7C7}"/>
               </a:ext>
             </a:extLst>
           </p:cNvPr>
-          <p:cNvSpPr txBox="1"/>
+          <p:cNvPicPr>
+            <a:picLocks noChangeAspect="1"/>
+          </p:cNvPicPr>
           <p:nvPr/>
-        </p:nvSpPr>
-        <p:spPr>
-          <a:xfrm>
-            <a:off x="609600" y="1112282"/>
-            <a:ext cx="7391400" cy="1477328"/>
-          </a:xfrm>
-          <a:prstGeom prst="rect">
-            <a:avLst/>
-          </a:prstGeom>
-          <a:noFill/>
-        </p:spPr>
-        <p:txBody>
-          <a:bodyPr wrap="square">
-            <a:spAutoFit/>
-          </a:bodyPr>
-          <a:lstStyle/>
-          <a:p>
-            <a:pPr algn="just"/>
-            <a:r>
-              <a:rPr lang="zh-CN" altLang="en-US" dirty="0"/>
-              <a:t>由公开的</a:t>
-            </a:r>
-            <a:r>
-              <a:rPr lang="zh-CN" altLang="en-US" dirty="0">
-                <a:solidFill>
-                  <a:srgbClr val="FF0000"/>
-                </a:solidFill>
-              </a:rPr>
-              <a:t>哨兵-2</a:t>
-            </a:r>
-            <a:r>
-              <a:rPr lang="zh-CN" altLang="en-US" dirty="0"/>
-              <a:t> 图像创建。它共有 </a:t>
-            </a:r>
-            <a:r>
-              <a:rPr lang="zh-CN" altLang="en-US" dirty="0">
-                <a:solidFill>
-                  <a:srgbClr val="FF0000"/>
-                </a:solidFill>
-              </a:rPr>
-              <a:t>3130 </a:t>
-            </a:r>
-            <a:r>
-              <a:rPr lang="zh-CN" altLang="en-US" dirty="0"/>
-              <a:t>对图像。每三幅多云图像对应一幅无云图像，每幅图像的大小（w，h）=（256，256），通道数 C=4（RGB 和红外线），像素值范围为 [0，255]。每幅图像的像素值在输入前均归一化为 [0，1]，然后通过平均值和方差 0.5 转换为 [-1，1]。该数据集按 8 : 1 : 1 的比例分为训练集、验证集和测试集。</a:t>
-            </a:r>
-          </a:p>
-        </p:txBody>
-      </p:sp>
-      <p:sp>
-        <p:nvSpPr>
-          <p:cNvPr id="8" name="文本框 7">
-            <a:extLst>
-              <a:ext uri="{FF2B5EF4-FFF2-40B4-BE49-F238E27FC236}">
-                <a16:creationId xmlns:a16="http://schemas.microsoft.com/office/drawing/2014/main" id="{CFF6DCD2-222E-D60F-9249-657EA8057EA5}"/>
-              </a:ext>
-            </a:extLst>
-          </p:cNvPr>
-          <p:cNvSpPr txBox="1"/>
-          <p:nvPr/>
-        </p:nvSpPr>
-        <p:spPr>
-          <a:xfrm>
-            <a:off x="362148" y="2724150"/>
-            <a:ext cx="4572000" cy="369332"/>
-          </a:xfrm>
-          <a:prstGeom prst="rect">
-            <a:avLst/>
-          </a:prstGeom>
-          <a:noFill/>
-        </p:spPr>
-        <p:txBody>
-          <a:bodyPr wrap="square">
-            <a:spAutoFit/>
-          </a:bodyPr>
-          <a:lstStyle/>
-          <a:p>
-            <a:pPr marL="285750" indent="-285750">
-              <a:buFont typeface="Wingdings" panose="05000000000000000000" pitchFamily="2" charset="2"/>
-              <a:buChar char="Ø"/>
-            </a:pPr>
-            <a:r>
-              <a:rPr lang="zh-CN" altLang="en-US" b="1" dirty="0"/>
-              <a:t>Sen2_MTC_New</a:t>
-            </a:r>
-          </a:p>
-        </p:txBody>
-      </p:sp>
-      <p:sp>
-        <p:nvSpPr>
-          <p:cNvPr id="10" name="文本框 9">
-            <a:extLst>
-              <a:ext uri="{FF2B5EF4-FFF2-40B4-BE49-F238E27FC236}">
-                <a16:creationId xmlns:a16="http://schemas.microsoft.com/office/drawing/2014/main" id="{9BB90CC5-1055-E31B-8FEA-54125614BFC2}"/>
-              </a:ext>
-            </a:extLst>
-          </p:cNvPr>
-          <p:cNvSpPr txBox="1"/>
-          <p:nvPr/>
-        </p:nvSpPr>
-        <p:spPr>
-          <a:xfrm>
-            <a:off x="609600" y="3292554"/>
-            <a:ext cx="7391400" cy="923330"/>
-          </a:xfrm>
-          <a:prstGeom prst="rect">
-            <a:avLst/>
-          </a:prstGeom>
-          <a:noFill/>
-        </p:spPr>
-        <p:txBody>
-          <a:bodyPr wrap="square">
-            <a:spAutoFit/>
-          </a:bodyPr>
-          <a:lstStyle/>
-          <a:p>
-            <a:pPr algn="just"/>
-            <a:r>
-              <a:rPr lang="zh-CN" altLang="en-US" dirty="0"/>
-              <a:t>根据</a:t>
-            </a:r>
-            <a:r>
-              <a:rPr lang="zh-CN" altLang="en-US" dirty="0">
-                <a:solidFill>
-                  <a:srgbClr val="FF0000"/>
-                </a:solidFill>
-              </a:rPr>
-              <a:t>哨兵-2</a:t>
-            </a:r>
-            <a:r>
-              <a:rPr lang="zh-CN" altLang="en-US" dirty="0"/>
-              <a:t>图像创建的，包含约</a:t>
-            </a:r>
-            <a:r>
-              <a:rPr lang="en-US" altLang="zh-CN" dirty="0">
-                <a:solidFill>
-                  <a:srgbClr val="FF0000"/>
-                </a:solidFill>
-              </a:rPr>
-              <a:t>3</a:t>
-            </a:r>
-            <a:r>
-              <a:rPr lang="zh-CN" altLang="en-US" dirty="0">
-                <a:solidFill>
-                  <a:srgbClr val="FF0000"/>
-                </a:solidFill>
-              </a:rPr>
-              <a:t>5</a:t>
-            </a:r>
-            <a:r>
-              <a:rPr lang="en-US" altLang="zh-CN" dirty="0">
-                <a:solidFill>
-                  <a:srgbClr val="FF0000"/>
-                </a:solidFill>
-              </a:rPr>
-              <a:t>0</a:t>
-            </a:r>
-            <a:r>
-              <a:rPr lang="zh-CN" altLang="en-US" dirty="0">
-                <a:solidFill>
-                  <a:srgbClr val="FF0000"/>
-                </a:solidFill>
-              </a:rPr>
-              <a:t>0</a:t>
-            </a:r>
-            <a:r>
-              <a:rPr lang="zh-CN" altLang="en-US" dirty="0"/>
-              <a:t>对图像。像素值范围为 [0, 10000]。与 Sen2_MTC_Old 数据集相比，它具有更高的分辨率和注释质量。该数据集按 7 : 1 : 2 的比例分为训练集、验证集和测试集。</a:t>
-            </a:r>
-          </a:p>
-        </p:txBody>
-      </p:sp>
+        </p:nvPicPr>
+        <p:blipFill>
+          <a:blip r:embed="rId5"/>
+          <a:stretch>
+            <a:fillRect/>
+          </a:stretch>
+        </p:blipFill>
+        <p:spPr>
+          <a:xfrm>
+            <a:off x="1275430" y="3651594"/>
+            <a:ext cx="6324600" cy="1331704"/>
+          </a:xfrm>
+          <a:prstGeom prst="rect">
+            <a:avLst/>
+          </a:prstGeom>
+        </p:spPr>
+      </p:pic>
     </p:spTree>
     <p:extLst>
       <p:ext uri="{BB962C8B-B14F-4D97-AF65-F5344CB8AC3E}">
-        <p14:creationId xmlns:p14="http://schemas.microsoft.com/office/powerpoint/2010/main" val="2090015547"/>
+        <p14:creationId xmlns:p14="http://schemas.microsoft.com/office/powerpoint/2010/main" val="3290962697"/>
       </p:ext>
     </p:extLst>
   </p:cSld>
@@ -13109,36 +12642,6 @@
       </p:grpSpPr>
       <p:pic>
         <p:nvPicPr>
-          <p:cNvPr id="5" name="图片 4">
-            <a:extLst>
-              <a:ext uri="{FF2B5EF4-FFF2-40B4-BE49-F238E27FC236}">
-                <a16:creationId xmlns:a16="http://schemas.microsoft.com/office/drawing/2014/main" id="{7128922E-03BB-22F8-6AAC-7383F6B048E3}"/>
-              </a:ext>
-            </a:extLst>
-          </p:cNvPr>
-          <p:cNvPicPr>
-            <a:picLocks noChangeAspect="1"/>
-          </p:cNvPicPr>
-          <p:nvPr/>
-        </p:nvPicPr>
-        <p:blipFill>
-          <a:blip r:embed="rId3"/>
-          <a:stretch>
-            <a:fillRect/>
-          </a:stretch>
-        </p:blipFill>
-        <p:spPr>
-          <a:xfrm>
-            <a:off x="255866" y="742950"/>
-            <a:ext cx="8632268" cy="2293889"/>
-          </a:xfrm>
-          <a:prstGeom prst="rect">
-            <a:avLst/>
-          </a:prstGeom>
-        </p:spPr>
-      </p:pic>
-      <p:pic>
-        <p:nvPicPr>
           <p:cNvPr id="16" name="图片 15"/>
           <p:cNvPicPr>
             <a:picLocks noChangeAspect="1"/>
@@ -13146,7 +12649,7 @@
           <p:nvPr/>
         </p:nvPicPr>
         <p:blipFill>
-          <a:blip r:embed="rId4" cstate="print">
+          <a:blip r:embed="rId3" cstate="print">
             <a:extLst>
               <a:ext uri="{28A0092B-C50C-407E-A947-70E740481C1C}">
                 <a14:useLocalDpi xmlns:a14="http://schemas.microsoft.com/office/drawing/2010/main" val="0"/>
@@ -13303,10 +12806,46 @@
           </a:p>
         </p:txBody>
       </p:sp>
+      <p:pic>
+        <p:nvPicPr>
+          <p:cNvPr id="3" name="图片 2">
+            <a:extLst>
+              <a:ext uri="{FF2B5EF4-FFF2-40B4-BE49-F238E27FC236}">
+                <a16:creationId xmlns:a16="http://schemas.microsoft.com/office/drawing/2014/main" id="{1BF2C42A-D5CC-5764-A5EB-DB19D09FE385}"/>
+              </a:ext>
+            </a:extLst>
+          </p:cNvPr>
+          <p:cNvPicPr>
+            <a:picLocks noChangeAspect="1"/>
+          </p:cNvPicPr>
+          <p:nvPr/>
+        </p:nvPicPr>
+        <p:blipFill>
+          <a:blip r:embed="rId4">
+            <a:extLst>
+              <a:ext uri="{28A0092B-C50C-407E-A947-70E740481C1C}">
+                <a14:useLocalDpi xmlns:a14="http://schemas.microsoft.com/office/drawing/2010/main" val="0"/>
+              </a:ext>
+            </a:extLst>
+          </a:blip>
+          <a:stretch>
+            <a:fillRect/>
+          </a:stretch>
+        </p:blipFill>
+        <p:spPr>
+          <a:xfrm>
+            <a:off x="1295400" y="1037249"/>
+            <a:ext cx="6419850" cy="3069001"/>
+          </a:xfrm>
+          <a:prstGeom prst="rect">
+            <a:avLst/>
+          </a:prstGeom>
+        </p:spPr>
+      </p:pic>
     </p:spTree>
     <p:extLst>
       <p:ext uri="{BB962C8B-B14F-4D97-AF65-F5344CB8AC3E}">
-        <p14:creationId xmlns:p14="http://schemas.microsoft.com/office/powerpoint/2010/main" val="2771058579"/>
+        <p14:creationId xmlns:p14="http://schemas.microsoft.com/office/powerpoint/2010/main" val="553902253"/>
       </p:ext>
     </p:extLst>
   </p:cSld>
@@ -13386,1138 +12925,6 @@
         <p:spPr>
           <a:xfrm>
             <a:off x="362148" y="160202"/>
-            <a:ext cx="1660326" cy="400110"/>
-          </a:xfrm>
-          <a:prstGeom prst="rect">
-            <a:avLst/>
-          </a:prstGeom>
-          <a:noFill/>
-        </p:spPr>
-        <p:txBody>
-          <a:bodyPr wrap="none" rtlCol="0">
-            <a:spAutoFit/>
-          </a:bodyPr>
-          <a:lstStyle>
-            <a:defPPr>
-              <a:defRPr lang="zh-CN"/>
-            </a:defPPr>
-            <a:lvl1pPr marL="0" algn="l" defTabSz="914400" rtl="0" eaLnBrk="1" latinLnBrk="0" hangingPunct="1">
-              <a:defRPr sz="1800" kern="1200">
-                <a:solidFill>
-                  <a:schemeClr val="tx1"/>
-                </a:solidFill>
-                <a:latin typeface="+mn-lt"/>
-                <a:ea typeface="+mn-ea"/>
-                <a:cs typeface="+mn-cs"/>
-              </a:defRPr>
-            </a:lvl1pPr>
-            <a:lvl2pPr marL="457200" algn="l" defTabSz="914400" rtl="0" eaLnBrk="1" latinLnBrk="0" hangingPunct="1">
-              <a:defRPr sz="1800" kern="1200">
-                <a:solidFill>
-                  <a:schemeClr val="tx1"/>
-                </a:solidFill>
-                <a:latin typeface="+mn-lt"/>
-                <a:ea typeface="+mn-ea"/>
-                <a:cs typeface="+mn-cs"/>
-              </a:defRPr>
-            </a:lvl2pPr>
-            <a:lvl3pPr marL="914400" algn="l" defTabSz="914400" rtl="0" eaLnBrk="1" latinLnBrk="0" hangingPunct="1">
-              <a:defRPr sz="1800" kern="1200">
-                <a:solidFill>
-                  <a:schemeClr val="tx1"/>
-                </a:solidFill>
-                <a:latin typeface="+mn-lt"/>
-                <a:ea typeface="+mn-ea"/>
-                <a:cs typeface="+mn-cs"/>
-              </a:defRPr>
-            </a:lvl3pPr>
-            <a:lvl4pPr marL="1371600" algn="l" defTabSz="914400" rtl="0" eaLnBrk="1" latinLnBrk="0" hangingPunct="1">
-              <a:defRPr sz="1800" kern="1200">
-                <a:solidFill>
-                  <a:schemeClr val="tx1"/>
-                </a:solidFill>
-                <a:latin typeface="+mn-lt"/>
-                <a:ea typeface="+mn-ea"/>
-                <a:cs typeface="+mn-cs"/>
-              </a:defRPr>
-            </a:lvl4pPr>
-            <a:lvl5pPr marL="1828800" algn="l" defTabSz="914400" rtl="0" eaLnBrk="1" latinLnBrk="0" hangingPunct="1">
-              <a:defRPr sz="1800" kern="1200">
-                <a:solidFill>
-                  <a:schemeClr val="tx1"/>
-                </a:solidFill>
-                <a:latin typeface="+mn-lt"/>
-                <a:ea typeface="+mn-ea"/>
-                <a:cs typeface="+mn-cs"/>
-              </a:defRPr>
-            </a:lvl5pPr>
-            <a:lvl6pPr marL="2286000" algn="l" defTabSz="914400" rtl="0" eaLnBrk="1" latinLnBrk="0" hangingPunct="1">
-              <a:defRPr sz="1800" kern="1200">
-                <a:solidFill>
-                  <a:schemeClr val="tx1"/>
-                </a:solidFill>
-                <a:latin typeface="+mn-lt"/>
-                <a:ea typeface="+mn-ea"/>
-                <a:cs typeface="+mn-cs"/>
-              </a:defRPr>
-            </a:lvl6pPr>
-            <a:lvl7pPr marL="2743200" algn="l" defTabSz="914400" rtl="0" eaLnBrk="1" latinLnBrk="0" hangingPunct="1">
-              <a:defRPr sz="1800" kern="1200">
-                <a:solidFill>
-                  <a:schemeClr val="tx1"/>
-                </a:solidFill>
-                <a:latin typeface="+mn-lt"/>
-                <a:ea typeface="+mn-ea"/>
-                <a:cs typeface="+mn-cs"/>
-              </a:defRPr>
-            </a:lvl7pPr>
-            <a:lvl8pPr marL="3200400" algn="l" defTabSz="914400" rtl="0" eaLnBrk="1" latinLnBrk="0" hangingPunct="1">
-              <a:defRPr sz="1800" kern="1200">
-                <a:solidFill>
-                  <a:schemeClr val="tx1"/>
-                </a:solidFill>
-                <a:latin typeface="+mn-lt"/>
-                <a:ea typeface="+mn-ea"/>
-                <a:cs typeface="+mn-cs"/>
-              </a:defRPr>
-            </a:lvl8pPr>
-            <a:lvl9pPr marL="3657600" algn="l" defTabSz="914400" rtl="0" eaLnBrk="1" latinLnBrk="0" hangingPunct="1">
-              <a:defRPr sz="1800" kern="1200">
-                <a:solidFill>
-                  <a:schemeClr val="tx1"/>
-                </a:solidFill>
-                <a:latin typeface="+mn-lt"/>
-                <a:ea typeface="+mn-ea"/>
-                <a:cs typeface="+mn-cs"/>
-              </a:defRPr>
-            </a:lvl9pPr>
-          </a:lstStyle>
-          <a:p>
-            <a:pPr lvl="0"/>
-            <a:r>
-              <a:rPr lang="en-US" altLang="zh-CN" sz="2000" b="1" dirty="0">
-                <a:solidFill>
-                  <a:srgbClr val="4472C4"/>
-                </a:solidFill>
-                <a:latin typeface="微软雅黑" panose="020B0503020204020204" pitchFamily="34" charset="-122"/>
-                <a:ea typeface="微软雅黑" panose="020B0503020204020204" pitchFamily="34" charset="-122"/>
-              </a:rPr>
-              <a:t>Experiment</a:t>
-            </a:r>
-          </a:p>
-        </p:txBody>
-      </p:sp>
-      <p:pic>
-        <p:nvPicPr>
-          <p:cNvPr id="3" name="图片 2">
-            <a:extLst>
-              <a:ext uri="{FF2B5EF4-FFF2-40B4-BE49-F238E27FC236}">
-                <a16:creationId xmlns:a16="http://schemas.microsoft.com/office/drawing/2014/main" id="{9933AB30-02CD-9087-86B3-84C4C6FBED71}"/>
-              </a:ext>
-            </a:extLst>
-          </p:cNvPr>
-          <p:cNvPicPr>
-            <a:picLocks noChangeAspect="1"/>
-          </p:cNvPicPr>
-          <p:nvPr/>
-        </p:nvPicPr>
-        <p:blipFill>
-          <a:blip r:embed="rId4"/>
-          <a:stretch>
-            <a:fillRect/>
-          </a:stretch>
-        </p:blipFill>
-        <p:spPr>
-          <a:xfrm>
-            <a:off x="228600" y="666750"/>
-            <a:ext cx="4665689" cy="3952875"/>
-          </a:xfrm>
-          <a:prstGeom prst="rect">
-            <a:avLst/>
-          </a:prstGeom>
-        </p:spPr>
-      </p:pic>
-      <p:sp>
-        <p:nvSpPr>
-          <p:cNvPr id="6" name="文本框 5">
-            <a:extLst>
-              <a:ext uri="{FF2B5EF4-FFF2-40B4-BE49-F238E27FC236}">
-                <a16:creationId xmlns:a16="http://schemas.microsoft.com/office/drawing/2014/main" id="{DF2F5164-3947-1426-D62E-E3C8ED8E28F0}"/>
-              </a:ext>
-            </a:extLst>
-          </p:cNvPr>
-          <p:cNvSpPr txBox="1"/>
-          <p:nvPr/>
-        </p:nvSpPr>
-        <p:spPr>
-          <a:xfrm>
-            <a:off x="5105400" y="1362728"/>
-            <a:ext cx="3962400" cy="1843903"/>
-          </a:xfrm>
-          <a:prstGeom prst="rect">
-            <a:avLst/>
-          </a:prstGeom>
-          <a:noFill/>
-        </p:spPr>
-        <p:txBody>
-          <a:bodyPr wrap="square">
-            <a:spAutoFit/>
-          </a:bodyPr>
-          <a:lstStyle/>
-          <a:p>
-            <a:pPr marL="285750" indent="-285750">
-              <a:buFont typeface="Wingdings" panose="05000000000000000000" pitchFamily="2" charset="2"/>
-              <a:buChar char="Ø"/>
-            </a:pPr>
-            <a:r>
-              <a:rPr lang="zh-CN" altLang="en-US" b="1" dirty="0"/>
-              <a:t>量化比较渐进学习阶段数量的影响</a:t>
-            </a:r>
-            <a:endParaRPr lang="en-US" altLang="zh-CN" dirty="0"/>
-          </a:p>
-          <a:p>
-            <a:pPr marL="285750" indent="-285750">
-              <a:buFont typeface="Wingdings" panose="05000000000000000000" pitchFamily="2" charset="2"/>
-              <a:buChar char="Ø"/>
-            </a:pPr>
-            <a:endParaRPr lang="en-US" altLang="zh-CN" dirty="0"/>
-          </a:p>
-          <a:p>
-            <a:pPr marL="720000" indent="-457200">
-              <a:lnSpc>
-                <a:spcPct val="150000"/>
-              </a:lnSpc>
-            </a:pPr>
-            <a:r>
-              <a:rPr lang="zh-CN" altLang="en-US" dirty="0"/>
-              <a:t>圆圈的面积表示模型参数的数量，</a:t>
-            </a:r>
-            <a:endParaRPr lang="en-US" altLang="zh-CN" dirty="0"/>
-          </a:p>
-          <a:p>
-            <a:pPr marL="720000" indent="-457200">
-              <a:lnSpc>
-                <a:spcPct val="150000"/>
-              </a:lnSpc>
-            </a:pPr>
-            <a:r>
-              <a:rPr lang="zh-CN" altLang="en-US" dirty="0"/>
-              <a:t>较大的圆圈表示更多的参数。</a:t>
-            </a:r>
-            <a:endParaRPr lang="en-US" altLang="zh-CN" dirty="0"/>
-          </a:p>
-          <a:p>
-            <a:pPr marL="720000" indent="-457200">
-              <a:lnSpc>
-                <a:spcPct val="150000"/>
-              </a:lnSpc>
-            </a:pPr>
-            <a:r>
-              <a:rPr lang="zh-CN" altLang="en-US" dirty="0"/>
-              <a:t>圆圈中的数字表示不同阶段的数量。 </a:t>
-            </a:r>
-          </a:p>
-        </p:txBody>
-      </p:sp>
-    </p:spTree>
-    <p:extLst>
-      <p:ext uri="{BB962C8B-B14F-4D97-AF65-F5344CB8AC3E}">
-        <p14:creationId xmlns:p14="http://schemas.microsoft.com/office/powerpoint/2010/main" val="3290962697"/>
-      </p:ext>
-    </p:extLst>
-  </p:cSld>
-  <p:clrMapOvr>
-    <a:masterClrMapping/>
-  </p:clrMapOvr>
-  <mc:AlternateContent xmlns:mc="http://schemas.openxmlformats.org/markup-compatibility/2006" xmlns:p14="http://schemas.microsoft.com/office/powerpoint/2010/main">
-    <mc:Choice Requires="p14">
-      <p:transition spd="slow" p14:dur="2000" advTm="3000"/>
-    </mc:Choice>
-    <mc:Fallback xmlns="">
-      <p:transition spd="slow" advTm="3000"/>
-    </mc:Fallback>
-  </mc:AlternateContent>
-</p:sld>
-</file>
-
-<file path=ppt/slides/slide14.xml><?xml version="1.0" encoding="utf-8"?>
-<p:sld xmlns:a="http://schemas.openxmlformats.org/drawingml/2006/main" xmlns:r="http://schemas.openxmlformats.org/officeDocument/2006/relationships" xmlns:p="http://schemas.openxmlformats.org/presentationml/2006/main">
-  <p:cSld>
-    <p:spTree>
-      <p:nvGrpSpPr>
-        <p:cNvPr id="1" name=""/>
-        <p:cNvGrpSpPr/>
-        <p:nvPr/>
-      </p:nvGrpSpPr>
-      <p:grpSpPr>
-        <a:xfrm>
-          <a:off x="0" y="0"/>
-          <a:ext cx="0" cy="0"/>
-          <a:chOff x="0" y="0"/>
-          <a:chExt cx="0" cy="0"/>
-        </a:xfrm>
-      </p:grpSpPr>
-      <p:pic>
-        <p:nvPicPr>
-          <p:cNvPr id="16" name="图片 15"/>
-          <p:cNvPicPr>
-            <a:picLocks noChangeAspect="1"/>
-          </p:cNvPicPr>
-          <p:nvPr/>
-        </p:nvPicPr>
-        <p:blipFill>
-          <a:blip r:embed="rId3" cstate="print">
-            <a:extLst>
-              <a:ext uri="{28A0092B-C50C-407E-A947-70E740481C1C}">
-                <a14:useLocalDpi xmlns:a14="http://schemas.microsoft.com/office/drawing/2010/main" val="0"/>
-              </a:ext>
-            </a:extLst>
-          </a:blip>
-          <a:stretch>
-            <a:fillRect/>
-          </a:stretch>
-        </p:blipFill>
-        <p:spPr>
-          <a:xfrm>
-            <a:off x="8305800" y="26882"/>
-            <a:ext cx="838200" cy="838200"/>
-          </a:xfrm>
-          <a:prstGeom prst="rect">
-            <a:avLst/>
-          </a:prstGeom>
-        </p:spPr>
-      </p:pic>
-      <p:sp>
-        <p:nvSpPr>
-          <p:cNvPr id="17" name="文本框 46">
-            <a:extLst>
-              <a:ext uri="{FF2B5EF4-FFF2-40B4-BE49-F238E27FC236}">
-                <a16:creationId xmlns:a16="http://schemas.microsoft.com/office/drawing/2014/main" id="{13CB2652-C5EB-4CBF-945F-6B39B99672A5}"/>
-              </a:ext>
-            </a:extLst>
-          </p:cNvPr>
-          <p:cNvSpPr txBox="1"/>
-          <p:nvPr/>
-        </p:nvSpPr>
-        <p:spPr>
-          <a:xfrm>
-            <a:off x="362148" y="160202"/>
-            <a:ext cx="1660326" cy="400110"/>
-          </a:xfrm>
-          <a:prstGeom prst="rect">
-            <a:avLst/>
-          </a:prstGeom>
-          <a:noFill/>
-        </p:spPr>
-        <p:txBody>
-          <a:bodyPr wrap="none" rtlCol="0">
-            <a:spAutoFit/>
-          </a:bodyPr>
-          <a:lstStyle>
-            <a:defPPr>
-              <a:defRPr lang="zh-CN"/>
-            </a:defPPr>
-            <a:lvl1pPr marL="0" algn="l" defTabSz="914400" rtl="0" eaLnBrk="1" latinLnBrk="0" hangingPunct="1">
-              <a:defRPr sz="1800" kern="1200">
-                <a:solidFill>
-                  <a:schemeClr val="tx1"/>
-                </a:solidFill>
-                <a:latin typeface="+mn-lt"/>
-                <a:ea typeface="+mn-ea"/>
-                <a:cs typeface="+mn-cs"/>
-              </a:defRPr>
-            </a:lvl1pPr>
-            <a:lvl2pPr marL="457200" algn="l" defTabSz="914400" rtl="0" eaLnBrk="1" latinLnBrk="0" hangingPunct="1">
-              <a:defRPr sz="1800" kern="1200">
-                <a:solidFill>
-                  <a:schemeClr val="tx1"/>
-                </a:solidFill>
-                <a:latin typeface="+mn-lt"/>
-                <a:ea typeface="+mn-ea"/>
-                <a:cs typeface="+mn-cs"/>
-              </a:defRPr>
-            </a:lvl2pPr>
-            <a:lvl3pPr marL="914400" algn="l" defTabSz="914400" rtl="0" eaLnBrk="1" latinLnBrk="0" hangingPunct="1">
-              <a:defRPr sz="1800" kern="1200">
-                <a:solidFill>
-                  <a:schemeClr val="tx1"/>
-                </a:solidFill>
-                <a:latin typeface="+mn-lt"/>
-                <a:ea typeface="+mn-ea"/>
-                <a:cs typeface="+mn-cs"/>
-              </a:defRPr>
-            </a:lvl3pPr>
-            <a:lvl4pPr marL="1371600" algn="l" defTabSz="914400" rtl="0" eaLnBrk="1" latinLnBrk="0" hangingPunct="1">
-              <a:defRPr sz="1800" kern="1200">
-                <a:solidFill>
-                  <a:schemeClr val="tx1"/>
-                </a:solidFill>
-                <a:latin typeface="+mn-lt"/>
-                <a:ea typeface="+mn-ea"/>
-                <a:cs typeface="+mn-cs"/>
-              </a:defRPr>
-            </a:lvl4pPr>
-            <a:lvl5pPr marL="1828800" algn="l" defTabSz="914400" rtl="0" eaLnBrk="1" latinLnBrk="0" hangingPunct="1">
-              <a:defRPr sz="1800" kern="1200">
-                <a:solidFill>
-                  <a:schemeClr val="tx1"/>
-                </a:solidFill>
-                <a:latin typeface="+mn-lt"/>
-                <a:ea typeface="+mn-ea"/>
-                <a:cs typeface="+mn-cs"/>
-              </a:defRPr>
-            </a:lvl5pPr>
-            <a:lvl6pPr marL="2286000" algn="l" defTabSz="914400" rtl="0" eaLnBrk="1" latinLnBrk="0" hangingPunct="1">
-              <a:defRPr sz="1800" kern="1200">
-                <a:solidFill>
-                  <a:schemeClr val="tx1"/>
-                </a:solidFill>
-                <a:latin typeface="+mn-lt"/>
-                <a:ea typeface="+mn-ea"/>
-                <a:cs typeface="+mn-cs"/>
-              </a:defRPr>
-            </a:lvl6pPr>
-            <a:lvl7pPr marL="2743200" algn="l" defTabSz="914400" rtl="0" eaLnBrk="1" latinLnBrk="0" hangingPunct="1">
-              <a:defRPr sz="1800" kern="1200">
-                <a:solidFill>
-                  <a:schemeClr val="tx1"/>
-                </a:solidFill>
-                <a:latin typeface="+mn-lt"/>
-                <a:ea typeface="+mn-ea"/>
-                <a:cs typeface="+mn-cs"/>
-              </a:defRPr>
-            </a:lvl7pPr>
-            <a:lvl8pPr marL="3200400" algn="l" defTabSz="914400" rtl="0" eaLnBrk="1" latinLnBrk="0" hangingPunct="1">
-              <a:defRPr sz="1800" kern="1200">
-                <a:solidFill>
-                  <a:schemeClr val="tx1"/>
-                </a:solidFill>
-                <a:latin typeface="+mn-lt"/>
-                <a:ea typeface="+mn-ea"/>
-                <a:cs typeface="+mn-cs"/>
-              </a:defRPr>
-            </a:lvl8pPr>
-            <a:lvl9pPr marL="3657600" algn="l" defTabSz="914400" rtl="0" eaLnBrk="1" latinLnBrk="0" hangingPunct="1">
-              <a:defRPr sz="1800" kern="1200">
-                <a:solidFill>
-                  <a:schemeClr val="tx1"/>
-                </a:solidFill>
-                <a:latin typeface="+mn-lt"/>
-                <a:ea typeface="+mn-ea"/>
-                <a:cs typeface="+mn-cs"/>
-              </a:defRPr>
-            </a:lvl9pPr>
-          </a:lstStyle>
-          <a:p>
-            <a:pPr lvl="0"/>
-            <a:r>
-              <a:rPr lang="en-US" altLang="zh-CN" sz="2000" b="1" dirty="0">
-                <a:solidFill>
-                  <a:srgbClr val="4472C4"/>
-                </a:solidFill>
-                <a:latin typeface="微软雅黑" panose="020B0503020204020204" pitchFamily="34" charset="-122"/>
-                <a:ea typeface="微软雅黑" panose="020B0503020204020204" pitchFamily="34" charset="-122"/>
-              </a:rPr>
-              <a:t>Experiment</a:t>
-            </a:r>
-          </a:p>
-        </p:txBody>
-      </p:sp>
-      <p:pic>
-        <p:nvPicPr>
-          <p:cNvPr id="4" name="图片 3">
-            <a:extLst>
-              <a:ext uri="{FF2B5EF4-FFF2-40B4-BE49-F238E27FC236}">
-                <a16:creationId xmlns:a16="http://schemas.microsoft.com/office/drawing/2014/main" id="{ACC7F43A-111F-1C91-C114-EF9BC028C7E8}"/>
-              </a:ext>
-            </a:extLst>
-          </p:cNvPr>
-          <p:cNvPicPr>
-            <a:picLocks noChangeAspect="1"/>
-          </p:cNvPicPr>
-          <p:nvPr/>
-        </p:nvPicPr>
-        <p:blipFill rotWithShape="1">
-          <a:blip r:embed="rId4"/>
-          <a:srcRect r="50000" b="53089"/>
-          <a:stretch/>
-        </p:blipFill>
-        <p:spPr>
-          <a:xfrm>
-            <a:off x="0" y="742509"/>
-            <a:ext cx="4953000" cy="3255117"/>
-          </a:xfrm>
-          <a:prstGeom prst="rect">
-            <a:avLst/>
-          </a:prstGeom>
-        </p:spPr>
-      </p:pic>
-      <p:pic>
-        <p:nvPicPr>
-          <p:cNvPr id="6" name="图片 5">
-            <a:extLst>
-              <a:ext uri="{FF2B5EF4-FFF2-40B4-BE49-F238E27FC236}">
-                <a16:creationId xmlns:a16="http://schemas.microsoft.com/office/drawing/2014/main" id="{628C07BC-ECDF-281E-135C-904839CF1138}"/>
-              </a:ext>
-            </a:extLst>
-          </p:cNvPr>
-          <p:cNvPicPr>
-            <a:picLocks noChangeAspect="1"/>
-          </p:cNvPicPr>
-          <p:nvPr/>
-        </p:nvPicPr>
-        <p:blipFill rotWithShape="1">
-          <a:blip r:embed="rId4"/>
-          <a:srcRect t="48491" r="50000" b="6310"/>
-          <a:stretch/>
-        </p:blipFill>
-        <p:spPr>
-          <a:xfrm>
-            <a:off x="4764024" y="865082"/>
-            <a:ext cx="4379976" cy="2773468"/>
-          </a:xfrm>
-          <a:prstGeom prst="rect">
-            <a:avLst/>
-          </a:prstGeom>
-        </p:spPr>
-      </p:pic>
-      <p:pic>
-        <p:nvPicPr>
-          <p:cNvPr id="7" name="图片 6">
-            <a:extLst>
-              <a:ext uri="{FF2B5EF4-FFF2-40B4-BE49-F238E27FC236}">
-                <a16:creationId xmlns:a16="http://schemas.microsoft.com/office/drawing/2014/main" id="{A56C604B-610C-14D6-1C25-BEB2070AA826}"/>
-              </a:ext>
-            </a:extLst>
-          </p:cNvPr>
-          <p:cNvPicPr>
-            <a:picLocks noChangeAspect="1"/>
-          </p:cNvPicPr>
-          <p:nvPr/>
-        </p:nvPicPr>
-        <p:blipFill rotWithShape="1">
-          <a:blip r:embed="rId4"/>
-          <a:srcRect t="94787" r="50000"/>
-          <a:stretch/>
-        </p:blipFill>
-        <p:spPr>
-          <a:xfrm>
-            <a:off x="1578765" y="4168381"/>
-            <a:ext cx="6370517" cy="465219"/>
-          </a:xfrm>
-          <a:prstGeom prst="rect">
-            <a:avLst/>
-          </a:prstGeom>
-        </p:spPr>
-      </p:pic>
-    </p:spTree>
-    <p:extLst>
-      <p:ext uri="{BB962C8B-B14F-4D97-AF65-F5344CB8AC3E}">
-        <p14:creationId xmlns:p14="http://schemas.microsoft.com/office/powerpoint/2010/main" val="553902253"/>
-      </p:ext>
-    </p:extLst>
-  </p:cSld>
-  <p:clrMapOvr>
-    <a:masterClrMapping/>
-  </p:clrMapOvr>
-  <mc:AlternateContent xmlns:mc="http://schemas.openxmlformats.org/markup-compatibility/2006" xmlns:p14="http://schemas.microsoft.com/office/powerpoint/2010/main">
-    <mc:Choice Requires="p14">
-      <p:transition spd="slow" p14:dur="2000" advTm="3000"/>
-    </mc:Choice>
-    <mc:Fallback xmlns="">
-      <p:transition spd="slow" advTm="3000"/>
-    </mc:Fallback>
-  </mc:AlternateContent>
-</p:sld>
-</file>
-
-<file path=ppt/slides/slide15.xml><?xml version="1.0" encoding="utf-8"?>
-<p:sld xmlns:a="http://schemas.openxmlformats.org/drawingml/2006/main" xmlns:r="http://schemas.openxmlformats.org/officeDocument/2006/relationships" xmlns:p="http://schemas.openxmlformats.org/presentationml/2006/main">
-  <p:cSld>
-    <p:spTree>
-      <p:nvGrpSpPr>
-        <p:cNvPr id="1" name=""/>
-        <p:cNvGrpSpPr/>
-        <p:nvPr/>
-      </p:nvGrpSpPr>
-      <p:grpSpPr>
-        <a:xfrm>
-          <a:off x="0" y="0"/>
-          <a:ext cx="0" cy="0"/>
-          <a:chOff x="0" y="0"/>
-          <a:chExt cx="0" cy="0"/>
-        </a:xfrm>
-      </p:grpSpPr>
-      <p:pic>
-        <p:nvPicPr>
-          <p:cNvPr id="16" name="图片 15"/>
-          <p:cNvPicPr>
-            <a:picLocks noChangeAspect="1"/>
-          </p:cNvPicPr>
-          <p:nvPr/>
-        </p:nvPicPr>
-        <p:blipFill>
-          <a:blip r:embed="rId3" cstate="print">
-            <a:extLst>
-              <a:ext uri="{28A0092B-C50C-407E-A947-70E740481C1C}">
-                <a14:useLocalDpi xmlns:a14="http://schemas.microsoft.com/office/drawing/2010/main" val="0"/>
-              </a:ext>
-            </a:extLst>
-          </a:blip>
-          <a:stretch>
-            <a:fillRect/>
-          </a:stretch>
-        </p:blipFill>
-        <p:spPr>
-          <a:xfrm>
-            <a:off x="8305800" y="26882"/>
-            <a:ext cx="838200" cy="838200"/>
-          </a:xfrm>
-          <a:prstGeom prst="rect">
-            <a:avLst/>
-          </a:prstGeom>
-        </p:spPr>
-      </p:pic>
-      <p:sp>
-        <p:nvSpPr>
-          <p:cNvPr id="17" name="文本框 46">
-            <a:extLst>
-              <a:ext uri="{FF2B5EF4-FFF2-40B4-BE49-F238E27FC236}">
-                <a16:creationId xmlns:a16="http://schemas.microsoft.com/office/drawing/2014/main" id="{13CB2652-C5EB-4CBF-945F-6B39B99672A5}"/>
-              </a:ext>
-            </a:extLst>
-          </p:cNvPr>
-          <p:cNvSpPr txBox="1"/>
-          <p:nvPr/>
-        </p:nvSpPr>
-        <p:spPr>
-          <a:xfrm>
-            <a:off x="362148" y="160202"/>
-            <a:ext cx="1660326" cy="400110"/>
-          </a:xfrm>
-          <a:prstGeom prst="rect">
-            <a:avLst/>
-          </a:prstGeom>
-          <a:noFill/>
-        </p:spPr>
-        <p:txBody>
-          <a:bodyPr wrap="none" rtlCol="0">
-            <a:spAutoFit/>
-          </a:bodyPr>
-          <a:lstStyle>
-            <a:defPPr>
-              <a:defRPr lang="zh-CN"/>
-            </a:defPPr>
-            <a:lvl1pPr marL="0" algn="l" defTabSz="914400" rtl="0" eaLnBrk="1" latinLnBrk="0" hangingPunct="1">
-              <a:defRPr sz="1800" kern="1200">
-                <a:solidFill>
-                  <a:schemeClr val="tx1"/>
-                </a:solidFill>
-                <a:latin typeface="+mn-lt"/>
-                <a:ea typeface="+mn-ea"/>
-                <a:cs typeface="+mn-cs"/>
-              </a:defRPr>
-            </a:lvl1pPr>
-            <a:lvl2pPr marL="457200" algn="l" defTabSz="914400" rtl="0" eaLnBrk="1" latinLnBrk="0" hangingPunct="1">
-              <a:defRPr sz="1800" kern="1200">
-                <a:solidFill>
-                  <a:schemeClr val="tx1"/>
-                </a:solidFill>
-                <a:latin typeface="+mn-lt"/>
-                <a:ea typeface="+mn-ea"/>
-                <a:cs typeface="+mn-cs"/>
-              </a:defRPr>
-            </a:lvl2pPr>
-            <a:lvl3pPr marL="914400" algn="l" defTabSz="914400" rtl="0" eaLnBrk="1" latinLnBrk="0" hangingPunct="1">
-              <a:defRPr sz="1800" kern="1200">
-                <a:solidFill>
-                  <a:schemeClr val="tx1"/>
-                </a:solidFill>
-                <a:latin typeface="+mn-lt"/>
-                <a:ea typeface="+mn-ea"/>
-                <a:cs typeface="+mn-cs"/>
-              </a:defRPr>
-            </a:lvl3pPr>
-            <a:lvl4pPr marL="1371600" algn="l" defTabSz="914400" rtl="0" eaLnBrk="1" latinLnBrk="0" hangingPunct="1">
-              <a:defRPr sz="1800" kern="1200">
-                <a:solidFill>
-                  <a:schemeClr val="tx1"/>
-                </a:solidFill>
-                <a:latin typeface="+mn-lt"/>
-                <a:ea typeface="+mn-ea"/>
-                <a:cs typeface="+mn-cs"/>
-              </a:defRPr>
-            </a:lvl4pPr>
-            <a:lvl5pPr marL="1828800" algn="l" defTabSz="914400" rtl="0" eaLnBrk="1" latinLnBrk="0" hangingPunct="1">
-              <a:defRPr sz="1800" kern="1200">
-                <a:solidFill>
-                  <a:schemeClr val="tx1"/>
-                </a:solidFill>
-                <a:latin typeface="+mn-lt"/>
-                <a:ea typeface="+mn-ea"/>
-                <a:cs typeface="+mn-cs"/>
-              </a:defRPr>
-            </a:lvl5pPr>
-            <a:lvl6pPr marL="2286000" algn="l" defTabSz="914400" rtl="0" eaLnBrk="1" latinLnBrk="0" hangingPunct="1">
-              <a:defRPr sz="1800" kern="1200">
-                <a:solidFill>
-                  <a:schemeClr val="tx1"/>
-                </a:solidFill>
-                <a:latin typeface="+mn-lt"/>
-                <a:ea typeface="+mn-ea"/>
-                <a:cs typeface="+mn-cs"/>
-              </a:defRPr>
-            </a:lvl6pPr>
-            <a:lvl7pPr marL="2743200" algn="l" defTabSz="914400" rtl="0" eaLnBrk="1" latinLnBrk="0" hangingPunct="1">
-              <a:defRPr sz="1800" kern="1200">
-                <a:solidFill>
-                  <a:schemeClr val="tx1"/>
-                </a:solidFill>
-                <a:latin typeface="+mn-lt"/>
-                <a:ea typeface="+mn-ea"/>
-                <a:cs typeface="+mn-cs"/>
-              </a:defRPr>
-            </a:lvl7pPr>
-            <a:lvl8pPr marL="3200400" algn="l" defTabSz="914400" rtl="0" eaLnBrk="1" latinLnBrk="0" hangingPunct="1">
-              <a:defRPr sz="1800" kern="1200">
-                <a:solidFill>
-                  <a:schemeClr val="tx1"/>
-                </a:solidFill>
-                <a:latin typeface="+mn-lt"/>
-                <a:ea typeface="+mn-ea"/>
-                <a:cs typeface="+mn-cs"/>
-              </a:defRPr>
-            </a:lvl8pPr>
-            <a:lvl9pPr marL="3657600" algn="l" defTabSz="914400" rtl="0" eaLnBrk="1" latinLnBrk="0" hangingPunct="1">
-              <a:defRPr sz="1800" kern="1200">
-                <a:solidFill>
-                  <a:schemeClr val="tx1"/>
-                </a:solidFill>
-                <a:latin typeface="+mn-lt"/>
-                <a:ea typeface="+mn-ea"/>
-                <a:cs typeface="+mn-cs"/>
-              </a:defRPr>
-            </a:lvl9pPr>
-          </a:lstStyle>
-          <a:p>
-            <a:pPr lvl="0"/>
-            <a:r>
-              <a:rPr lang="en-US" altLang="zh-CN" sz="2000" b="1" dirty="0">
-                <a:solidFill>
-                  <a:srgbClr val="4472C4"/>
-                </a:solidFill>
-                <a:latin typeface="微软雅黑" panose="020B0503020204020204" pitchFamily="34" charset="-122"/>
-                <a:ea typeface="微软雅黑" panose="020B0503020204020204" pitchFamily="34" charset="-122"/>
-              </a:rPr>
-              <a:t>Experiment</a:t>
-            </a:r>
-          </a:p>
-        </p:txBody>
-      </p:sp>
-      <p:pic>
-        <p:nvPicPr>
-          <p:cNvPr id="4" name="图片 3">
-            <a:extLst>
-              <a:ext uri="{FF2B5EF4-FFF2-40B4-BE49-F238E27FC236}">
-                <a16:creationId xmlns:a16="http://schemas.microsoft.com/office/drawing/2014/main" id="{ACC7F43A-111F-1C91-C114-EF9BC028C7E8}"/>
-              </a:ext>
-            </a:extLst>
-          </p:cNvPr>
-          <p:cNvPicPr>
-            <a:picLocks noChangeAspect="1"/>
-          </p:cNvPicPr>
-          <p:nvPr/>
-        </p:nvPicPr>
-        <p:blipFill rotWithShape="1">
-          <a:blip r:embed="rId4"/>
-          <a:srcRect l="50000" r="770" b="53871"/>
-          <a:stretch/>
-        </p:blipFill>
-        <p:spPr>
-          <a:xfrm>
-            <a:off x="76200" y="702624"/>
-            <a:ext cx="4876800" cy="3200841"/>
-          </a:xfrm>
-          <a:prstGeom prst="rect">
-            <a:avLst/>
-          </a:prstGeom>
-        </p:spPr>
-      </p:pic>
-      <p:pic>
-        <p:nvPicPr>
-          <p:cNvPr id="6" name="图片 5">
-            <a:extLst>
-              <a:ext uri="{FF2B5EF4-FFF2-40B4-BE49-F238E27FC236}">
-                <a16:creationId xmlns:a16="http://schemas.microsoft.com/office/drawing/2014/main" id="{628C07BC-ECDF-281E-135C-904839CF1138}"/>
-              </a:ext>
-            </a:extLst>
-          </p:cNvPr>
-          <p:cNvPicPr>
-            <a:picLocks noChangeAspect="1"/>
-          </p:cNvPicPr>
-          <p:nvPr/>
-        </p:nvPicPr>
-        <p:blipFill rotWithShape="1">
-          <a:blip r:embed="rId4"/>
-          <a:srcRect l="50000" t="48491" r="1289" b="6310"/>
-          <a:stretch/>
-        </p:blipFill>
-        <p:spPr>
-          <a:xfrm>
-            <a:off x="4759560" y="884132"/>
-            <a:ext cx="4384440" cy="2849668"/>
-          </a:xfrm>
-          <a:prstGeom prst="rect">
-            <a:avLst/>
-          </a:prstGeom>
-        </p:spPr>
-      </p:pic>
-      <p:pic>
-        <p:nvPicPr>
-          <p:cNvPr id="7" name="图片 6">
-            <a:extLst>
-              <a:ext uri="{FF2B5EF4-FFF2-40B4-BE49-F238E27FC236}">
-                <a16:creationId xmlns:a16="http://schemas.microsoft.com/office/drawing/2014/main" id="{A56C604B-610C-14D6-1C25-BEB2070AA826}"/>
-              </a:ext>
-            </a:extLst>
-          </p:cNvPr>
-          <p:cNvPicPr>
-            <a:picLocks noChangeAspect="1"/>
-          </p:cNvPicPr>
-          <p:nvPr/>
-        </p:nvPicPr>
-        <p:blipFill rotWithShape="1">
-          <a:blip r:embed="rId4"/>
-          <a:srcRect l="54593" t="93120" r="5336" b="1756"/>
-          <a:stretch/>
-        </p:blipFill>
-        <p:spPr>
-          <a:xfrm>
-            <a:off x="2327729" y="4212276"/>
-            <a:ext cx="5105400" cy="457199"/>
-          </a:xfrm>
-          <a:prstGeom prst="rect">
-            <a:avLst/>
-          </a:prstGeom>
-        </p:spPr>
-      </p:pic>
-    </p:spTree>
-    <p:extLst>
-      <p:ext uri="{BB962C8B-B14F-4D97-AF65-F5344CB8AC3E}">
-        <p14:creationId xmlns:p14="http://schemas.microsoft.com/office/powerpoint/2010/main" val="2156865228"/>
-      </p:ext>
-    </p:extLst>
-  </p:cSld>
-  <p:clrMapOvr>
-    <a:masterClrMapping/>
-  </p:clrMapOvr>
-  <mc:AlternateContent xmlns:mc="http://schemas.openxmlformats.org/markup-compatibility/2006" xmlns:p14="http://schemas.microsoft.com/office/powerpoint/2010/main">
-    <mc:Choice Requires="p14">
-      <p:transition spd="slow" p14:dur="2000" advTm="3000"/>
-    </mc:Choice>
-    <mc:Fallback xmlns="">
-      <p:transition spd="slow" advTm="3000"/>
-    </mc:Fallback>
-  </mc:AlternateContent>
-</p:sld>
-</file>
-
-<file path=ppt/slides/slide16.xml><?xml version="1.0" encoding="utf-8"?>
-<p:sld xmlns:a="http://schemas.openxmlformats.org/drawingml/2006/main" xmlns:r="http://schemas.openxmlformats.org/officeDocument/2006/relationships" xmlns:p="http://schemas.openxmlformats.org/presentationml/2006/main">
-  <p:cSld>
-    <p:spTree>
-      <p:nvGrpSpPr>
-        <p:cNvPr id="1" name=""/>
-        <p:cNvGrpSpPr/>
-        <p:nvPr/>
-      </p:nvGrpSpPr>
-      <p:grpSpPr>
-        <a:xfrm>
-          <a:off x="0" y="0"/>
-          <a:ext cx="0" cy="0"/>
-          <a:chOff x="0" y="0"/>
-          <a:chExt cx="0" cy="0"/>
-        </a:xfrm>
-      </p:grpSpPr>
-      <p:pic>
-        <p:nvPicPr>
-          <p:cNvPr id="16" name="图片 15"/>
-          <p:cNvPicPr>
-            <a:picLocks noChangeAspect="1"/>
-          </p:cNvPicPr>
-          <p:nvPr/>
-        </p:nvPicPr>
-        <p:blipFill>
-          <a:blip r:embed="rId3" cstate="print">
-            <a:extLst>
-              <a:ext uri="{28A0092B-C50C-407E-A947-70E740481C1C}">
-                <a14:useLocalDpi xmlns:a14="http://schemas.microsoft.com/office/drawing/2010/main" val="0"/>
-              </a:ext>
-            </a:extLst>
-          </a:blip>
-          <a:stretch>
-            <a:fillRect/>
-          </a:stretch>
-        </p:blipFill>
-        <p:spPr>
-          <a:xfrm>
-            <a:off x="8305800" y="26882"/>
-            <a:ext cx="838200" cy="838200"/>
-          </a:xfrm>
-          <a:prstGeom prst="rect">
-            <a:avLst/>
-          </a:prstGeom>
-        </p:spPr>
-      </p:pic>
-      <p:sp>
-        <p:nvSpPr>
-          <p:cNvPr id="17" name="文本框 46">
-            <a:extLst>
-              <a:ext uri="{FF2B5EF4-FFF2-40B4-BE49-F238E27FC236}">
-                <a16:creationId xmlns:a16="http://schemas.microsoft.com/office/drawing/2014/main" id="{13CB2652-C5EB-4CBF-945F-6B39B99672A5}"/>
-              </a:ext>
-            </a:extLst>
-          </p:cNvPr>
-          <p:cNvSpPr txBox="1"/>
-          <p:nvPr/>
-        </p:nvSpPr>
-        <p:spPr>
-          <a:xfrm>
-            <a:off x="362148" y="160202"/>
-            <a:ext cx="1660326" cy="400110"/>
-          </a:xfrm>
-          <a:prstGeom prst="rect">
-            <a:avLst/>
-          </a:prstGeom>
-          <a:noFill/>
-        </p:spPr>
-        <p:txBody>
-          <a:bodyPr wrap="none" rtlCol="0">
-            <a:spAutoFit/>
-          </a:bodyPr>
-          <a:lstStyle>
-            <a:defPPr>
-              <a:defRPr lang="zh-CN"/>
-            </a:defPPr>
-            <a:lvl1pPr marL="0" algn="l" defTabSz="914400" rtl="0" eaLnBrk="1" latinLnBrk="0" hangingPunct="1">
-              <a:defRPr sz="1800" kern="1200">
-                <a:solidFill>
-                  <a:schemeClr val="tx1"/>
-                </a:solidFill>
-                <a:latin typeface="+mn-lt"/>
-                <a:ea typeface="+mn-ea"/>
-                <a:cs typeface="+mn-cs"/>
-              </a:defRPr>
-            </a:lvl1pPr>
-            <a:lvl2pPr marL="457200" algn="l" defTabSz="914400" rtl="0" eaLnBrk="1" latinLnBrk="0" hangingPunct="1">
-              <a:defRPr sz="1800" kern="1200">
-                <a:solidFill>
-                  <a:schemeClr val="tx1"/>
-                </a:solidFill>
-                <a:latin typeface="+mn-lt"/>
-                <a:ea typeface="+mn-ea"/>
-                <a:cs typeface="+mn-cs"/>
-              </a:defRPr>
-            </a:lvl2pPr>
-            <a:lvl3pPr marL="914400" algn="l" defTabSz="914400" rtl="0" eaLnBrk="1" latinLnBrk="0" hangingPunct="1">
-              <a:defRPr sz="1800" kern="1200">
-                <a:solidFill>
-                  <a:schemeClr val="tx1"/>
-                </a:solidFill>
-                <a:latin typeface="+mn-lt"/>
-                <a:ea typeface="+mn-ea"/>
-                <a:cs typeface="+mn-cs"/>
-              </a:defRPr>
-            </a:lvl3pPr>
-            <a:lvl4pPr marL="1371600" algn="l" defTabSz="914400" rtl="0" eaLnBrk="1" latinLnBrk="0" hangingPunct="1">
-              <a:defRPr sz="1800" kern="1200">
-                <a:solidFill>
-                  <a:schemeClr val="tx1"/>
-                </a:solidFill>
-                <a:latin typeface="+mn-lt"/>
-                <a:ea typeface="+mn-ea"/>
-                <a:cs typeface="+mn-cs"/>
-              </a:defRPr>
-            </a:lvl4pPr>
-            <a:lvl5pPr marL="1828800" algn="l" defTabSz="914400" rtl="0" eaLnBrk="1" latinLnBrk="0" hangingPunct="1">
-              <a:defRPr sz="1800" kern="1200">
-                <a:solidFill>
-                  <a:schemeClr val="tx1"/>
-                </a:solidFill>
-                <a:latin typeface="+mn-lt"/>
-                <a:ea typeface="+mn-ea"/>
-                <a:cs typeface="+mn-cs"/>
-              </a:defRPr>
-            </a:lvl5pPr>
-            <a:lvl6pPr marL="2286000" algn="l" defTabSz="914400" rtl="0" eaLnBrk="1" latinLnBrk="0" hangingPunct="1">
-              <a:defRPr sz="1800" kern="1200">
-                <a:solidFill>
-                  <a:schemeClr val="tx1"/>
-                </a:solidFill>
-                <a:latin typeface="+mn-lt"/>
-                <a:ea typeface="+mn-ea"/>
-                <a:cs typeface="+mn-cs"/>
-              </a:defRPr>
-            </a:lvl6pPr>
-            <a:lvl7pPr marL="2743200" algn="l" defTabSz="914400" rtl="0" eaLnBrk="1" latinLnBrk="0" hangingPunct="1">
-              <a:defRPr sz="1800" kern="1200">
-                <a:solidFill>
-                  <a:schemeClr val="tx1"/>
-                </a:solidFill>
-                <a:latin typeface="+mn-lt"/>
-                <a:ea typeface="+mn-ea"/>
-                <a:cs typeface="+mn-cs"/>
-              </a:defRPr>
-            </a:lvl7pPr>
-            <a:lvl8pPr marL="3200400" algn="l" defTabSz="914400" rtl="0" eaLnBrk="1" latinLnBrk="0" hangingPunct="1">
-              <a:defRPr sz="1800" kern="1200">
-                <a:solidFill>
-                  <a:schemeClr val="tx1"/>
-                </a:solidFill>
-                <a:latin typeface="+mn-lt"/>
-                <a:ea typeface="+mn-ea"/>
-                <a:cs typeface="+mn-cs"/>
-              </a:defRPr>
-            </a:lvl8pPr>
-            <a:lvl9pPr marL="3657600" algn="l" defTabSz="914400" rtl="0" eaLnBrk="1" latinLnBrk="0" hangingPunct="1">
-              <a:defRPr sz="1800" kern="1200">
-                <a:solidFill>
-                  <a:schemeClr val="tx1"/>
-                </a:solidFill>
-                <a:latin typeface="+mn-lt"/>
-                <a:ea typeface="+mn-ea"/>
-                <a:cs typeface="+mn-cs"/>
-              </a:defRPr>
-            </a:lvl9pPr>
-          </a:lstStyle>
-          <a:p>
-            <a:pPr lvl="0"/>
-            <a:r>
-              <a:rPr lang="en-US" altLang="zh-CN" sz="2000" b="1" dirty="0">
-                <a:solidFill>
-                  <a:srgbClr val="4472C4"/>
-                </a:solidFill>
-                <a:latin typeface="微软雅黑" panose="020B0503020204020204" pitchFamily="34" charset="-122"/>
-                <a:ea typeface="微软雅黑" panose="020B0503020204020204" pitchFamily="34" charset="-122"/>
-              </a:rPr>
-              <a:t>Experiment</a:t>
-            </a:r>
-          </a:p>
-        </p:txBody>
-      </p:sp>
-      <p:pic>
-        <p:nvPicPr>
-          <p:cNvPr id="3" name="图片 2">
-            <a:extLst>
-              <a:ext uri="{FF2B5EF4-FFF2-40B4-BE49-F238E27FC236}">
-                <a16:creationId xmlns:a16="http://schemas.microsoft.com/office/drawing/2014/main" id="{64FBEF16-18AF-16DC-5E3E-035FAE0BA486}"/>
-              </a:ext>
-            </a:extLst>
-          </p:cNvPr>
-          <p:cNvPicPr>
-            <a:picLocks noChangeAspect="1"/>
-          </p:cNvPicPr>
-          <p:nvPr/>
-        </p:nvPicPr>
-        <p:blipFill>
-          <a:blip r:embed="rId4"/>
-          <a:stretch>
-            <a:fillRect/>
-          </a:stretch>
-        </p:blipFill>
-        <p:spPr>
-          <a:xfrm>
-            <a:off x="0" y="865082"/>
-            <a:ext cx="9068052" cy="2095506"/>
-          </a:xfrm>
-          <a:prstGeom prst="rect">
-            <a:avLst/>
-          </a:prstGeom>
-        </p:spPr>
-      </p:pic>
-    </p:spTree>
-    <p:extLst>
-      <p:ext uri="{BB962C8B-B14F-4D97-AF65-F5344CB8AC3E}">
-        <p14:creationId xmlns:p14="http://schemas.microsoft.com/office/powerpoint/2010/main" val="481272736"/>
-      </p:ext>
-    </p:extLst>
-  </p:cSld>
-  <p:clrMapOvr>
-    <a:masterClrMapping/>
-  </p:clrMapOvr>
-  <mc:AlternateContent xmlns:mc="http://schemas.openxmlformats.org/markup-compatibility/2006" xmlns:p14="http://schemas.microsoft.com/office/powerpoint/2010/main">
-    <mc:Choice Requires="p14">
-      <p:transition spd="slow" p14:dur="2000" advTm="3000"/>
-    </mc:Choice>
-    <mc:Fallback xmlns="">
-      <p:transition spd="slow" advTm="3000"/>
-    </mc:Fallback>
-  </mc:AlternateContent>
-</p:sld>
-</file>
-
-<file path=ppt/slides/slide17.xml><?xml version="1.0" encoding="utf-8"?>
-<p:sld xmlns:a="http://schemas.openxmlformats.org/drawingml/2006/main" xmlns:r="http://schemas.openxmlformats.org/officeDocument/2006/relationships" xmlns:p="http://schemas.openxmlformats.org/presentationml/2006/main">
-  <p:cSld>
-    <p:spTree>
-      <p:nvGrpSpPr>
-        <p:cNvPr id="1" name=""/>
-        <p:cNvGrpSpPr/>
-        <p:nvPr/>
-      </p:nvGrpSpPr>
-      <p:grpSpPr>
-        <a:xfrm>
-          <a:off x="0" y="0"/>
-          <a:ext cx="0" cy="0"/>
-          <a:chOff x="0" y="0"/>
-          <a:chExt cx="0" cy="0"/>
-        </a:xfrm>
-      </p:grpSpPr>
-      <p:pic>
-        <p:nvPicPr>
-          <p:cNvPr id="16" name="图片 15"/>
-          <p:cNvPicPr>
-            <a:picLocks noChangeAspect="1"/>
-          </p:cNvPicPr>
-          <p:nvPr/>
-        </p:nvPicPr>
-        <p:blipFill>
-          <a:blip r:embed="rId3" cstate="print">
-            <a:extLst>
-              <a:ext uri="{28A0092B-C50C-407E-A947-70E740481C1C}">
-                <a14:useLocalDpi xmlns:a14="http://schemas.microsoft.com/office/drawing/2010/main" val="0"/>
-              </a:ext>
-            </a:extLst>
-          </a:blip>
-          <a:stretch>
-            <a:fillRect/>
-          </a:stretch>
-        </p:blipFill>
-        <p:spPr>
-          <a:xfrm>
-            <a:off x="8305800" y="26882"/>
-            <a:ext cx="838200" cy="838200"/>
-          </a:xfrm>
-          <a:prstGeom prst="rect">
-            <a:avLst/>
-          </a:prstGeom>
-        </p:spPr>
-      </p:pic>
-      <p:sp>
-        <p:nvSpPr>
-          <p:cNvPr id="17" name="文本框 46">
-            <a:extLst>
-              <a:ext uri="{FF2B5EF4-FFF2-40B4-BE49-F238E27FC236}">
-                <a16:creationId xmlns:a16="http://schemas.microsoft.com/office/drawing/2014/main" id="{13CB2652-C5EB-4CBF-945F-6B39B99672A5}"/>
-              </a:ext>
-            </a:extLst>
-          </p:cNvPr>
-          <p:cNvSpPr txBox="1"/>
-          <p:nvPr/>
-        </p:nvSpPr>
-        <p:spPr>
-          <a:xfrm>
-            <a:off x="362148" y="160202"/>
             <a:ext cx="1604927" cy="400110"/>
           </a:xfrm>
           <a:prstGeom prst="rect">
@@ -14654,7 +13061,7 @@
         <p:spPr>
           <a:xfrm>
             <a:off x="685800" y="1200150"/>
-            <a:ext cx="7467600" cy="2308324"/>
+            <a:ext cx="7467600" cy="2031325"/>
           </a:xfrm>
           <a:prstGeom prst="rect">
             <a:avLst/>
@@ -14673,15 +13080,23 @@
             </a:pPr>
             <a:r>
               <a:rPr lang="zh-CN" altLang="en-US" dirty="0"/>
-              <a:t>本文提出了一种用于去云的高性能网络，即 </a:t>
+              <a:t>提出了一种具有深度监督的全尺寸连接</a:t>
             </a:r>
             <a:r>
               <a:rPr lang="en-US" altLang="zh-CN" dirty="0"/>
-              <a:t>PMAA</a:t>
+              <a:t>U-Net</a:t>
             </a:r>
             <a:r>
               <a:rPr lang="zh-CN" altLang="en-US" dirty="0"/>
-              <a:t>。</a:t>
+              <a:t>，命名为</a:t>
+            </a:r>
+            <a:r>
+              <a:rPr lang="en-US" altLang="zh-CN" dirty="0"/>
+              <a:t>U-Net 3+</a:t>
+            </a:r>
+            <a:r>
+              <a:rPr lang="zh-CN" altLang="en-US" dirty="0"/>
+              <a:t>，最大限度地利用全尺寸特征图，以更少的参数实现准确的分割和高效的网络架构</a:t>
             </a:r>
             <a:endParaRPr lang="en-US" altLang="zh-CN" dirty="0"/>
           </a:p>
@@ -14699,59 +13114,11 @@
             </a:pPr>
             <a:r>
               <a:rPr lang="zh-CN" altLang="en-US" dirty="0"/>
-              <a:t>利用自动编码器架构和高效的多尺度关注模块捕捉全局上下文信息，</a:t>
+              <a:t>进一步引入分类引导模块和混合损失函数，以产生更准确的位置感知和边界感知分割图。</a:t>
             </a:r>
             <a:endParaRPr lang="en-US" altLang="zh-CN" dirty="0"/>
           </a:p>
           <a:p>
-            <a:pPr marL="342900" indent="-342900">
-              <a:buFont typeface="+mj-lt"/>
-              <a:buAutoNum type="arabicPeriod"/>
-            </a:pPr>
-            <a:endParaRPr lang="en-US" altLang="zh-CN" dirty="0"/>
-          </a:p>
-          <a:p>
-            <a:pPr marL="342900" indent="-342900">
-              <a:buFont typeface="+mj-lt"/>
-              <a:buAutoNum type="arabicPeriod"/>
-            </a:pPr>
-            <a:r>
-              <a:rPr lang="zh-CN" altLang="en-US" dirty="0"/>
-              <a:t>引导解码器中的局部交互模块重建无云图像。</a:t>
-            </a:r>
-            <a:endParaRPr lang="en-US" altLang="zh-CN" dirty="0"/>
-          </a:p>
-          <a:p>
-            <a:pPr marL="342900" indent="-342900">
-              <a:buFont typeface="+mj-lt"/>
-              <a:buAutoNum type="arabicPeriod"/>
-            </a:pPr>
-            <a:endParaRPr lang="en-US" altLang="zh-CN" dirty="0"/>
-          </a:p>
-          <a:p>
-            <a:pPr marL="342900" indent="-342900">
-              <a:buFont typeface="+mj-lt"/>
-              <a:buAutoNum type="arabicPeriod"/>
-            </a:pPr>
-            <a:r>
-              <a:rPr lang="zh-CN" altLang="en-US" dirty="0"/>
-              <a:t>同时，</a:t>
-            </a:r>
-            <a:r>
-              <a:rPr lang="en-US" altLang="zh-CN" dirty="0"/>
-              <a:t>PMAA </a:t>
-            </a:r>
-            <a:r>
-              <a:rPr lang="zh-CN" altLang="en-US" dirty="0"/>
-              <a:t>利用渐进式学习进一步提高模型性能。</a:t>
-            </a:r>
-            <a:endParaRPr lang="en-US" altLang="zh-CN" dirty="0"/>
-          </a:p>
-          <a:p>
-            <a:pPr marL="342900" indent="-342900">
-              <a:buFont typeface="+mj-lt"/>
-              <a:buAutoNum type="arabicPeriod"/>
-            </a:pPr>
             <a:endParaRPr lang="en-US" altLang="zh-CN" dirty="0"/>
           </a:p>
         </p:txBody>
@@ -14777,7 +13144,7 @@
 </p:sld>
 </file>
 
-<file path=ppt/slides/slide18.xml><?xml version="1.0" encoding="utf-8"?>
+<file path=ppt/slides/slide14.xml><?xml version="1.0" encoding="utf-8"?>
 <p:sld xmlns:a="http://schemas.openxmlformats.org/drawingml/2006/main" xmlns:r="http://schemas.openxmlformats.org/officeDocument/2006/relationships" xmlns:p="http://schemas.openxmlformats.org/presentationml/2006/main">
   <p:cSld>
     <p:spTree>
@@ -15523,8 +13890,8 @@
         </p:nvSpPr>
         <p:spPr>
           <a:xfrm>
-            <a:off x="362148" y="465032"/>
-            <a:ext cx="8477052" cy="4490460"/>
+            <a:off x="362148" y="819150"/>
+            <a:ext cx="8477052" cy="3963649"/>
           </a:xfrm>
           <a:prstGeom prst="rect">
             <a:avLst/>
@@ -15546,24 +13913,69 @@
               </a:spcAft>
             </a:pPr>
             <a:r>
-              <a:rPr lang="zh-CN" altLang="en-US" dirty="0">
+              <a:rPr lang="en-US" altLang="zh-CN" dirty="0">
                 <a:latin typeface="Times New Roman" panose="02020603050405020304" pitchFamily="18" charset="0"/>
                 <a:cs typeface="Times New Roman" panose="02020603050405020304" pitchFamily="18" charset="0"/>
               </a:rPr>
-              <a:t>Satellite imagery analysis plays a pivotal role in remote sensing; however, information loss due to cloud cover significantly impedes its application. </a:t>
-            </a:r>
-            <a:endParaRPr lang="en-US" altLang="zh-CN" dirty="0">
-              <a:latin typeface="Times New Roman" panose="02020603050405020304" pitchFamily="18" charset="0"/>
-              <a:cs typeface="Times New Roman" panose="02020603050405020304" pitchFamily="18" charset="0"/>
-            </a:endParaRPr>
-          </a:p>
-          <a:p>
+              <a:t>U-Net, which is one of deep learning networks with an encoder-decoder architecture, is widely used in medical image segmentation. U-Net++ was developed as a modified U-Net by designing an architecture with nested and dense skip connections. </a:t>
+            </a:r>
+          </a:p>
+          <a:p>
+            <a:r>
+              <a:rPr lang="en-US" altLang="zh-CN" sz="1400" dirty="0">
+                <a:latin typeface="Times New Roman" panose="02020603050405020304" pitchFamily="18" charset="0"/>
+                <a:cs typeface="Times New Roman" panose="02020603050405020304" pitchFamily="18" charset="0"/>
+              </a:rPr>
+              <a:t>U-Net</a:t>
+            </a:r>
             <a:r>
               <a:rPr lang="zh-CN" altLang="en-US" sz="1400" dirty="0">
                 <a:latin typeface="Times New Roman" panose="02020603050405020304" pitchFamily="18" charset="0"/>
                 <a:cs typeface="Times New Roman" panose="02020603050405020304" pitchFamily="18" charset="0"/>
               </a:rPr>
-              <a:t>卫星图像分析在遥感领域发挥着举足轻重的作用，然而，云层造成的信息损失严重阻碍了卫星图像的应用。</a:t>
+              <a:t>是一种具有编码器</a:t>
+            </a:r>
+            <a:r>
+              <a:rPr lang="en-US" altLang="zh-CN" sz="1400" dirty="0">
+                <a:latin typeface="Times New Roman" panose="02020603050405020304" pitchFamily="18" charset="0"/>
+                <a:cs typeface="Times New Roman" panose="02020603050405020304" pitchFamily="18" charset="0"/>
+              </a:rPr>
+              <a:t>-</a:t>
+            </a:r>
+            <a:r>
+              <a:rPr lang="zh-CN" altLang="en-US" sz="1400" dirty="0">
+                <a:latin typeface="Times New Roman" panose="02020603050405020304" pitchFamily="18" charset="0"/>
+                <a:cs typeface="Times New Roman" panose="02020603050405020304" pitchFamily="18" charset="0"/>
+              </a:rPr>
+              <a:t>解码器架构的深度学习网络，广泛应用于医学图像分割。</a:t>
+            </a:r>
+            <a:r>
+              <a:rPr lang="en-US" altLang="zh-CN" sz="1400" dirty="0">
+                <a:latin typeface="Times New Roman" panose="02020603050405020304" pitchFamily="18" charset="0"/>
+                <a:cs typeface="Times New Roman" panose="02020603050405020304" pitchFamily="18" charset="0"/>
+              </a:rPr>
+              <a:t>U-Net++ </a:t>
+            </a:r>
+            <a:r>
+              <a:rPr lang="zh-CN" altLang="en-US" sz="1400" dirty="0">
+                <a:latin typeface="Times New Roman" panose="02020603050405020304" pitchFamily="18" charset="0"/>
+                <a:cs typeface="Times New Roman" panose="02020603050405020304" pitchFamily="18" charset="0"/>
+              </a:rPr>
+              <a:t>是通过设计具有嵌套和密集跳跃连接的架构而开发为改进的 </a:t>
+            </a:r>
+            <a:r>
+              <a:rPr lang="en-US" altLang="zh-CN" sz="1400" dirty="0">
+                <a:latin typeface="Times New Roman" panose="02020603050405020304" pitchFamily="18" charset="0"/>
+                <a:cs typeface="Times New Roman" panose="02020603050405020304" pitchFamily="18" charset="0"/>
+              </a:rPr>
+              <a:t>U-Net</a:t>
+            </a:r>
+            <a:r>
+              <a:rPr lang="zh-CN" altLang="en-US" sz="1400" dirty="0">
+                <a:latin typeface="Times New Roman" panose="02020603050405020304" pitchFamily="18" charset="0"/>
+                <a:cs typeface="Times New Roman" panose="02020603050405020304" pitchFamily="18" charset="0"/>
+              </a:rPr>
+              <a:t>。</a:t>
             </a:r>
             <a:endParaRPr lang="en-US" altLang="zh-CN" sz="1400" dirty="0">
               <a:latin typeface="Times New Roman" panose="02020603050405020304" pitchFamily="18" charset="0"/>
@@ -15586,21 +13998,28 @@
               </a:spcAft>
             </a:pPr>
             <a:r>
-              <a:rPr lang="zh-CN" altLang="en-US" dirty="0">
+              <a:rPr lang="en-US" altLang="zh-CN" dirty="0">
                 <a:latin typeface="Times New Roman" panose="02020603050405020304" pitchFamily="18" charset="0"/>
                 <a:cs typeface="Times New Roman" panose="02020603050405020304" pitchFamily="18" charset="0"/>
               </a:rPr>
-              <a:t>Although existing deep cloud removal models have achieved notable outcomes, they scarcely consider </a:t>
-            </a:r>
-            <a:r>
-              <a:rPr lang="zh-CN" altLang="en-US" dirty="0">
+              <a:t>However, it does not explore sufficient information from </a:t>
+            </a:r>
+            <a:r>
+              <a:rPr lang="en-US" altLang="zh-CN" dirty="0">
                 <a:solidFill>
                   <a:srgbClr val="FF0000"/>
                 </a:solidFill>
                 <a:latin typeface="Times New Roman" panose="02020603050405020304" pitchFamily="18" charset="0"/>
                 <a:cs typeface="Times New Roman" panose="02020603050405020304" pitchFamily="18" charset="0"/>
               </a:rPr>
-              <a:t>contextual information</a:t>
+              <a:t>full scales </a:t>
+            </a:r>
+            <a:r>
+              <a:rPr lang="en-US" altLang="zh-CN" dirty="0">
+                <a:latin typeface="Times New Roman" panose="02020603050405020304" pitchFamily="18" charset="0"/>
+                <a:cs typeface="Times New Roman" panose="02020603050405020304" pitchFamily="18" charset="0"/>
+              </a:rPr>
+              <a:t>and there is still a large room for improvement</a:t>
             </a:r>
             <a:r>
               <a:rPr lang="zh-CN" altLang="en-US" dirty="0">
@@ -15620,7 +14039,7 @@
                 <a:latin typeface="Times New Roman" panose="02020603050405020304" pitchFamily="18" charset="0"/>
                 <a:cs typeface="Times New Roman" panose="02020603050405020304" pitchFamily="18" charset="0"/>
               </a:rPr>
-              <a:t>虽然现有的深度云去除模型已取得显著成果，但它们很少考虑</a:t>
+              <a:t>然而，它没有从</a:t>
             </a:r>
             <a:r>
               <a:rPr lang="zh-CN" altLang="en-US" sz="1400" dirty="0">
@@ -15630,14 +14049,14 @@
                 <a:latin typeface="Times New Roman" panose="02020603050405020304" pitchFamily="18" charset="0"/>
                 <a:cs typeface="Times New Roman" panose="02020603050405020304" pitchFamily="18" charset="0"/>
               </a:rPr>
-              <a:t>上下文信息</a:t>
+              <a:t>全尺度</a:t>
             </a:r>
             <a:r>
               <a:rPr lang="zh-CN" altLang="en-US" sz="1400" dirty="0">
                 <a:latin typeface="Times New Roman" panose="02020603050405020304" pitchFamily="18" charset="0"/>
                 <a:cs typeface="Times New Roman" panose="02020603050405020304" pitchFamily="18" charset="0"/>
               </a:rPr>
-              <a:t>。</a:t>
+              <a:t>探索足够的信息，仍然有很大的改进空间。</a:t>
             </a:r>
             <a:endParaRPr lang="en-US" altLang="zh-CN" sz="1400" dirty="0">
               <a:latin typeface="Times New Roman" panose="02020603050405020304" pitchFamily="18" charset="0"/>
@@ -15660,85 +14079,48 @@
               </a:spcAft>
             </a:pPr>
             <a:r>
-              <a:rPr lang="zh-CN" altLang="en-US" dirty="0">
+              <a:rPr lang="en-US" altLang="zh-CN" dirty="0">
                 <a:latin typeface="Times New Roman" panose="02020603050405020304" pitchFamily="18" charset="0"/>
                 <a:cs typeface="Times New Roman" panose="02020603050405020304" pitchFamily="18" charset="0"/>
               </a:rPr>
-              <a:t>This study introduces a </a:t>
-            </a:r>
-            <a:r>
-              <a:rPr lang="zh-CN" altLang="en-US" dirty="0">
+              <a:t>In this paper, we propose a novel U-Net 3+, which takes advantage </a:t>
+            </a:r>
+            <a:r>
+              <a:rPr lang="en-US" altLang="zh-CN" dirty="0">
                 <a:solidFill>
                   <a:srgbClr val="FF0000"/>
                 </a:solidFill>
                 <a:latin typeface="Times New Roman" panose="02020603050405020304" pitchFamily="18" charset="0"/>
                 <a:cs typeface="Times New Roman" panose="02020603050405020304" pitchFamily="18" charset="0"/>
               </a:rPr>
-              <a:t>high-performance</a:t>
-            </a:r>
-            <a:r>
-              <a:rPr lang="zh-CN" altLang="en-US" dirty="0">
+              <a:t>of full-scale skip connections</a:t>
+            </a:r>
+            <a:r>
+              <a:rPr lang="en-US" altLang="zh-CN" dirty="0">
                 <a:latin typeface="Times New Roman" panose="02020603050405020304" pitchFamily="18" charset="0"/>
                 <a:cs typeface="Times New Roman" panose="02020603050405020304" pitchFamily="18" charset="0"/>
               </a:rPr>
-              <a:t> cloud removal architecture, termed Progressive Multi-scale Attention Autoencoder (PMAA), which concurrently harnesses global and local information to construct robust contextual dependencies using a novel </a:t>
-            </a:r>
-            <a:r>
-              <a:rPr lang="zh-CN" altLang="en-US" dirty="0">
+              <a:t> and </a:t>
+            </a:r>
+            <a:r>
+              <a:rPr lang="en-US" altLang="zh-CN" dirty="0">
                 <a:solidFill>
                   <a:srgbClr val="FF0000"/>
                 </a:solidFill>
                 <a:latin typeface="Times New Roman" panose="02020603050405020304" pitchFamily="18" charset="0"/>
                 <a:cs typeface="Times New Roman" panose="02020603050405020304" pitchFamily="18" charset="0"/>
               </a:rPr>
-              <a:t>Multi-scale Attention Module (MAM)</a:t>
-            </a:r>
-            <a:r>
-              <a:rPr lang="zh-CN" altLang="en-US" dirty="0">
-                <a:latin typeface="Times New Roman" panose="02020603050405020304" pitchFamily="18" charset="0"/>
-                <a:cs typeface="Times New Roman" panose="02020603050405020304" pitchFamily="18" charset="0"/>
-              </a:rPr>
-              <a:t> and a novel </a:t>
-            </a:r>
-            <a:r>
-              <a:rPr lang="zh-CN" altLang="en-US" dirty="0">
-                <a:solidFill>
-                  <a:srgbClr val="FF0000"/>
-                </a:solidFill>
-                <a:latin typeface="Times New Roman" panose="02020603050405020304" pitchFamily="18" charset="0"/>
-                <a:cs typeface="Times New Roman" panose="02020603050405020304" pitchFamily="18" charset="0"/>
-              </a:rPr>
-              <a:t>Local Interaction Module (LIM)</a:t>
-            </a:r>
-            <a:r>
-              <a:rPr lang="zh-CN" altLang="en-US" dirty="0">
-                <a:latin typeface="Times New Roman" panose="02020603050405020304" pitchFamily="18" charset="0"/>
-                <a:cs typeface="Times New Roman" panose="02020603050405020304" pitchFamily="18" charset="0"/>
-              </a:rPr>
-              <a:t>. </a:t>
-            </a:r>
-            <a:endParaRPr lang="en-US" altLang="zh-CN" dirty="0">
-              <a:latin typeface="Times New Roman" panose="02020603050405020304" pitchFamily="18" charset="0"/>
-              <a:cs typeface="Times New Roman" panose="02020603050405020304" pitchFamily="18" charset="0"/>
-            </a:endParaRPr>
-          </a:p>
-          <a:p>
-            <a:pPr marL="0" marR="0" lvl="0" indent="0" algn="l" defTabSz="914400" rtl="0" eaLnBrk="1" fontAlgn="auto" latinLnBrk="0" hangingPunct="1">
+              <a:t>deep supervisions.</a:t>
+            </a:r>
+          </a:p>
+          <a:p>
+            <a:pPr>
               <a:lnSpc>
-                <a:spcPct val="100000"/>
+                <a:spcPct val="120000"/>
               </a:lnSpc>
-              <a:spcBef>
-                <a:spcPts val="0"/>
-              </a:spcBef>
               <a:spcAft>
-                <a:spcPts val="0"/>
+                <a:spcPts val="600"/>
               </a:spcAft>
-              <a:buClrTx/>
-              <a:buSzTx/>
-              <a:buFontTx/>
-              <a:buNone/>
-              <a:tabLst/>
-              <a:defRPr/>
             </a:pPr>
             <a:r>
               <a:rPr kumimoji="0" lang="zh-CN" altLang="en-US" sz="1400" b="0" i="0" u="none" strike="noStrike" kern="1200" cap="none" spc="0" normalizeH="0" baseline="0" noProof="0" dirty="0">
@@ -15755,15 +14137,15 @@
                 <a:ea typeface="微软雅黑"/>
                 <a:cs typeface="Times New Roman" panose="02020603050405020304" pitchFamily="18" charset="0"/>
               </a:rPr>
-              <a:t>本研究介绍了一种</a:t>
-            </a:r>
-            <a:r>
-              <a:rPr kumimoji="0" lang="zh-CN" altLang="en-US" sz="1400" b="0" i="0" u="none" strike="noStrike" kern="1200" cap="none" spc="0" normalizeH="0" baseline="0" noProof="0" dirty="0">
+              <a:t>在本文中，我们提出了一种新颖的 </a:t>
+            </a:r>
+            <a:r>
+              <a:rPr kumimoji="0" lang="en-US" altLang="zh-CN" sz="1400" b="0" i="0" u="none" strike="noStrike" kern="1200" cap="none" spc="0" normalizeH="0" baseline="0" noProof="0" dirty="0">
                 <a:ln>
                   <a:noFill/>
                 </a:ln>
                 <a:solidFill>
-                  <a:srgbClr val="FF0000"/>
+                  <a:srgbClr val="44546A"/>
                 </a:solidFill>
                 <a:effectLst/>
                 <a:uLnTx/>
@@ -15772,7 +14154,7 @@
                 <a:ea typeface="微软雅黑"/>
                 <a:cs typeface="Times New Roman" panose="02020603050405020304" pitchFamily="18" charset="0"/>
               </a:rPr>
-              <a:t>高性能</a:t>
+              <a:t>U-Net 3+</a:t>
             </a:r>
             <a:r>
               <a:rPr kumimoji="0" lang="zh-CN" altLang="en-US" sz="1400" b="0" i="0" u="none" strike="noStrike" kern="1200" cap="none" spc="0" normalizeH="0" baseline="0" noProof="0" dirty="0">
@@ -15789,15 +14171,15 @@
                 <a:ea typeface="微软雅黑"/>
                 <a:cs typeface="Times New Roman" panose="02020603050405020304" pitchFamily="18" charset="0"/>
               </a:rPr>
-              <a:t>云去除架构，称为渐进式多尺度注意力自动编码器（</a:t>
-            </a:r>
-            <a:r>
-              <a:rPr kumimoji="0" lang="en-US" altLang="zh-CN" sz="1400" b="0" i="0" u="none" strike="noStrike" kern="1200" cap="none" spc="0" normalizeH="0" baseline="0" noProof="0" dirty="0">
+              <a:t>，它利用了</a:t>
+            </a:r>
+            <a:r>
+              <a:rPr kumimoji="0" lang="zh-CN" altLang="en-US" sz="1400" b="0" i="0" u="none" strike="noStrike" kern="1200" cap="none" spc="0" normalizeH="0" baseline="0" noProof="0" dirty="0">
                 <a:ln>
                   <a:noFill/>
                 </a:ln>
                 <a:solidFill>
-                  <a:srgbClr val="44546A"/>
+                  <a:srgbClr val="FF0000"/>
                 </a:solidFill>
                 <a:effectLst/>
                 <a:uLnTx/>
@@ -15806,7 +14188,7 @@
                 <a:ea typeface="微软雅黑"/>
                 <a:cs typeface="Times New Roman" panose="02020603050405020304" pitchFamily="18" charset="0"/>
               </a:rPr>
-              <a:t>PMAA</a:t>
+              <a:t>全尺度的跳跃连接</a:t>
             </a:r>
             <a:r>
               <a:rPr kumimoji="0" lang="zh-CN" altLang="en-US" sz="1400" b="0" i="0" u="none" strike="noStrike" kern="1200" cap="none" spc="0" normalizeH="0" baseline="0" noProof="0" dirty="0">
@@ -15823,7 +14205,7 @@
                 <a:ea typeface="微软雅黑"/>
                 <a:cs typeface="Times New Roman" panose="02020603050405020304" pitchFamily="18" charset="0"/>
               </a:rPr>
-              <a:t>），它利用新型</a:t>
+              <a:t>和</a:t>
             </a:r>
             <a:r>
               <a:rPr kumimoji="0" lang="zh-CN" altLang="en-US" sz="1400" b="0" i="0" u="none" strike="noStrike" kern="1200" cap="none" spc="0" normalizeH="0" baseline="0" noProof="0" dirty="0">
@@ -15840,15 +14222,15 @@
                 <a:ea typeface="微软雅黑"/>
                 <a:cs typeface="Times New Roman" panose="02020603050405020304" pitchFamily="18" charset="0"/>
               </a:rPr>
-              <a:t>多尺度注意力模块（</a:t>
-            </a:r>
-            <a:r>
-              <a:rPr kumimoji="0" lang="en-US" altLang="zh-CN" sz="1400" b="0" i="0" u="none" strike="noStrike" kern="1200" cap="none" spc="0" normalizeH="0" baseline="0" noProof="0" dirty="0">
+              <a:t>深度监督</a:t>
+            </a:r>
+            <a:r>
+              <a:rPr kumimoji="0" lang="zh-CN" altLang="en-US" sz="1400" b="0" i="0" u="none" strike="noStrike" kern="1200" cap="none" spc="0" normalizeH="0" baseline="0" noProof="0" dirty="0">
                 <a:ln>
                   <a:noFill/>
                 </a:ln>
                 <a:solidFill>
-                  <a:srgbClr val="FF0000"/>
+                  <a:srgbClr val="44546A"/>
                 </a:solidFill>
                 <a:effectLst/>
                 <a:uLnTx/>
@@ -15857,151 +14239,7 @@
                 <a:ea typeface="微软雅黑"/>
                 <a:cs typeface="Times New Roman" panose="02020603050405020304" pitchFamily="18" charset="0"/>
               </a:rPr>
-              <a:t>MAM</a:t>
-            </a:r>
-            <a:r>
-              <a:rPr kumimoji="0" lang="zh-CN" altLang="en-US" sz="1400" b="0" i="0" u="none" strike="noStrike" kern="1200" cap="none" spc="0" normalizeH="0" baseline="0" noProof="0" dirty="0">
-                <a:ln>
-                  <a:noFill/>
-                </a:ln>
-                <a:solidFill>
-                  <a:srgbClr val="FF0000"/>
-                </a:solidFill>
-                <a:effectLst/>
-                <a:uLnTx/>
-                <a:uFillTx/>
-                <a:latin typeface="Times New Roman" panose="02020603050405020304" pitchFamily="18" charset="0"/>
-                <a:ea typeface="微软雅黑"/>
-                <a:cs typeface="Times New Roman" panose="02020603050405020304" pitchFamily="18" charset="0"/>
-              </a:rPr>
-              <a:t>）</a:t>
-            </a:r>
-            <a:r>
-              <a:rPr kumimoji="0" lang="zh-CN" altLang="en-US" sz="1400" b="0" i="0" u="none" strike="noStrike" kern="1200" cap="none" spc="0" normalizeH="0" baseline="0" noProof="0" dirty="0">
-                <a:ln>
-                  <a:noFill/>
-                </a:ln>
-                <a:solidFill>
-                  <a:srgbClr val="44546A"/>
-                </a:solidFill>
-                <a:effectLst/>
-                <a:uLnTx/>
-                <a:uFillTx/>
-                <a:latin typeface="Times New Roman" panose="02020603050405020304" pitchFamily="18" charset="0"/>
-                <a:ea typeface="微软雅黑"/>
-                <a:cs typeface="Times New Roman" panose="02020603050405020304" pitchFamily="18" charset="0"/>
-              </a:rPr>
-              <a:t>和新型</a:t>
-            </a:r>
-            <a:r>
-              <a:rPr kumimoji="0" lang="zh-CN" altLang="en-US" sz="1400" b="0" i="0" u="none" strike="noStrike" kern="1200" cap="none" spc="0" normalizeH="0" baseline="0" noProof="0" dirty="0">
-                <a:ln>
-                  <a:noFill/>
-                </a:ln>
-                <a:solidFill>
-                  <a:srgbClr val="FF0000"/>
-                </a:solidFill>
-                <a:effectLst/>
-                <a:uLnTx/>
-                <a:uFillTx/>
-                <a:latin typeface="Times New Roman" panose="02020603050405020304" pitchFamily="18" charset="0"/>
-                <a:ea typeface="微软雅黑"/>
-                <a:cs typeface="Times New Roman" panose="02020603050405020304" pitchFamily="18" charset="0"/>
-              </a:rPr>
-              <a:t>局部交互模块（</a:t>
-            </a:r>
-            <a:r>
-              <a:rPr kumimoji="0" lang="en-US" altLang="zh-CN" sz="1400" b="0" i="0" u="none" strike="noStrike" kern="1200" cap="none" spc="0" normalizeH="0" baseline="0" noProof="0" dirty="0">
-                <a:ln>
-                  <a:noFill/>
-                </a:ln>
-                <a:solidFill>
-                  <a:srgbClr val="FF0000"/>
-                </a:solidFill>
-                <a:effectLst/>
-                <a:uLnTx/>
-                <a:uFillTx/>
-                <a:latin typeface="Times New Roman" panose="02020603050405020304" pitchFamily="18" charset="0"/>
-                <a:ea typeface="微软雅黑"/>
-                <a:cs typeface="Times New Roman" panose="02020603050405020304" pitchFamily="18" charset="0"/>
-              </a:rPr>
-              <a:t>LIM</a:t>
-            </a:r>
-            <a:r>
-              <a:rPr kumimoji="0" lang="zh-CN" altLang="en-US" sz="1400" b="0" i="0" u="none" strike="noStrike" kern="1200" cap="none" spc="0" normalizeH="0" baseline="0" noProof="0" dirty="0">
-                <a:ln>
-                  <a:noFill/>
-                </a:ln>
-                <a:solidFill>
-                  <a:srgbClr val="FF0000"/>
-                </a:solidFill>
-                <a:effectLst/>
-                <a:uLnTx/>
-                <a:uFillTx/>
-                <a:latin typeface="Times New Roman" panose="02020603050405020304" pitchFamily="18" charset="0"/>
-                <a:ea typeface="微软雅黑"/>
-                <a:cs typeface="Times New Roman" panose="02020603050405020304" pitchFamily="18" charset="0"/>
-              </a:rPr>
-              <a:t>）</a:t>
-            </a:r>
-            <a:r>
-              <a:rPr kumimoji="0" lang="zh-CN" altLang="en-US" sz="1400" b="0" i="0" u="none" strike="noStrike" kern="1200" cap="none" spc="0" normalizeH="0" baseline="0" noProof="0" dirty="0">
-                <a:ln>
-                  <a:noFill/>
-                </a:ln>
-                <a:effectLst/>
-                <a:uLnTx/>
-                <a:uFillTx/>
-                <a:latin typeface="Times New Roman" panose="02020603050405020304" pitchFamily="18" charset="0"/>
-                <a:ea typeface="微软雅黑"/>
-                <a:cs typeface="Times New Roman" panose="02020603050405020304" pitchFamily="18" charset="0"/>
-              </a:rPr>
-              <a:t>，</a:t>
-            </a:r>
-            <a:r>
-              <a:rPr kumimoji="0" lang="zh-CN" altLang="en-US" sz="1400" b="0" i="0" u="none" strike="noStrike" kern="1200" cap="none" spc="0" normalizeH="0" baseline="0" noProof="0" dirty="0">
-                <a:ln>
-                  <a:noFill/>
-                </a:ln>
-                <a:solidFill>
-                  <a:srgbClr val="44546A"/>
-                </a:solidFill>
-                <a:effectLst/>
-                <a:uLnTx/>
-                <a:uFillTx/>
-                <a:latin typeface="Times New Roman" panose="02020603050405020304" pitchFamily="18" charset="0"/>
-                <a:ea typeface="微软雅黑"/>
-                <a:cs typeface="Times New Roman" panose="02020603050405020304" pitchFamily="18" charset="0"/>
-              </a:rPr>
-              <a:t>同时利用全局和</a:t>
-            </a:r>
-            <a:r>
-              <a:rPr lang="zh-CN" altLang="en-US" sz="1400" dirty="0">
-                <a:solidFill>
-                  <a:srgbClr val="44546A"/>
-                </a:solidFill>
-                <a:latin typeface="Times New Roman" panose="02020603050405020304" pitchFamily="18" charset="0"/>
-                <a:ea typeface="微软雅黑"/>
-                <a:cs typeface="Times New Roman" panose="02020603050405020304" pitchFamily="18" charset="0"/>
-              </a:rPr>
-              <a:t>局部</a:t>
-            </a:r>
-            <a:r>
-              <a:rPr kumimoji="0" lang="zh-CN" altLang="en-US" sz="1400" b="0" i="0" u="none" strike="noStrike" kern="1200" cap="none" spc="0" normalizeH="0" baseline="0" noProof="0" dirty="0">
-                <a:ln>
-                  <a:noFill/>
-                </a:ln>
-                <a:solidFill>
-                  <a:srgbClr val="44546A"/>
-                </a:solidFill>
-                <a:effectLst/>
-                <a:uLnTx/>
-                <a:uFillTx/>
-                <a:latin typeface="Times New Roman" panose="02020603050405020304" pitchFamily="18" charset="0"/>
-                <a:ea typeface="微软雅黑"/>
-                <a:cs typeface="Times New Roman" panose="02020603050405020304" pitchFamily="18" charset="0"/>
-              </a:rPr>
-              <a:t>信息来构建稳健的上下文依赖关系。</a:t>
+              <a:t>。</a:t>
             </a:r>
             <a:endParaRPr lang="en-US" altLang="zh-CN" dirty="0">
               <a:latin typeface="Times New Roman" panose="02020603050405020304" pitchFamily="18" charset="0"/>
@@ -16236,7 +14474,7 @@
         <p:spPr>
           <a:xfrm>
             <a:off x="304800" y="560312"/>
-            <a:ext cx="8477052" cy="4530471"/>
+            <a:ext cx="8477052" cy="3025444"/>
           </a:xfrm>
           <a:prstGeom prst="rect">
             <a:avLst/>
@@ -16262,119 +14500,16 @@
                 <a:latin typeface="Times New Roman" panose="02020603050405020304" pitchFamily="18" charset="0"/>
                 <a:cs typeface="Times New Roman" panose="02020603050405020304" pitchFamily="18" charset="0"/>
               </a:rPr>
-              <a:t>PMAA establishes </a:t>
-            </a:r>
-            <a:r>
-              <a:rPr lang="en-US" altLang="zh-CN" dirty="0">
-                <a:solidFill>
-                  <a:srgbClr val="FF0000"/>
-                </a:solidFill>
-                <a:latin typeface="Times New Roman" panose="02020603050405020304" pitchFamily="18" charset="0"/>
-                <a:cs typeface="Times New Roman" panose="02020603050405020304" pitchFamily="18" charset="0"/>
-              </a:rPr>
-              <a:t>long-range dependencies of multi-scale features</a:t>
-            </a:r>
-            <a:r>
-              <a:rPr lang="en-US" altLang="zh-CN" dirty="0">
-                <a:latin typeface="Times New Roman" panose="02020603050405020304" pitchFamily="18" charset="0"/>
-                <a:cs typeface="Times New Roman" panose="02020603050405020304" pitchFamily="18" charset="0"/>
-              </a:rPr>
-              <a:t> using MAM and modulates the reconstruction of </a:t>
-            </a:r>
-            <a:r>
-              <a:rPr lang="en-US" altLang="zh-CN" dirty="0">
-                <a:solidFill>
-                  <a:srgbClr val="FF0000"/>
-                </a:solidFill>
-                <a:latin typeface="Times New Roman" panose="02020603050405020304" pitchFamily="18" charset="0"/>
-                <a:cs typeface="Times New Roman" panose="02020603050405020304" pitchFamily="18" charset="0"/>
-              </a:rPr>
-              <a:t>fine-grained details </a:t>
-            </a:r>
-            <a:r>
-              <a:rPr lang="en-US" altLang="zh-CN" dirty="0">
-                <a:latin typeface="Times New Roman" panose="02020603050405020304" pitchFamily="18" charset="0"/>
-                <a:cs typeface="Times New Roman" panose="02020603050405020304" pitchFamily="18" charset="0"/>
-              </a:rPr>
-              <a:t>utilizing LIM, enabling simultaneous representation of fine- and coarse-grained features at the same level. </a:t>
-            </a:r>
-          </a:p>
-          <a:p>
-            <a:r>
-              <a:rPr lang="en-US" altLang="zh-CN" sz="1400" dirty="0">
-                <a:latin typeface="Times New Roman" panose="02020603050405020304" pitchFamily="18" charset="0"/>
-                <a:cs typeface="Times New Roman" panose="02020603050405020304" pitchFamily="18" charset="0"/>
-              </a:rPr>
-              <a:t>PMAA </a:t>
-            </a:r>
+              <a:t>The full-scale skip connections incorporate low-level details with high-level semantics from feature maps in different scales; while the deep supervision learns hierarchical representations from the full-scale aggregated feature maps. We further propose a hybrid loss function and devise a classification-guided module to enhance the organ boundary and reduce the over-segmentation in a non-organ image, yielding more accurate segmentation results. </a:t>
+            </a:r>
+          </a:p>
+          <a:p>
             <a:r>
               <a:rPr lang="zh-CN" altLang="en-US" sz="1400" dirty="0">
                 <a:latin typeface="Times New Roman" panose="02020603050405020304" pitchFamily="18" charset="0"/>
                 <a:cs typeface="Times New Roman" panose="02020603050405020304" pitchFamily="18" charset="0"/>
               </a:rPr>
-              <a:t>利用 </a:t>
-            </a:r>
-            <a:r>
-              <a:rPr lang="en-US" altLang="zh-CN" sz="1400" dirty="0">
-                <a:latin typeface="Times New Roman" panose="02020603050405020304" pitchFamily="18" charset="0"/>
-                <a:cs typeface="Times New Roman" panose="02020603050405020304" pitchFamily="18" charset="0"/>
-              </a:rPr>
-              <a:t>MAM </a:t>
-            </a:r>
-            <a:r>
-              <a:rPr lang="zh-CN" altLang="en-US" sz="1400" dirty="0">
-                <a:latin typeface="Times New Roman" panose="02020603050405020304" pitchFamily="18" charset="0"/>
-                <a:cs typeface="Times New Roman" panose="02020603050405020304" pitchFamily="18" charset="0"/>
-              </a:rPr>
-              <a:t>建立</a:t>
-            </a:r>
-            <a:r>
-              <a:rPr lang="zh-CN" altLang="en-US" sz="1400" dirty="0">
-                <a:solidFill>
-                  <a:srgbClr val="FF0000"/>
-                </a:solidFill>
-                <a:latin typeface="Times New Roman" panose="02020603050405020304" pitchFamily="18" charset="0"/>
-                <a:cs typeface="Times New Roman" panose="02020603050405020304" pitchFamily="18" charset="0"/>
-              </a:rPr>
-              <a:t>多尺度特征的长程依赖关系</a:t>
-            </a:r>
-            <a:r>
-              <a:rPr lang="zh-CN" altLang="en-US" sz="1400" dirty="0">
-                <a:latin typeface="Times New Roman" panose="02020603050405020304" pitchFamily="18" charset="0"/>
-                <a:cs typeface="Times New Roman" panose="02020603050405020304" pitchFamily="18" charset="0"/>
-              </a:rPr>
-              <a:t>，并利用 </a:t>
-            </a:r>
-            <a:r>
-              <a:rPr lang="en-US" altLang="zh-CN" sz="1400" dirty="0">
-                <a:latin typeface="Times New Roman" panose="02020603050405020304" pitchFamily="18" charset="0"/>
-                <a:cs typeface="Times New Roman" panose="02020603050405020304" pitchFamily="18" charset="0"/>
-              </a:rPr>
-              <a:t>LIM </a:t>
-            </a:r>
-            <a:r>
-              <a:rPr lang="zh-CN" altLang="en-US" sz="1400" dirty="0">
-                <a:latin typeface="Times New Roman" panose="02020603050405020304" pitchFamily="18" charset="0"/>
-                <a:cs typeface="Times New Roman" panose="02020603050405020304" pitchFamily="18" charset="0"/>
-              </a:rPr>
-              <a:t>调节</a:t>
-            </a:r>
-            <a:r>
-              <a:rPr lang="zh-CN" altLang="en-US" sz="1400" dirty="0">
-                <a:solidFill>
-                  <a:srgbClr val="FF0000"/>
-                </a:solidFill>
-                <a:latin typeface="Times New Roman" panose="02020603050405020304" pitchFamily="18" charset="0"/>
-                <a:cs typeface="Times New Roman" panose="02020603050405020304" pitchFamily="18" charset="0"/>
-              </a:rPr>
-              <a:t>细粒度细节</a:t>
-            </a:r>
-            <a:r>
-              <a:rPr lang="zh-CN" altLang="en-US" sz="1400" dirty="0">
-                <a:latin typeface="Times New Roman" panose="02020603050405020304" pitchFamily="18" charset="0"/>
-                <a:cs typeface="Times New Roman" panose="02020603050405020304" pitchFamily="18" charset="0"/>
-              </a:rPr>
-              <a:t>的重建，从而在同一水平上同时表示细粒度和粗粒度特征。</a:t>
+              <a:t>全尺度跳跃连接将低级细节与来自不同尺度特征图的高级语义相结合； 而深度监督则从全尺寸聚合特征图中学习层次表示。并进一步提出了一种混合损失函数。我们进一步提出了一种混合损失函数，并设计了一个分类引导模块来增强器官边界并减少非器官图像中的过度分割，从而产生更准确的分割结果。</a:t>
             </a:r>
             <a:endParaRPr lang="en-US" altLang="zh-CN" sz="1400" dirty="0">
               <a:latin typeface="Times New Roman" panose="02020603050405020304" pitchFamily="18" charset="0"/>
@@ -16386,194 +14521,6 @@
               <a:latin typeface="Times New Roman" panose="02020603050405020304" pitchFamily="18" charset="0"/>
               <a:cs typeface="Times New Roman" panose="02020603050405020304" pitchFamily="18" charset="0"/>
             </a:endParaRPr>
-          </a:p>
-          <a:p>
-            <a:pPr>
-              <a:lnSpc>
-                <a:spcPct val="120000"/>
-              </a:lnSpc>
-              <a:spcAft>
-                <a:spcPts val="600"/>
-              </a:spcAft>
-            </a:pPr>
-            <a:r>
-              <a:rPr lang="zh-CN" altLang="en-US" dirty="0">
-                <a:latin typeface="Times New Roman" panose="02020603050405020304" pitchFamily="18" charset="0"/>
-                <a:cs typeface="Times New Roman" panose="02020603050405020304" pitchFamily="18" charset="0"/>
-              </a:rPr>
-              <a:t>With the help of diverse and multi-scale features, PMAA consistently outperforms the previous state-of-the-art model CTGAN on two benchmark datasets. Moreover, PMAA boasts considerable efficiency advantages, with only 0.5% and 14.6% of the parameters and computational complexity of CTGAN, respectively. These comprehensive results underscore PMAA ‘s potential as a </a:t>
-            </a:r>
-            <a:r>
-              <a:rPr lang="zh-CN" altLang="en-US" dirty="0">
-                <a:solidFill>
-                  <a:srgbClr val="FF0000"/>
-                </a:solidFill>
-                <a:latin typeface="Times New Roman" panose="02020603050405020304" pitchFamily="18" charset="0"/>
-                <a:cs typeface="Times New Roman" panose="02020603050405020304" pitchFamily="18" charset="0"/>
-              </a:rPr>
-              <a:t>lightweight</a:t>
-            </a:r>
-            <a:r>
-              <a:rPr lang="zh-CN" altLang="en-US" dirty="0">
-                <a:latin typeface="Times New Roman" panose="02020603050405020304" pitchFamily="18" charset="0"/>
-                <a:cs typeface="Times New Roman" panose="02020603050405020304" pitchFamily="18" charset="0"/>
-              </a:rPr>
-              <a:t> cloud removal network suitable for deployment on edge devices to accomplish large-scale cloud removal tasks.</a:t>
-            </a:r>
-            <a:endParaRPr lang="en-US" altLang="zh-CN" dirty="0">
-              <a:latin typeface="Times New Roman" panose="02020603050405020304" pitchFamily="18" charset="0"/>
-              <a:cs typeface="Times New Roman" panose="02020603050405020304" pitchFamily="18" charset="0"/>
-            </a:endParaRPr>
-          </a:p>
-          <a:p>
-            <a:r>
-              <a:rPr lang="zh-CN" altLang="en-US" sz="1400" dirty="0">
-                <a:latin typeface="Times New Roman" panose="02020603050405020304" pitchFamily="18" charset="0"/>
-                <a:cs typeface="Times New Roman" panose="02020603050405020304" pitchFamily="18" charset="0"/>
-              </a:rPr>
-              <a:t>在多样化和多尺度特征的帮助下，</a:t>
-            </a:r>
-            <a:r>
-              <a:rPr lang="en-US" altLang="zh-CN" sz="1400" dirty="0">
-                <a:latin typeface="Times New Roman" panose="02020603050405020304" pitchFamily="18" charset="0"/>
-                <a:cs typeface="Times New Roman" panose="02020603050405020304" pitchFamily="18" charset="0"/>
-              </a:rPr>
-              <a:t>PMAA </a:t>
-            </a:r>
-            <a:r>
-              <a:rPr lang="zh-CN" altLang="en-US" sz="1400" dirty="0">
-                <a:latin typeface="Times New Roman" panose="02020603050405020304" pitchFamily="18" charset="0"/>
-                <a:cs typeface="Times New Roman" panose="02020603050405020304" pitchFamily="18" charset="0"/>
-              </a:rPr>
-              <a:t>在两个数据集上的表现始终优于之前的最先进模型 </a:t>
-            </a:r>
-            <a:r>
-              <a:rPr lang="en-US" altLang="zh-CN" sz="1400" dirty="0">
-                <a:latin typeface="Times New Roman" panose="02020603050405020304" pitchFamily="18" charset="0"/>
-                <a:cs typeface="Times New Roman" panose="02020603050405020304" pitchFamily="18" charset="0"/>
-              </a:rPr>
-              <a:t>CTGAN</a:t>
-            </a:r>
-            <a:r>
-              <a:rPr lang="zh-CN" altLang="en-US" sz="1400" dirty="0">
-                <a:latin typeface="Times New Roman" panose="02020603050405020304" pitchFamily="18" charset="0"/>
-                <a:cs typeface="Times New Roman" panose="02020603050405020304" pitchFamily="18" charset="0"/>
-              </a:rPr>
-              <a:t>。</a:t>
-            </a:r>
-            <a:endParaRPr lang="en-US" altLang="zh-CN" sz="1400" dirty="0">
-              <a:latin typeface="Times New Roman" panose="02020603050405020304" pitchFamily="18" charset="0"/>
-              <a:cs typeface="Times New Roman" panose="02020603050405020304" pitchFamily="18" charset="0"/>
-            </a:endParaRPr>
-          </a:p>
-          <a:p>
-            <a:r>
-              <a:rPr lang="zh-CN" altLang="en-US" sz="1400" dirty="0">
-                <a:latin typeface="Times New Roman" panose="02020603050405020304" pitchFamily="18" charset="0"/>
-                <a:cs typeface="Times New Roman" panose="02020603050405020304" pitchFamily="18" charset="0"/>
-              </a:rPr>
-              <a:t>此外，</a:t>
-            </a:r>
-            <a:r>
-              <a:rPr lang="en-US" altLang="zh-CN" sz="1400" dirty="0">
-                <a:latin typeface="Times New Roman" panose="02020603050405020304" pitchFamily="18" charset="0"/>
-                <a:cs typeface="Times New Roman" panose="02020603050405020304" pitchFamily="18" charset="0"/>
-              </a:rPr>
-              <a:t>PMAA </a:t>
-            </a:r>
-            <a:r>
-              <a:rPr lang="zh-CN" altLang="en-US" sz="1400" dirty="0">
-                <a:latin typeface="Times New Roman" panose="02020603050405020304" pitchFamily="18" charset="0"/>
-                <a:cs typeface="Times New Roman" panose="02020603050405020304" pitchFamily="18" charset="0"/>
-              </a:rPr>
-              <a:t>还具有相当大的效率优势，其参数和计算复杂度分别仅为 </a:t>
-            </a:r>
-            <a:r>
-              <a:rPr lang="en-US" altLang="zh-CN" sz="1400" dirty="0">
-                <a:latin typeface="Times New Roman" panose="02020603050405020304" pitchFamily="18" charset="0"/>
-                <a:cs typeface="Times New Roman" panose="02020603050405020304" pitchFamily="18" charset="0"/>
-              </a:rPr>
-              <a:t>CTGAN </a:t>
-            </a:r>
-            <a:r>
-              <a:rPr lang="zh-CN" altLang="en-US" sz="1400" dirty="0">
-                <a:latin typeface="Times New Roman" panose="02020603050405020304" pitchFamily="18" charset="0"/>
-                <a:cs typeface="Times New Roman" panose="02020603050405020304" pitchFamily="18" charset="0"/>
-              </a:rPr>
-              <a:t>的 </a:t>
-            </a:r>
-            <a:r>
-              <a:rPr lang="en-US" altLang="zh-CN" sz="1400" dirty="0">
-                <a:latin typeface="Times New Roman" panose="02020603050405020304" pitchFamily="18" charset="0"/>
-                <a:cs typeface="Times New Roman" panose="02020603050405020304" pitchFamily="18" charset="0"/>
-              </a:rPr>
-              <a:t>0.5% </a:t>
-            </a:r>
-            <a:r>
-              <a:rPr lang="zh-CN" altLang="en-US" sz="1400" dirty="0">
-                <a:latin typeface="Times New Roman" panose="02020603050405020304" pitchFamily="18" charset="0"/>
-                <a:cs typeface="Times New Roman" panose="02020603050405020304" pitchFamily="18" charset="0"/>
-              </a:rPr>
-              <a:t>和 </a:t>
-            </a:r>
-            <a:r>
-              <a:rPr lang="en-US" altLang="zh-CN" sz="1400" dirty="0">
-                <a:latin typeface="Times New Roman" panose="02020603050405020304" pitchFamily="18" charset="0"/>
-                <a:cs typeface="Times New Roman" panose="02020603050405020304" pitchFamily="18" charset="0"/>
-              </a:rPr>
-              <a:t>14.6%</a:t>
-            </a:r>
-            <a:r>
-              <a:rPr lang="zh-CN" altLang="en-US" sz="1400" dirty="0">
-                <a:latin typeface="Times New Roman" panose="02020603050405020304" pitchFamily="18" charset="0"/>
-                <a:cs typeface="Times New Roman" panose="02020603050405020304" pitchFamily="18" charset="0"/>
-              </a:rPr>
-              <a:t>。</a:t>
-            </a:r>
-            <a:endParaRPr lang="en-US" altLang="zh-CN" sz="1400" dirty="0">
-              <a:latin typeface="Times New Roman" panose="02020603050405020304" pitchFamily="18" charset="0"/>
-              <a:cs typeface="Times New Roman" panose="02020603050405020304" pitchFamily="18" charset="0"/>
-            </a:endParaRPr>
-          </a:p>
-          <a:p>
-            <a:r>
-              <a:rPr lang="zh-CN" altLang="en-US" sz="1400" dirty="0">
-                <a:latin typeface="Times New Roman" panose="02020603050405020304" pitchFamily="18" charset="0"/>
-                <a:cs typeface="Times New Roman" panose="02020603050405020304" pitchFamily="18" charset="0"/>
-              </a:rPr>
-              <a:t>这些综合结果凸显了 </a:t>
-            </a:r>
-            <a:r>
-              <a:rPr lang="en-US" altLang="zh-CN" sz="1400" dirty="0">
-                <a:latin typeface="Times New Roman" panose="02020603050405020304" pitchFamily="18" charset="0"/>
-                <a:cs typeface="Times New Roman" panose="02020603050405020304" pitchFamily="18" charset="0"/>
-              </a:rPr>
-              <a:t>PMAA </a:t>
-            </a:r>
-            <a:r>
-              <a:rPr lang="zh-CN" altLang="en-US" sz="1400" dirty="0">
-                <a:latin typeface="Times New Roman" panose="02020603050405020304" pitchFamily="18" charset="0"/>
-                <a:cs typeface="Times New Roman" panose="02020603050405020304" pitchFamily="18" charset="0"/>
-              </a:rPr>
-              <a:t>作为</a:t>
-            </a:r>
-            <a:r>
-              <a:rPr lang="zh-CN" altLang="en-US" sz="1400" dirty="0">
-                <a:solidFill>
-                  <a:srgbClr val="FF0000"/>
-                </a:solidFill>
-                <a:latin typeface="Times New Roman" panose="02020603050405020304" pitchFamily="18" charset="0"/>
-                <a:cs typeface="Times New Roman" panose="02020603050405020304" pitchFamily="18" charset="0"/>
-              </a:rPr>
-              <a:t>轻量级</a:t>
-            </a:r>
-            <a:r>
-              <a:rPr lang="zh-CN" altLang="en-US" sz="1400" dirty="0">
-                <a:latin typeface="Times New Roman" panose="02020603050405020304" pitchFamily="18" charset="0"/>
-                <a:cs typeface="Times New Roman" panose="02020603050405020304" pitchFamily="18" charset="0"/>
-              </a:rPr>
-              <a:t>云清除网络的潜力，适合部署在边缘设备上完成大规模云清除任务。</a:t>
-            </a:r>
           </a:p>
         </p:txBody>
       </p:sp>
@@ -16796,7 +14743,7 @@
         <p:spPr>
           <a:xfrm>
             <a:off x="362148" y="560312"/>
-            <a:ext cx="8172252" cy="4296048"/>
+            <a:ext cx="8172252" cy="3988271"/>
           </a:xfrm>
           <a:prstGeom prst="rect">
             <a:avLst/>
@@ -16820,18 +14767,29 @@
               <a:buChar char="•"/>
             </a:pPr>
             <a:r>
-              <a:rPr lang="zh-CN" altLang="en-US" dirty="0">
+              <a:rPr lang="en-US" altLang="zh-CN" dirty="0">
                 <a:latin typeface="Times New Roman" panose="02020603050405020304" pitchFamily="18" charset="0"/>
                 <a:cs typeface="Times New Roman" panose="02020603050405020304" pitchFamily="18" charset="0"/>
               </a:rPr>
-              <a:t>We propose a novel lightweight architecture, named PMAA, for removing clouds from satellite imagery, which mainly incorporates two carefully designed components: MAM and LIM. </a:t>
-            </a:r>
-            <a:endParaRPr lang="en-US" altLang="zh-CN" dirty="0">
-              <a:latin typeface="Times New Roman" panose="02020603050405020304" pitchFamily="18" charset="0"/>
-              <a:cs typeface="Times New Roman" panose="02020603050405020304" pitchFamily="18" charset="0"/>
-            </a:endParaRPr>
-          </a:p>
-          <a:p>
+              <a:t>The full-scale skip connections incorporate low-level details with high-level semantics from feature maps in different scales</a:t>
+            </a:r>
+            <a:r>
+              <a:rPr lang="en-US" altLang="zh-CN" sz="1400" dirty="0">
+                <a:latin typeface="Times New Roman" panose="02020603050405020304" pitchFamily="18" charset="0"/>
+                <a:cs typeface="Times New Roman" panose="02020603050405020304" pitchFamily="18" charset="0"/>
+              </a:rPr>
+              <a:t> .</a:t>
+            </a:r>
+          </a:p>
+          <a:p>
+            <a:pPr>
+              <a:lnSpc>
+                <a:spcPct val="120000"/>
+              </a:lnSpc>
+              <a:spcAft>
+                <a:spcPts val="600"/>
+              </a:spcAft>
+            </a:pPr>
             <a:r>
               <a:rPr lang="en-US" altLang="zh-CN" sz="1400" dirty="0">
                 <a:latin typeface="Times New Roman" panose="02020603050405020304" pitchFamily="18" charset="0"/>
@@ -16844,56 +14802,8 @@
                 <a:latin typeface="Times New Roman" panose="02020603050405020304" pitchFamily="18" charset="0"/>
                 <a:cs typeface="Times New Roman" panose="02020603050405020304" pitchFamily="18" charset="0"/>
               </a:rPr>
-              <a:t>我们提出了一种名为 </a:t>
-            </a:r>
-            <a:r>
-              <a:rPr lang="en-US" altLang="zh-CN" sz="1400" dirty="0">
-                <a:latin typeface="Times New Roman" panose="02020603050405020304" pitchFamily="18" charset="0"/>
-                <a:cs typeface="Times New Roman" panose="02020603050405020304" pitchFamily="18" charset="0"/>
-              </a:rPr>
-              <a:t>PMAA </a:t>
-            </a:r>
-            <a:r>
-              <a:rPr lang="zh-CN" altLang="en-US" sz="1400" dirty="0">
-                <a:latin typeface="Times New Roman" panose="02020603050405020304" pitchFamily="18" charset="0"/>
-                <a:cs typeface="Times New Roman" panose="02020603050405020304" pitchFamily="18" charset="0"/>
-              </a:rPr>
-              <a:t>的新型轻量级架构，用于从卫星图像中去除云层： </a:t>
-            </a:r>
-            <a:r>
-              <a:rPr lang="en-US" altLang="zh-CN" sz="1400" dirty="0">
-                <a:latin typeface="Times New Roman" panose="02020603050405020304" pitchFamily="18" charset="0"/>
-                <a:cs typeface="Times New Roman" panose="02020603050405020304" pitchFamily="18" charset="0"/>
-              </a:rPr>
-              <a:t>MAM </a:t>
-            </a:r>
-            <a:r>
-              <a:rPr lang="zh-CN" altLang="en-US" sz="1400" dirty="0">
-                <a:latin typeface="Times New Roman" panose="02020603050405020304" pitchFamily="18" charset="0"/>
-                <a:cs typeface="Times New Roman" panose="02020603050405020304" pitchFamily="18" charset="0"/>
-              </a:rPr>
-              <a:t>和 </a:t>
-            </a:r>
-            <a:r>
-              <a:rPr lang="en-US" altLang="zh-CN" sz="1400" dirty="0">
-                <a:latin typeface="Times New Roman" panose="02020603050405020304" pitchFamily="18" charset="0"/>
-                <a:cs typeface="Times New Roman" panose="02020603050405020304" pitchFamily="18" charset="0"/>
-              </a:rPr>
-              <a:t>LIM</a:t>
-            </a:r>
-            <a:r>
-              <a:rPr lang="zh-CN" altLang="en-US" sz="1400" dirty="0">
-                <a:latin typeface="Times New Roman" panose="02020603050405020304" pitchFamily="18" charset="0"/>
-                <a:cs typeface="Times New Roman" panose="02020603050405020304" pitchFamily="18" charset="0"/>
-              </a:rPr>
-              <a:t>。</a:t>
-            </a:r>
-            <a:endParaRPr lang="en-US" altLang="zh-CN" sz="1400" dirty="0">
-              <a:latin typeface="Times New Roman" panose="02020603050405020304" pitchFamily="18" charset="0"/>
-              <a:cs typeface="Times New Roman" panose="02020603050405020304" pitchFamily="18" charset="0"/>
-            </a:endParaRPr>
-          </a:p>
-          <a:p>
+              <a:t>全尺度跳跃连接将低级细节与来自不同尺度特征图的高级语义相结合。</a:t>
+            </a:r>
             <a:endParaRPr lang="en-US" altLang="zh-CN" sz="1400" dirty="0">
               <a:latin typeface="Times New Roman" panose="02020603050405020304" pitchFamily="18" charset="0"/>
               <a:cs typeface="Times New Roman" panose="02020603050405020304" pitchFamily="18" charset="0"/>
@@ -16911,11 +14821,18 @@
               <a:buChar char="•"/>
             </a:pPr>
             <a:r>
+              <a:rPr lang="en-US" altLang="zh-CN" dirty="0">
+                <a:latin typeface="Times New Roman" panose="02020603050405020304" pitchFamily="18" charset="0"/>
+                <a:cs typeface="Times New Roman" panose="02020603050405020304" pitchFamily="18" charset="0"/>
+              </a:rPr>
+              <a:t>The deep supervision learns hierarchical representations from the full-scale aggregated feature maps</a:t>
+            </a:r>
+            <a:r>
               <a:rPr lang="zh-CN" altLang="en-US" dirty="0">
                 <a:latin typeface="Times New Roman" panose="02020603050405020304" pitchFamily="18" charset="0"/>
                 <a:cs typeface="Times New Roman" panose="02020603050405020304" pitchFamily="18" charset="0"/>
               </a:rPr>
-              <a:t>We design an efficient MAM that effectively compensates for the loss of accuracy in reconstructing cloud-free images by aggregating features of different spatial resolutions into global features. </a:t>
+              <a:t>. </a:t>
             </a:r>
             <a:endParaRPr lang="en-US" altLang="zh-CN" dirty="0">
               <a:latin typeface="Times New Roman" panose="02020603050405020304" pitchFamily="18" charset="0"/>
@@ -16925,25 +14842,18 @@
           <a:p>
             <a:pPr marL="284400" indent="-284400"/>
             <a:r>
+              <a:rPr lang="en-US" altLang="zh-CN" sz="1400" dirty="0">
+                <a:latin typeface="Times New Roman" panose="02020603050405020304" pitchFamily="18" charset="0"/>
+                <a:cs typeface="Times New Roman" panose="02020603050405020304" pitchFamily="18" charset="0"/>
+              </a:rPr>
+              <a:t>	</a:t>
+            </a:r>
+            <a:r>
               <a:rPr lang="zh-CN" altLang="en-US" sz="1400" dirty="0">
                 <a:latin typeface="Times New Roman" panose="02020603050405020304" pitchFamily="18" charset="0"/>
                 <a:cs typeface="Times New Roman" panose="02020603050405020304" pitchFamily="18" charset="0"/>
               </a:rPr>
-              <a:t>       我们设计了一种高效的 </a:t>
-            </a:r>
-            <a:r>
-              <a:rPr lang="en-US" altLang="zh-CN" sz="1400" dirty="0">
-                <a:latin typeface="Times New Roman" panose="02020603050405020304" pitchFamily="18" charset="0"/>
-                <a:cs typeface="Times New Roman" panose="02020603050405020304" pitchFamily="18" charset="0"/>
-              </a:rPr>
-              <a:t>MAM</a:t>
-            </a:r>
-            <a:r>
-              <a:rPr lang="zh-CN" altLang="en-US" sz="1400" dirty="0">
-                <a:latin typeface="Times New Roman" panose="02020603050405020304" pitchFamily="18" charset="0"/>
-                <a:cs typeface="Times New Roman" panose="02020603050405020304" pitchFamily="18" charset="0"/>
-              </a:rPr>
-              <a:t>，通过将不同空间分辨率的特征聚合为全局特征，有效补偿了重建无   云图像时的精度损失。</a:t>
+              <a:t>而深度监督则从全尺寸聚合特征图中学习层次表示。</a:t>
             </a:r>
             <a:endParaRPr lang="en-US" altLang="zh-CN" sz="1400" dirty="0">
               <a:latin typeface="Times New Roman" panose="02020603050405020304" pitchFamily="18" charset="0"/>
@@ -16951,6 +14861,7 @@
             </a:endParaRPr>
           </a:p>
           <a:p>
+            <a:pPr marL="284400" indent="-284400"/>
             <a:endParaRPr lang="en-US" altLang="zh-CN" sz="1400" dirty="0">
               <a:latin typeface="Times New Roman" panose="02020603050405020304" pitchFamily="18" charset="0"/>
               <a:cs typeface="Times New Roman" panose="02020603050405020304" pitchFamily="18" charset="0"/>
@@ -16968,11 +14879,18 @@
               <a:buChar char="•"/>
             </a:pPr>
             <a:r>
+              <a:rPr lang="en-US" altLang="zh-CN" dirty="0">
+                <a:latin typeface="Times New Roman" panose="02020603050405020304" pitchFamily="18" charset="0"/>
+                <a:cs typeface="Times New Roman" panose="02020603050405020304" pitchFamily="18" charset="0"/>
+              </a:rPr>
+              <a:t>We further propose a hybrid loss function and devise a classification-guided module to enhance the organ boundary and reduce the over-segmentation in a non-organ image, yielding more accurate segmentation results</a:t>
+            </a:r>
+            <a:r>
               <a:rPr lang="zh-CN" altLang="en-US" dirty="0">
                 <a:latin typeface="Times New Roman" panose="02020603050405020304" pitchFamily="18" charset="0"/>
                 <a:cs typeface="Times New Roman" panose="02020603050405020304" pitchFamily="18" charset="0"/>
               </a:rPr>
-              <a:t>We design a new reconstruction component, LIM, to enhance the fine-grained generation of cloud-free images through selectively fusing global and local features.</a:t>
+              <a:t>.</a:t>
             </a:r>
             <a:endParaRPr lang="en-US" altLang="zh-CN" dirty="0">
               <a:latin typeface="Times New Roman" panose="02020603050405020304" pitchFamily="18" charset="0"/>
@@ -16993,21 +14911,35 @@
                 <a:latin typeface="Times New Roman" panose="02020603050405020304" pitchFamily="18" charset="0"/>
                 <a:cs typeface="Times New Roman" panose="02020603050405020304" pitchFamily="18" charset="0"/>
               </a:rPr>
-              <a:t>       我们设计了一个新的重建组件 </a:t>
-            </a:r>
+              <a:t>       我们进一步提出了一种混合损失函数，并设计了一个分类引导模块来增强器官边界并减少非器官图</a:t>
+            </a:r>
+            <a:endParaRPr lang="en-US" altLang="zh-CN" sz="1400" dirty="0">
+              <a:latin typeface="Times New Roman" panose="02020603050405020304" pitchFamily="18" charset="0"/>
+              <a:cs typeface="Times New Roman" panose="02020603050405020304" pitchFamily="18" charset="0"/>
+            </a:endParaRPr>
+          </a:p>
+          <a:p>
+            <a:pPr>
+              <a:lnSpc>
+                <a:spcPct val="120000"/>
+              </a:lnSpc>
+              <a:spcAft>
+                <a:spcPts val="600"/>
+              </a:spcAft>
+            </a:pPr>
             <a:r>
               <a:rPr lang="en-US" altLang="zh-CN" sz="1400" dirty="0">
                 <a:latin typeface="Times New Roman" panose="02020603050405020304" pitchFamily="18" charset="0"/>
                 <a:cs typeface="Times New Roman" panose="02020603050405020304" pitchFamily="18" charset="0"/>
               </a:rPr>
-              <a:t>LIM</a:t>
+              <a:t>       </a:t>
             </a:r>
             <a:r>
               <a:rPr lang="zh-CN" altLang="en-US" sz="1400" dirty="0">
                 <a:latin typeface="Times New Roman" panose="02020603050405020304" pitchFamily="18" charset="0"/>
                 <a:cs typeface="Times New Roman" panose="02020603050405020304" pitchFamily="18" charset="0"/>
               </a:rPr>
-              <a:t>，通过有选择性地融合全局和局部特征来提高无云图像的精细度。</a:t>
+              <a:t>像中的过度分割，从而产生更准确的分割结果。</a:t>
             </a:r>
             <a:endParaRPr lang="en-US" altLang="zh-CN" sz="1400" dirty="0">
               <a:latin typeface="Times New Roman" panose="02020603050405020304" pitchFamily="18" charset="0"/>
@@ -17069,7 +15001,7 @@
         <p:spPr>
           <a:xfrm>
             <a:off x="362148" y="160202"/>
-            <a:ext cx="3062954" cy="400110"/>
+            <a:ext cx="1805623" cy="400110"/>
           </a:xfrm>
           <a:prstGeom prst="rect">
             <a:avLst/>
@@ -17185,27 +15117,7 @@
                 <a:latin typeface="微软雅黑" panose="020B0503020204020204" pitchFamily="34" charset="-122"/>
                 <a:ea typeface="微软雅黑" panose="020B0503020204020204" pitchFamily="34" charset="-122"/>
               </a:rPr>
-              <a:t>Framework of</a:t>
-            </a:r>
-            <a:r>
-              <a:rPr lang="zh-CN" altLang="en-US" sz="2000" b="1" dirty="0">
-                <a:solidFill>
-                  <a:srgbClr val="4472C4"/>
-                </a:solidFill>
-                <a:latin typeface="微软雅黑" panose="020B0503020204020204" pitchFamily="34" charset="-122"/>
-                <a:ea typeface="微软雅黑" panose="020B0503020204020204" pitchFamily="34" charset="-122"/>
-              </a:rPr>
-              <a:t> </a:t>
-            </a:r>
-            <a:r>
-              <a:rPr lang="en-US" altLang="zh-CN" sz="2000" b="1" dirty="0">
-                <a:solidFill>
-                  <a:srgbClr val="4472C4"/>
-                </a:solidFill>
-                <a:latin typeface="微软雅黑" panose="020B0503020204020204" pitchFamily="34" charset="-122"/>
-                <a:ea typeface="微软雅黑" panose="020B0503020204020204" pitchFamily="34" charset="-122"/>
-              </a:rPr>
-              <a:t>Method</a:t>
+              <a:t>Introduction</a:t>
             </a:r>
           </a:p>
         </p:txBody>
@@ -17242,10 +15154,10 @@
       </p:pic>
       <p:pic>
         <p:nvPicPr>
-          <p:cNvPr id="6" name="图片 5">
+          <p:cNvPr id="3" name="图片 2">
             <a:extLst>
               <a:ext uri="{FF2B5EF4-FFF2-40B4-BE49-F238E27FC236}">
-                <a16:creationId xmlns:a16="http://schemas.microsoft.com/office/drawing/2014/main" id="{49CA49F9-01B2-C584-429D-9BB19F74D5CC}"/>
+                <a16:creationId xmlns:a16="http://schemas.microsoft.com/office/drawing/2014/main" id="{7C44C431-2303-1F1F-376A-6FE31F7CC374}"/>
               </a:ext>
             </a:extLst>
           </p:cNvPr>
@@ -17255,15 +15167,21 @@
           <p:nvPr/>
         </p:nvPicPr>
         <p:blipFill>
-          <a:blip r:embed="rId4"/>
+          <a:blip r:embed="rId4">
+            <a:extLst>
+              <a:ext uri="{28A0092B-C50C-407E-A947-70E740481C1C}">
+                <a14:useLocalDpi xmlns:a14="http://schemas.microsoft.com/office/drawing/2010/main" val="0"/>
+              </a:ext>
+            </a:extLst>
+          </a:blip>
           <a:stretch>
             <a:fillRect/>
           </a:stretch>
         </p:blipFill>
         <p:spPr>
           <a:xfrm>
-            <a:off x="76200" y="834935"/>
-            <a:ext cx="8780585" cy="3733800"/>
+            <a:off x="609600" y="1152525"/>
+            <a:ext cx="7810500" cy="2838450"/>
           </a:xfrm>
           <a:prstGeom prst="rect">
             <a:avLst/>
@@ -17308,36 +15226,6 @@
           <a:chExt cx="0" cy="0"/>
         </a:xfrm>
       </p:grpSpPr>
-      <p:pic>
-        <p:nvPicPr>
-          <p:cNvPr id="3" name="图片 2">
-            <a:extLst>
-              <a:ext uri="{FF2B5EF4-FFF2-40B4-BE49-F238E27FC236}">
-                <a16:creationId xmlns:a16="http://schemas.microsoft.com/office/drawing/2014/main" id="{7FEEBECA-91D6-5951-172C-7027717CE992}"/>
-              </a:ext>
-            </a:extLst>
-          </p:cNvPr>
-          <p:cNvPicPr>
-            <a:picLocks noChangeAspect="1"/>
-          </p:cNvPicPr>
-          <p:nvPr/>
-        </p:nvPicPr>
-        <p:blipFill>
-          <a:blip r:embed="rId3"/>
-          <a:stretch>
-            <a:fillRect/>
-          </a:stretch>
-        </p:blipFill>
-        <p:spPr>
-          <a:xfrm>
-            <a:off x="1940695" y="4457700"/>
-            <a:ext cx="2064121" cy="685800"/>
-          </a:xfrm>
-          <a:prstGeom prst="rect">
-            <a:avLst/>
-          </a:prstGeom>
-        </p:spPr>
-      </p:pic>
       <p:sp>
         <p:nvSpPr>
           <p:cNvPr id="17" name="文本框 46">
@@ -17503,7 +15391,7 @@
           <p:nvPr/>
         </p:nvPicPr>
         <p:blipFill>
-          <a:blip r:embed="rId4" cstate="print">
+          <a:blip r:embed="rId3" cstate="print">
             <a:extLst>
               <a:ext uri="{28A0092B-C50C-407E-A947-70E740481C1C}">
                 <a14:useLocalDpi xmlns:a14="http://schemas.microsoft.com/office/drawing/2010/main" val="0"/>
@@ -17526,10 +15414,46 @@
       </p:pic>
       <p:pic>
         <p:nvPicPr>
-          <p:cNvPr id="6" name="图片 5">
+          <p:cNvPr id="4" name="图片 3">
             <a:extLst>
               <a:ext uri="{FF2B5EF4-FFF2-40B4-BE49-F238E27FC236}">
-                <a16:creationId xmlns:a16="http://schemas.microsoft.com/office/drawing/2014/main" id="{49CA49F9-01B2-C584-429D-9BB19F74D5CC}"/>
+                <a16:creationId xmlns:a16="http://schemas.microsoft.com/office/drawing/2014/main" id="{A7DD4317-D809-D561-29CC-6A45F117B365}"/>
+              </a:ext>
+            </a:extLst>
+          </p:cNvPr>
+          <p:cNvPicPr>
+            <a:picLocks noChangeAspect="1"/>
+          </p:cNvPicPr>
+          <p:nvPr/>
+        </p:nvPicPr>
+        <p:blipFill>
+          <a:blip r:embed="rId4">
+            <a:extLst>
+              <a:ext uri="{28A0092B-C50C-407E-A947-70E740481C1C}">
+                <a14:useLocalDpi xmlns:a14="http://schemas.microsoft.com/office/drawing/2010/main" val="0"/>
+              </a:ext>
+            </a:extLst>
+          </a:blip>
+          <a:stretch>
+            <a:fillRect/>
+          </a:stretch>
+        </p:blipFill>
+        <p:spPr>
+          <a:xfrm>
+            <a:off x="1295400" y="870206"/>
+            <a:ext cx="6314873" cy="2895600"/>
+          </a:xfrm>
+          <a:prstGeom prst="rect">
+            <a:avLst/>
+          </a:prstGeom>
+        </p:spPr>
+      </p:pic>
+      <p:pic>
+        <p:nvPicPr>
+          <p:cNvPr id="7" name="图片 6">
+            <a:extLst>
+              <a:ext uri="{FF2B5EF4-FFF2-40B4-BE49-F238E27FC236}">
+                <a16:creationId xmlns:a16="http://schemas.microsoft.com/office/drawing/2014/main" id="{3D6CF92E-863B-5502-85C9-F4F81462D81A}"/>
               </a:ext>
             </a:extLst>
           </p:cNvPr>
@@ -17546,8 +15470,8 @@
         </p:blipFill>
         <p:spPr>
           <a:xfrm>
-            <a:off x="76200" y="834935"/>
-            <a:ext cx="8780585" cy="3733800"/>
+            <a:off x="1934207" y="3943350"/>
+            <a:ext cx="5037257" cy="998307"/>
           </a:xfrm>
           <a:prstGeom prst="rect">
             <a:avLst/>
@@ -17592,30 +15516,186 @@
           <a:chExt cx="0" cy="0"/>
         </a:xfrm>
       </p:grpSpPr>
-      <p:pic>
-        <p:nvPicPr>
-          <p:cNvPr id="5" name="图片 4">
+      <p:sp>
+        <p:nvSpPr>
+          <p:cNvPr id="17" name="文本框 46">
             <a:extLst>
               <a:ext uri="{FF2B5EF4-FFF2-40B4-BE49-F238E27FC236}">
-                <a16:creationId xmlns:a16="http://schemas.microsoft.com/office/drawing/2014/main" id="{B9C014AF-4071-D111-5546-2D25ECB8DB07}"/>
+                <a16:creationId xmlns:a16="http://schemas.microsoft.com/office/drawing/2014/main" id="{13CB2652-C5EB-4CBF-945F-6B39B99672A5}"/>
               </a:ext>
             </a:extLst>
           </p:cNvPr>
+          <p:cNvSpPr txBox="1"/>
+          <p:nvPr/>
+        </p:nvSpPr>
+        <p:spPr>
+          <a:xfrm>
+            <a:off x="362148" y="160202"/>
+            <a:ext cx="3075778" cy="400110"/>
+          </a:xfrm>
+          <a:prstGeom prst="rect">
+            <a:avLst/>
+          </a:prstGeom>
+          <a:noFill/>
+        </p:spPr>
+        <p:txBody>
+          <a:bodyPr wrap="none" rtlCol="0">
+            <a:spAutoFit/>
+          </a:bodyPr>
+          <a:lstStyle>
+            <a:defPPr>
+              <a:defRPr lang="zh-CN"/>
+            </a:defPPr>
+            <a:lvl1pPr marL="0" algn="l" defTabSz="914400" rtl="0" eaLnBrk="1" latinLnBrk="0" hangingPunct="1">
+              <a:defRPr sz="1800" kern="1200">
+                <a:solidFill>
+                  <a:schemeClr val="tx1"/>
+                </a:solidFill>
+                <a:latin typeface="+mn-lt"/>
+                <a:ea typeface="+mn-ea"/>
+                <a:cs typeface="+mn-cs"/>
+              </a:defRPr>
+            </a:lvl1pPr>
+            <a:lvl2pPr marL="457200" algn="l" defTabSz="914400" rtl="0" eaLnBrk="1" latinLnBrk="0" hangingPunct="1">
+              <a:defRPr sz="1800" kern="1200">
+                <a:solidFill>
+                  <a:schemeClr val="tx1"/>
+                </a:solidFill>
+                <a:latin typeface="+mn-lt"/>
+                <a:ea typeface="+mn-ea"/>
+                <a:cs typeface="+mn-cs"/>
+              </a:defRPr>
+            </a:lvl2pPr>
+            <a:lvl3pPr marL="914400" algn="l" defTabSz="914400" rtl="0" eaLnBrk="1" latinLnBrk="0" hangingPunct="1">
+              <a:defRPr sz="1800" kern="1200">
+                <a:solidFill>
+                  <a:schemeClr val="tx1"/>
+                </a:solidFill>
+                <a:latin typeface="+mn-lt"/>
+                <a:ea typeface="+mn-ea"/>
+                <a:cs typeface="+mn-cs"/>
+              </a:defRPr>
+            </a:lvl3pPr>
+            <a:lvl4pPr marL="1371600" algn="l" defTabSz="914400" rtl="0" eaLnBrk="1" latinLnBrk="0" hangingPunct="1">
+              <a:defRPr sz="1800" kern="1200">
+                <a:solidFill>
+                  <a:schemeClr val="tx1"/>
+                </a:solidFill>
+                <a:latin typeface="+mn-lt"/>
+                <a:ea typeface="+mn-ea"/>
+                <a:cs typeface="+mn-cs"/>
+              </a:defRPr>
+            </a:lvl4pPr>
+            <a:lvl5pPr marL="1828800" algn="l" defTabSz="914400" rtl="0" eaLnBrk="1" latinLnBrk="0" hangingPunct="1">
+              <a:defRPr sz="1800" kern="1200">
+                <a:solidFill>
+                  <a:schemeClr val="tx1"/>
+                </a:solidFill>
+                <a:latin typeface="+mn-lt"/>
+                <a:ea typeface="+mn-ea"/>
+                <a:cs typeface="+mn-cs"/>
+              </a:defRPr>
+            </a:lvl5pPr>
+            <a:lvl6pPr marL="2286000" algn="l" defTabSz="914400" rtl="0" eaLnBrk="1" latinLnBrk="0" hangingPunct="1">
+              <a:defRPr sz="1800" kern="1200">
+                <a:solidFill>
+                  <a:schemeClr val="tx1"/>
+                </a:solidFill>
+                <a:latin typeface="+mn-lt"/>
+                <a:ea typeface="+mn-ea"/>
+                <a:cs typeface="+mn-cs"/>
+              </a:defRPr>
+            </a:lvl6pPr>
+            <a:lvl7pPr marL="2743200" algn="l" defTabSz="914400" rtl="0" eaLnBrk="1" latinLnBrk="0" hangingPunct="1">
+              <a:defRPr sz="1800" kern="1200">
+                <a:solidFill>
+                  <a:schemeClr val="tx1"/>
+                </a:solidFill>
+                <a:latin typeface="+mn-lt"/>
+                <a:ea typeface="+mn-ea"/>
+                <a:cs typeface="+mn-cs"/>
+              </a:defRPr>
+            </a:lvl7pPr>
+            <a:lvl8pPr marL="3200400" algn="l" defTabSz="914400" rtl="0" eaLnBrk="1" latinLnBrk="0" hangingPunct="1">
+              <a:defRPr sz="1800" kern="1200">
+                <a:solidFill>
+                  <a:schemeClr val="tx1"/>
+                </a:solidFill>
+                <a:latin typeface="+mn-lt"/>
+                <a:ea typeface="+mn-ea"/>
+                <a:cs typeface="+mn-cs"/>
+              </a:defRPr>
+            </a:lvl8pPr>
+            <a:lvl9pPr marL="3657600" algn="l" defTabSz="914400" rtl="0" eaLnBrk="1" latinLnBrk="0" hangingPunct="1">
+              <a:defRPr sz="1800" kern="1200">
+                <a:solidFill>
+                  <a:schemeClr val="tx1"/>
+                </a:solidFill>
+                <a:latin typeface="+mn-lt"/>
+                <a:ea typeface="+mn-ea"/>
+                <a:cs typeface="+mn-cs"/>
+              </a:defRPr>
+            </a:lvl9pPr>
+          </a:lstStyle>
+          <a:p>
+            <a:pPr lvl="0"/>
+            <a:r>
+              <a:rPr lang="en-US" altLang="zh-CN" sz="2000" b="1" dirty="0">
+                <a:solidFill>
+                  <a:srgbClr val="4472C4"/>
+                </a:solidFill>
+                <a:latin typeface="微软雅黑" panose="020B0503020204020204" pitchFamily="34" charset="-122"/>
+                <a:ea typeface="微软雅黑" panose="020B0503020204020204" pitchFamily="34" charset="-122"/>
+              </a:rPr>
+              <a:t>Framework of</a:t>
+            </a:r>
+            <a:r>
+              <a:rPr lang="zh-CN" altLang="en-US" sz="2000" b="1" dirty="0">
+                <a:solidFill>
+                  <a:srgbClr val="4472C4"/>
+                </a:solidFill>
+                <a:latin typeface="微软雅黑" panose="020B0503020204020204" pitchFamily="34" charset="-122"/>
+                <a:ea typeface="微软雅黑" panose="020B0503020204020204" pitchFamily="34" charset="-122"/>
+              </a:rPr>
+              <a:t> </a:t>
+            </a:r>
+            <a:r>
+              <a:rPr lang="en-US" altLang="zh-CN" sz="2000" b="1" dirty="0">
+                <a:solidFill>
+                  <a:srgbClr val="4472C4"/>
+                </a:solidFill>
+                <a:latin typeface="微软雅黑" panose="020B0503020204020204" pitchFamily="34" charset="-122"/>
+                <a:ea typeface="微软雅黑" panose="020B0503020204020204" pitchFamily="34" charset="-122"/>
+              </a:rPr>
+              <a:t>Method</a:t>
+            </a:r>
+          </a:p>
+        </p:txBody>
+      </p:sp>
+      <p:pic>
+        <p:nvPicPr>
+          <p:cNvPr id="16" name="图片 15"/>
           <p:cNvPicPr>
             <a:picLocks noChangeAspect="1"/>
           </p:cNvPicPr>
           <p:nvPr/>
         </p:nvPicPr>
         <p:blipFill>
-          <a:blip r:embed="rId3"/>
+          <a:blip r:embed="rId3" cstate="print">
+            <a:extLst>
+              <a:ext uri="{28A0092B-C50C-407E-A947-70E740481C1C}">
+                <a14:useLocalDpi xmlns:a14="http://schemas.microsoft.com/office/drawing/2010/main" val="0"/>
+              </a:ext>
+            </a:extLst>
+          </a:blip>
           <a:stretch>
             <a:fillRect/>
           </a:stretch>
         </p:blipFill>
         <p:spPr>
           <a:xfrm>
-            <a:off x="4535010" y="667060"/>
-            <a:ext cx="4198028" cy="503134"/>
+            <a:off x="8305800" y="26882"/>
+            <a:ext cx="838200" cy="838200"/>
           </a:xfrm>
           <a:prstGeom prst="rect">
             <a:avLst/>
@@ -17624,10 +15704,10 @@
       </p:pic>
       <p:pic>
         <p:nvPicPr>
-          <p:cNvPr id="3" name="图片 2">
+          <p:cNvPr id="4" name="图片 3">
             <a:extLst>
               <a:ext uri="{FF2B5EF4-FFF2-40B4-BE49-F238E27FC236}">
-                <a16:creationId xmlns:a16="http://schemas.microsoft.com/office/drawing/2014/main" id="{1D9A7CE0-A49B-4F5E-203D-6F6857F01AB0}"/>
+                <a16:creationId xmlns:a16="http://schemas.microsoft.com/office/drawing/2014/main" id="{6FD0F1D6-EA7F-C466-5E79-E9CD54E241F2}"/>
               </a:ext>
             </a:extLst>
           </p:cNvPr>
@@ -17644,194 +15724,38 @@
         </p:blipFill>
         <p:spPr>
           <a:xfrm>
-            <a:off x="228600" y="665027"/>
-            <a:ext cx="4014662" cy="400110"/>
+            <a:off x="2652444" y="742950"/>
+            <a:ext cx="3839111" cy="2819794"/>
           </a:xfrm>
           <a:prstGeom prst="rect">
             <a:avLst/>
           </a:prstGeom>
         </p:spPr>
       </p:pic>
-      <p:sp>
-        <p:nvSpPr>
-          <p:cNvPr id="17" name="文本框 46">
+      <p:pic>
+        <p:nvPicPr>
+          <p:cNvPr id="7" name="图片 6">
             <a:extLst>
               <a:ext uri="{FF2B5EF4-FFF2-40B4-BE49-F238E27FC236}">
-                <a16:creationId xmlns:a16="http://schemas.microsoft.com/office/drawing/2014/main" id="{13CB2652-C5EB-4CBF-945F-6B39B99672A5}"/>
+                <a16:creationId xmlns:a16="http://schemas.microsoft.com/office/drawing/2014/main" id="{626490B5-7397-0BF9-AA8B-E41CDE30CCF0}"/>
               </a:ext>
             </a:extLst>
           </p:cNvPr>
-          <p:cNvSpPr txBox="1"/>
-          <p:nvPr/>
-        </p:nvSpPr>
-        <p:spPr>
-          <a:xfrm>
-            <a:off x="362148" y="160202"/>
-            <a:ext cx="3075778" cy="400110"/>
-          </a:xfrm>
-          <a:prstGeom prst="rect">
-            <a:avLst/>
-          </a:prstGeom>
-          <a:noFill/>
-        </p:spPr>
-        <p:txBody>
-          <a:bodyPr wrap="none" rtlCol="0">
-            <a:spAutoFit/>
-          </a:bodyPr>
-          <a:lstStyle>
-            <a:defPPr>
-              <a:defRPr lang="zh-CN"/>
-            </a:defPPr>
-            <a:lvl1pPr marL="0" algn="l" defTabSz="914400" rtl="0" eaLnBrk="1" latinLnBrk="0" hangingPunct="1">
-              <a:defRPr sz="1800" kern="1200">
-                <a:solidFill>
-                  <a:schemeClr val="tx1"/>
-                </a:solidFill>
-                <a:latin typeface="+mn-lt"/>
-                <a:ea typeface="+mn-ea"/>
-                <a:cs typeface="+mn-cs"/>
-              </a:defRPr>
-            </a:lvl1pPr>
-            <a:lvl2pPr marL="457200" algn="l" defTabSz="914400" rtl="0" eaLnBrk="1" latinLnBrk="0" hangingPunct="1">
-              <a:defRPr sz="1800" kern="1200">
-                <a:solidFill>
-                  <a:schemeClr val="tx1"/>
-                </a:solidFill>
-                <a:latin typeface="+mn-lt"/>
-                <a:ea typeface="+mn-ea"/>
-                <a:cs typeface="+mn-cs"/>
-              </a:defRPr>
-            </a:lvl2pPr>
-            <a:lvl3pPr marL="914400" algn="l" defTabSz="914400" rtl="0" eaLnBrk="1" latinLnBrk="0" hangingPunct="1">
-              <a:defRPr sz="1800" kern="1200">
-                <a:solidFill>
-                  <a:schemeClr val="tx1"/>
-                </a:solidFill>
-                <a:latin typeface="+mn-lt"/>
-                <a:ea typeface="+mn-ea"/>
-                <a:cs typeface="+mn-cs"/>
-              </a:defRPr>
-            </a:lvl3pPr>
-            <a:lvl4pPr marL="1371600" algn="l" defTabSz="914400" rtl="0" eaLnBrk="1" latinLnBrk="0" hangingPunct="1">
-              <a:defRPr sz="1800" kern="1200">
-                <a:solidFill>
-                  <a:schemeClr val="tx1"/>
-                </a:solidFill>
-                <a:latin typeface="+mn-lt"/>
-                <a:ea typeface="+mn-ea"/>
-                <a:cs typeface="+mn-cs"/>
-              </a:defRPr>
-            </a:lvl4pPr>
-            <a:lvl5pPr marL="1828800" algn="l" defTabSz="914400" rtl="0" eaLnBrk="1" latinLnBrk="0" hangingPunct="1">
-              <a:defRPr sz="1800" kern="1200">
-                <a:solidFill>
-                  <a:schemeClr val="tx1"/>
-                </a:solidFill>
-                <a:latin typeface="+mn-lt"/>
-                <a:ea typeface="+mn-ea"/>
-                <a:cs typeface="+mn-cs"/>
-              </a:defRPr>
-            </a:lvl5pPr>
-            <a:lvl6pPr marL="2286000" algn="l" defTabSz="914400" rtl="0" eaLnBrk="1" latinLnBrk="0" hangingPunct="1">
-              <a:defRPr sz="1800" kern="1200">
-                <a:solidFill>
-                  <a:schemeClr val="tx1"/>
-                </a:solidFill>
-                <a:latin typeface="+mn-lt"/>
-                <a:ea typeface="+mn-ea"/>
-                <a:cs typeface="+mn-cs"/>
-              </a:defRPr>
-            </a:lvl6pPr>
-            <a:lvl7pPr marL="2743200" algn="l" defTabSz="914400" rtl="0" eaLnBrk="1" latinLnBrk="0" hangingPunct="1">
-              <a:defRPr sz="1800" kern="1200">
-                <a:solidFill>
-                  <a:schemeClr val="tx1"/>
-                </a:solidFill>
-                <a:latin typeface="+mn-lt"/>
-                <a:ea typeface="+mn-ea"/>
-                <a:cs typeface="+mn-cs"/>
-              </a:defRPr>
-            </a:lvl7pPr>
-            <a:lvl8pPr marL="3200400" algn="l" defTabSz="914400" rtl="0" eaLnBrk="1" latinLnBrk="0" hangingPunct="1">
-              <a:defRPr sz="1800" kern="1200">
-                <a:solidFill>
-                  <a:schemeClr val="tx1"/>
-                </a:solidFill>
-                <a:latin typeface="+mn-lt"/>
-                <a:ea typeface="+mn-ea"/>
-                <a:cs typeface="+mn-cs"/>
-              </a:defRPr>
-            </a:lvl8pPr>
-            <a:lvl9pPr marL="3657600" algn="l" defTabSz="914400" rtl="0" eaLnBrk="1" latinLnBrk="0" hangingPunct="1">
-              <a:defRPr sz="1800" kern="1200">
-                <a:solidFill>
-                  <a:schemeClr val="tx1"/>
-                </a:solidFill>
-                <a:latin typeface="+mn-lt"/>
-                <a:ea typeface="+mn-ea"/>
-                <a:cs typeface="+mn-cs"/>
-              </a:defRPr>
-            </a:lvl9pPr>
-          </a:lstStyle>
-          <a:p>
-            <a:pPr lvl="0"/>
-            <a:r>
-              <a:rPr lang="en-US" altLang="zh-CN" sz="2000" b="1" dirty="0">
-                <a:solidFill>
-                  <a:srgbClr val="4472C4"/>
-                </a:solidFill>
-                <a:latin typeface="微软雅黑" panose="020B0503020204020204" pitchFamily="34" charset="-122"/>
-                <a:ea typeface="微软雅黑" panose="020B0503020204020204" pitchFamily="34" charset="-122"/>
-              </a:rPr>
-              <a:t>Framework of</a:t>
-            </a:r>
-            <a:r>
-              <a:rPr lang="zh-CN" altLang="en-US" sz="2000" b="1" dirty="0">
-                <a:solidFill>
-                  <a:srgbClr val="4472C4"/>
-                </a:solidFill>
-                <a:latin typeface="微软雅黑" panose="020B0503020204020204" pitchFamily="34" charset="-122"/>
-                <a:ea typeface="微软雅黑" panose="020B0503020204020204" pitchFamily="34" charset="-122"/>
-              </a:rPr>
-              <a:t> </a:t>
-            </a:r>
-            <a:r>
-              <a:rPr lang="en-US" altLang="zh-CN" sz="2000" b="1" dirty="0">
-                <a:solidFill>
-                  <a:srgbClr val="4472C4"/>
-                </a:solidFill>
-                <a:latin typeface="微软雅黑" panose="020B0503020204020204" pitchFamily="34" charset="-122"/>
-                <a:ea typeface="微软雅黑" panose="020B0503020204020204" pitchFamily="34" charset="-122"/>
-              </a:rPr>
-              <a:t>Method</a:t>
-            </a:r>
-          </a:p>
-        </p:txBody>
-      </p:sp>
-      <p:pic>
-        <p:nvPicPr>
-          <p:cNvPr id="16" name="图片 15"/>
           <p:cNvPicPr>
             <a:picLocks noChangeAspect="1"/>
           </p:cNvPicPr>
           <p:nvPr/>
         </p:nvPicPr>
         <p:blipFill>
-          <a:blip r:embed="rId5" cstate="print">
-            <a:extLst>
-              <a:ext uri="{28A0092B-C50C-407E-A947-70E740481C1C}">
-                <a14:useLocalDpi xmlns:a14="http://schemas.microsoft.com/office/drawing/2010/main" val="0"/>
-              </a:ext>
-            </a:extLst>
-          </a:blip>
+          <a:blip r:embed="rId5"/>
           <a:stretch>
             <a:fillRect/>
           </a:stretch>
         </p:blipFill>
         <p:spPr>
           <a:xfrm>
-            <a:off x="8305800" y="26882"/>
-            <a:ext cx="838200" cy="838200"/>
+            <a:off x="152400" y="3955463"/>
+            <a:ext cx="4343400" cy="665349"/>
           </a:xfrm>
           <a:prstGeom prst="rect">
             <a:avLst/>
@@ -17840,10 +15764,10 @@
       </p:pic>
       <p:pic>
         <p:nvPicPr>
-          <p:cNvPr id="10" name="图片 9">
+          <p:cNvPr id="9" name="图片 8">
             <a:extLst>
               <a:ext uri="{FF2B5EF4-FFF2-40B4-BE49-F238E27FC236}">
-                <a16:creationId xmlns:a16="http://schemas.microsoft.com/office/drawing/2014/main" id="{23F957D5-8EAC-18A8-EC86-B7FCF88EE5E2}"/>
+                <a16:creationId xmlns:a16="http://schemas.microsoft.com/office/drawing/2014/main" id="{86FE1D64-1E8A-727D-F1D6-2C7955095956}"/>
               </a:ext>
             </a:extLst>
           </p:cNvPr>
@@ -17860,8 +15784,8 @@
         </p:blipFill>
         <p:spPr>
           <a:xfrm>
-            <a:off x="359794" y="1044814"/>
-            <a:ext cx="8258603" cy="3938484"/>
+            <a:off x="4764339" y="3943350"/>
+            <a:ext cx="4343400" cy="648690"/>
           </a:xfrm>
           <a:prstGeom prst="rect">
             <a:avLst/>
@@ -18094,10 +16018,10 @@
       </p:pic>
       <p:pic>
         <p:nvPicPr>
-          <p:cNvPr id="6" name="图片 5">
+          <p:cNvPr id="3" name="图片 2">
             <a:extLst>
               <a:ext uri="{FF2B5EF4-FFF2-40B4-BE49-F238E27FC236}">
-                <a16:creationId xmlns:a16="http://schemas.microsoft.com/office/drawing/2014/main" id="{49CA49F9-01B2-C584-429D-9BB19F74D5CC}"/>
+                <a16:creationId xmlns:a16="http://schemas.microsoft.com/office/drawing/2014/main" id="{1456D5AA-99BE-B056-63BD-41A150F4D852}"/>
               </a:ext>
             </a:extLst>
           </p:cNvPr>
@@ -18107,45 +16031,21 @@
           <p:nvPr/>
         </p:nvPicPr>
         <p:blipFill>
-          <a:blip r:embed="rId4"/>
+          <a:blip r:embed="rId4">
+            <a:extLst>
+              <a:ext uri="{28A0092B-C50C-407E-A947-70E740481C1C}">
+                <a14:useLocalDpi xmlns:a14="http://schemas.microsoft.com/office/drawing/2010/main" val="0"/>
+              </a:ext>
+            </a:extLst>
+          </a:blip>
           <a:stretch>
             <a:fillRect/>
           </a:stretch>
         </p:blipFill>
         <p:spPr>
           <a:xfrm>
-            <a:off x="76200" y="1249498"/>
-            <a:ext cx="8780585" cy="3733800"/>
-          </a:xfrm>
-          <a:prstGeom prst="rect">
-            <a:avLst/>
-          </a:prstGeom>
-        </p:spPr>
-      </p:pic>
-      <p:pic>
-        <p:nvPicPr>
-          <p:cNvPr id="4" name="图片 3">
-            <a:extLst>
-              <a:ext uri="{FF2B5EF4-FFF2-40B4-BE49-F238E27FC236}">
-                <a16:creationId xmlns:a16="http://schemas.microsoft.com/office/drawing/2014/main" id="{7B3A92A5-7442-3B9B-8BAC-5D172493ED1A}"/>
-              </a:ext>
-            </a:extLst>
-          </p:cNvPr>
-          <p:cNvPicPr>
-            <a:picLocks noChangeAspect="1"/>
-          </p:cNvPicPr>
-          <p:nvPr/>
-        </p:nvPicPr>
-        <p:blipFill>
-          <a:blip r:embed="rId5"/>
-          <a:stretch>
-            <a:fillRect/>
-          </a:stretch>
-        </p:blipFill>
-        <p:spPr>
-          <a:xfrm>
-            <a:off x="3048000" y="849581"/>
-            <a:ext cx="4191000" cy="433552"/>
+            <a:off x="1066800" y="865082"/>
+            <a:ext cx="6591300" cy="3657368"/>
           </a:xfrm>
           <a:prstGeom prst="rect">
             <a:avLst/>
@@ -18192,192 +16092,6 @@
       </p:grpSpPr>
       <p:pic>
         <p:nvPicPr>
-          <p:cNvPr id="4" name="图片 3">
-            <a:extLst>
-              <a:ext uri="{FF2B5EF4-FFF2-40B4-BE49-F238E27FC236}">
-                <a16:creationId xmlns:a16="http://schemas.microsoft.com/office/drawing/2014/main" id="{A743C935-A7C9-8FD9-B964-25B55CA67FDE}"/>
-              </a:ext>
-            </a:extLst>
-          </p:cNvPr>
-          <p:cNvPicPr>
-            <a:picLocks noChangeAspect="1"/>
-          </p:cNvPicPr>
-          <p:nvPr/>
-        </p:nvPicPr>
-        <p:blipFill>
-          <a:blip r:embed="rId3"/>
-          <a:stretch>
-            <a:fillRect/>
-          </a:stretch>
-        </p:blipFill>
-        <p:spPr>
-          <a:xfrm>
-            <a:off x="304800" y="4549414"/>
-            <a:ext cx="5029200" cy="420474"/>
-          </a:xfrm>
-          <a:prstGeom prst="rect">
-            <a:avLst/>
-          </a:prstGeom>
-        </p:spPr>
-      </p:pic>
-      <p:sp>
-        <p:nvSpPr>
-          <p:cNvPr id="17" name="文本框 46">
-            <a:extLst>
-              <a:ext uri="{FF2B5EF4-FFF2-40B4-BE49-F238E27FC236}">
-                <a16:creationId xmlns:a16="http://schemas.microsoft.com/office/drawing/2014/main" id="{13CB2652-C5EB-4CBF-945F-6B39B99672A5}"/>
-              </a:ext>
-            </a:extLst>
-          </p:cNvPr>
-          <p:cNvSpPr txBox="1"/>
-          <p:nvPr/>
-        </p:nvSpPr>
-        <p:spPr>
-          <a:xfrm>
-            <a:off x="362148" y="160202"/>
-            <a:ext cx="3075778" cy="400110"/>
-          </a:xfrm>
-          <a:prstGeom prst="rect">
-            <a:avLst/>
-          </a:prstGeom>
-          <a:noFill/>
-        </p:spPr>
-        <p:txBody>
-          <a:bodyPr wrap="none" rtlCol="0">
-            <a:spAutoFit/>
-          </a:bodyPr>
-          <a:lstStyle>
-            <a:defPPr>
-              <a:defRPr lang="zh-CN"/>
-            </a:defPPr>
-            <a:lvl1pPr marL="0" algn="l" defTabSz="914400" rtl="0" eaLnBrk="1" latinLnBrk="0" hangingPunct="1">
-              <a:defRPr sz="1800" kern="1200">
-                <a:solidFill>
-                  <a:schemeClr val="tx1"/>
-                </a:solidFill>
-                <a:latin typeface="+mn-lt"/>
-                <a:ea typeface="+mn-ea"/>
-                <a:cs typeface="+mn-cs"/>
-              </a:defRPr>
-            </a:lvl1pPr>
-            <a:lvl2pPr marL="457200" algn="l" defTabSz="914400" rtl="0" eaLnBrk="1" latinLnBrk="0" hangingPunct="1">
-              <a:defRPr sz="1800" kern="1200">
-                <a:solidFill>
-                  <a:schemeClr val="tx1"/>
-                </a:solidFill>
-                <a:latin typeface="+mn-lt"/>
-                <a:ea typeface="+mn-ea"/>
-                <a:cs typeface="+mn-cs"/>
-              </a:defRPr>
-            </a:lvl2pPr>
-            <a:lvl3pPr marL="914400" algn="l" defTabSz="914400" rtl="0" eaLnBrk="1" latinLnBrk="0" hangingPunct="1">
-              <a:defRPr sz="1800" kern="1200">
-                <a:solidFill>
-                  <a:schemeClr val="tx1"/>
-                </a:solidFill>
-                <a:latin typeface="+mn-lt"/>
-                <a:ea typeface="+mn-ea"/>
-                <a:cs typeface="+mn-cs"/>
-              </a:defRPr>
-            </a:lvl3pPr>
-            <a:lvl4pPr marL="1371600" algn="l" defTabSz="914400" rtl="0" eaLnBrk="1" latinLnBrk="0" hangingPunct="1">
-              <a:defRPr sz="1800" kern="1200">
-                <a:solidFill>
-                  <a:schemeClr val="tx1"/>
-                </a:solidFill>
-                <a:latin typeface="+mn-lt"/>
-                <a:ea typeface="+mn-ea"/>
-                <a:cs typeface="+mn-cs"/>
-              </a:defRPr>
-            </a:lvl4pPr>
-            <a:lvl5pPr marL="1828800" algn="l" defTabSz="914400" rtl="0" eaLnBrk="1" latinLnBrk="0" hangingPunct="1">
-              <a:defRPr sz="1800" kern="1200">
-                <a:solidFill>
-                  <a:schemeClr val="tx1"/>
-                </a:solidFill>
-                <a:latin typeface="+mn-lt"/>
-                <a:ea typeface="+mn-ea"/>
-                <a:cs typeface="+mn-cs"/>
-              </a:defRPr>
-            </a:lvl5pPr>
-            <a:lvl6pPr marL="2286000" algn="l" defTabSz="914400" rtl="0" eaLnBrk="1" latinLnBrk="0" hangingPunct="1">
-              <a:defRPr sz="1800" kern="1200">
-                <a:solidFill>
-                  <a:schemeClr val="tx1"/>
-                </a:solidFill>
-                <a:latin typeface="+mn-lt"/>
-                <a:ea typeface="+mn-ea"/>
-                <a:cs typeface="+mn-cs"/>
-              </a:defRPr>
-            </a:lvl6pPr>
-            <a:lvl7pPr marL="2743200" algn="l" defTabSz="914400" rtl="0" eaLnBrk="1" latinLnBrk="0" hangingPunct="1">
-              <a:defRPr sz="1800" kern="1200">
-                <a:solidFill>
-                  <a:schemeClr val="tx1"/>
-                </a:solidFill>
-                <a:latin typeface="+mn-lt"/>
-                <a:ea typeface="+mn-ea"/>
-                <a:cs typeface="+mn-cs"/>
-              </a:defRPr>
-            </a:lvl7pPr>
-            <a:lvl8pPr marL="3200400" algn="l" defTabSz="914400" rtl="0" eaLnBrk="1" latinLnBrk="0" hangingPunct="1">
-              <a:defRPr sz="1800" kern="1200">
-                <a:solidFill>
-                  <a:schemeClr val="tx1"/>
-                </a:solidFill>
-                <a:latin typeface="+mn-lt"/>
-                <a:ea typeface="+mn-ea"/>
-                <a:cs typeface="+mn-cs"/>
-              </a:defRPr>
-            </a:lvl8pPr>
-            <a:lvl9pPr marL="3657600" algn="l" defTabSz="914400" rtl="0" eaLnBrk="1" latinLnBrk="0" hangingPunct="1">
-              <a:defRPr sz="1800" kern="1200">
-                <a:solidFill>
-                  <a:schemeClr val="tx1"/>
-                </a:solidFill>
-                <a:latin typeface="+mn-lt"/>
-                <a:ea typeface="+mn-ea"/>
-                <a:cs typeface="+mn-cs"/>
-              </a:defRPr>
-            </a:lvl9pPr>
-          </a:lstStyle>
-          <a:p>
-            <a:pPr lvl="0"/>
-            <a:r>
-              <a:rPr lang="en-US" altLang="zh-CN" sz="2000" b="1" dirty="0">
-                <a:solidFill>
-                  <a:srgbClr val="4472C4"/>
-                </a:solidFill>
-                <a:latin typeface="微软雅黑" panose="020B0503020204020204" pitchFamily="34" charset="-122"/>
-                <a:ea typeface="微软雅黑" panose="020B0503020204020204" pitchFamily="34" charset="-122"/>
-              </a:rPr>
-              <a:t>Framework of</a:t>
-            </a:r>
-            <a:r>
-              <a:rPr lang="zh-CN" altLang="en-US" sz="2000" b="1" dirty="0">
-                <a:solidFill>
-                  <a:srgbClr val="4472C4"/>
-                </a:solidFill>
-                <a:latin typeface="微软雅黑" panose="020B0503020204020204" pitchFamily="34" charset="-122"/>
-                <a:ea typeface="微软雅黑" panose="020B0503020204020204" pitchFamily="34" charset="-122"/>
-              </a:rPr>
-              <a:t> </a:t>
-            </a:r>
-            <a:r>
-              <a:rPr lang="en-US" altLang="zh-CN" sz="2000" b="1" dirty="0">
-                <a:solidFill>
-                  <a:srgbClr val="4472C4"/>
-                </a:solidFill>
-                <a:latin typeface="微软雅黑" panose="020B0503020204020204" pitchFamily="34" charset="-122"/>
-                <a:ea typeface="微软雅黑" panose="020B0503020204020204" pitchFamily="34" charset="-122"/>
-              </a:rPr>
-              <a:t>Method</a:t>
-            </a:r>
-          </a:p>
-        </p:txBody>
-      </p:sp>
-      <p:pic>
-        <p:nvPicPr>
           <p:cNvPr id="16" name="图片 15"/>
           <p:cNvPicPr>
             <a:picLocks noChangeAspect="1"/>
@@ -18385,7 +16099,7 @@
           <p:nvPr/>
         </p:nvPicPr>
         <p:blipFill>
-          <a:blip r:embed="rId4" cstate="print">
+          <a:blip r:embed="rId3" cstate="print">
             <a:extLst>
               <a:ext uri="{28A0092B-C50C-407E-A947-70E740481C1C}">
                 <a14:useLocalDpi xmlns:a14="http://schemas.microsoft.com/office/drawing/2010/main" val="0"/>
@@ -18406,40 +16120,366 @@
           </a:prstGeom>
         </p:spPr>
       </p:pic>
-      <p:pic>
-        <p:nvPicPr>
-          <p:cNvPr id="10" name="图片 9">
+      <p:sp>
+        <p:nvSpPr>
+          <p:cNvPr id="17" name="文本框 46">
             <a:extLst>
               <a:ext uri="{FF2B5EF4-FFF2-40B4-BE49-F238E27FC236}">
-                <a16:creationId xmlns:a16="http://schemas.microsoft.com/office/drawing/2014/main" id="{23F957D5-8EAC-18A8-EC86-B7FCF88EE5E2}"/>
+                <a16:creationId xmlns:a16="http://schemas.microsoft.com/office/drawing/2014/main" id="{13CB2652-C5EB-4CBF-945F-6B39B99672A5}"/>
               </a:ext>
             </a:extLst>
           </p:cNvPr>
-          <p:cNvPicPr>
-            <a:picLocks noChangeAspect="1"/>
-          </p:cNvPicPr>
+          <p:cNvSpPr txBox="1"/>
           <p:nvPr/>
-        </p:nvPicPr>
-        <p:blipFill>
-          <a:blip r:embed="rId5"/>
-          <a:stretch>
-            <a:fillRect/>
-          </a:stretch>
-        </p:blipFill>
-        <p:spPr>
-          <a:xfrm>
-            <a:off x="362148" y="540522"/>
-            <a:ext cx="8258603" cy="3938484"/>
-          </a:xfrm>
-          <a:prstGeom prst="rect">
-            <a:avLst/>
-          </a:prstGeom>
-        </p:spPr>
-      </p:pic>
+        </p:nvSpPr>
+        <p:spPr>
+          <a:xfrm>
+            <a:off x="362148" y="160202"/>
+            <a:ext cx="1297150" cy="400110"/>
+          </a:xfrm>
+          <a:prstGeom prst="rect">
+            <a:avLst/>
+          </a:prstGeom>
+          <a:noFill/>
+        </p:spPr>
+        <p:txBody>
+          <a:bodyPr wrap="none" rtlCol="0">
+            <a:spAutoFit/>
+          </a:bodyPr>
+          <a:lstStyle>
+            <a:defPPr>
+              <a:defRPr lang="zh-CN"/>
+            </a:defPPr>
+            <a:lvl1pPr marL="0" algn="l" defTabSz="914400" rtl="0" eaLnBrk="1" latinLnBrk="0" hangingPunct="1">
+              <a:defRPr sz="1800" kern="1200">
+                <a:solidFill>
+                  <a:schemeClr val="tx1"/>
+                </a:solidFill>
+                <a:latin typeface="+mn-lt"/>
+                <a:ea typeface="+mn-ea"/>
+                <a:cs typeface="+mn-cs"/>
+              </a:defRPr>
+            </a:lvl1pPr>
+            <a:lvl2pPr marL="457200" algn="l" defTabSz="914400" rtl="0" eaLnBrk="1" latinLnBrk="0" hangingPunct="1">
+              <a:defRPr sz="1800" kern="1200">
+                <a:solidFill>
+                  <a:schemeClr val="tx1"/>
+                </a:solidFill>
+                <a:latin typeface="+mn-lt"/>
+                <a:ea typeface="+mn-ea"/>
+                <a:cs typeface="+mn-cs"/>
+              </a:defRPr>
+            </a:lvl2pPr>
+            <a:lvl3pPr marL="914400" algn="l" defTabSz="914400" rtl="0" eaLnBrk="1" latinLnBrk="0" hangingPunct="1">
+              <a:defRPr sz="1800" kern="1200">
+                <a:solidFill>
+                  <a:schemeClr val="tx1"/>
+                </a:solidFill>
+                <a:latin typeface="+mn-lt"/>
+                <a:ea typeface="+mn-ea"/>
+                <a:cs typeface="+mn-cs"/>
+              </a:defRPr>
+            </a:lvl3pPr>
+            <a:lvl4pPr marL="1371600" algn="l" defTabSz="914400" rtl="0" eaLnBrk="1" latinLnBrk="0" hangingPunct="1">
+              <a:defRPr sz="1800" kern="1200">
+                <a:solidFill>
+                  <a:schemeClr val="tx1"/>
+                </a:solidFill>
+                <a:latin typeface="+mn-lt"/>
+                <a:ea typeface="+mn-ea"/>
+                <a:cs typeface="+mn-cs"/>
+              </a:defRPr>
+            </a:lvl4pPr>
+            <a:lvl5pPr marL="1828800" algn="l" defTabSz="914400" rtl="0" eaLnBrk="1" latinLnBrk="0" hangingPunct="1">
+              <a:defRPr sz="1800" kern="1200">
+                <a:solidFill>
+                  <a:schemeClr val="tx1"/>
+                </a:solidFill>
+                <a:latin typeface="+mn-lt"/>
+                <a:ea typeface="+mn-ea"/>
+                <a:cs typeface="+mn-cs"/>
+              </a:defRPr>
+            </a:lvl5pPr>
+            <a:lvl6pPr marL="2286000" algn="l" defTabSz="914400" rtl="0" eaLnBrk="1" latinLnBrk="0" hangingPunct="1">
+              <a:defRPr sz="1800" kern="1200">
+                <a:solidFill>
+                  <a:schemeClr val="tx1"/>
+                </a:solidFill>
+                <a:latin typeface="+mn-lt"/>
+                <a:ea typeface="+mn-ea"/>
+                <a:cs typeface="+mn-cs"/>
+              </a:defRPr>
+            </a:lvl6pPr>
+            <a:lvl7pPr marL="2743200" algn="l" defTabSz="914400" rtl="0" eaLnBrk="1" latinLnBrk="0" hangingPunct="1">
+              <a:defRPr sz="1800" kern="1200">
+                <a:solidFill>
+                  <a:schemeClr val="tx1"/>
+                </a:solidFill>
+                <a:latin typeface="+mn-lt"/>
+                <a:ea typeface="+mn-ea"/>
+                <a:cs typeface="+mn-cs"/>
+              </a:defRPr>
+            </a:lvl7pPr>
+            <a:lvl8pPr marL="3200400" algn="l" defTabSz="914400" rtl="0" eaLnBrk="1" latinLnBrk="0" hangingPunct="1">
+              <a:defRPr sz="1800" kern="1200">
+                <a:solidFill>
+                  <a:schemeClr val="tx1"/>
+                </a:solidFill>
+                <a:latin typeface="+mn-lt"/>
+                <a:ea typeface="+mn-ea"/>
+                <a:cs typeface="+mn-cs"/>
+              </a:defRPr>
+            </a:lvl8pPr>
+            <a:lvl9pPr marL="3657600" algn="l" defTabSz="914400" rtl="0" eaLnBrk="1" latinLnBrk="0" hangingPunct="1">
+              <a:defRPr sz="1800" kern="1200">
+                <a:solidFill>
+                  <a:schemeClr val="tx1"/>
+                </a:solidFill>
+                <a:latin typeface="+mn-lt"/>
+                <a:ea typeface="+mn-ea"/>
+                <a:cs typeface="+mn-cs"/>
+              </a:defRPr>
+            </a:lvl9pPr>
+          </a:lstStyle>
+          <a:p>
+            <a:pPr lvl="0"/>
+            <a:r>
+              <a:rPr lang="en-US" altLang="zh-CN" sz="2000" b="1" dirty="0">
+                <a:solidFill>
+                  <a:srgbClr val="4472C4"/>
+                </a:solidFill>
+                <a:latin typeface="微软雅黑" panose="020B0503020204020204" pitchFamily="34" charset="-122"/>
+                <a:ea typeface="微软雅黑" panose="020B0503020204020204" pitchFamily="34" charset="-122"/>
+              </a:rPr>
+              <a:t>Datasets</a:t>
+            </a:r>
+          </a:p>
+        </p:txBody>
+      </p:sp>
+      <p:sp>
+        <p:nvSpPr>
+          <p:cNvPr id="6" name="文本框 5">
+            <a:extLst>
+              <a:ext uri="{FF2B5EF4-FFF2-40B4-BE49-F238E27FC236}">
+                <a16:creationId xmlns:a16="http://schemas.microsoft.com/office/drawing/2014/main" id="{1F53E5EA-8270-D64A-55AB-AD699FC71545}"/>
+              </a:ext>
+            </a:extLst>
+          </p:cNvPr>
+          <p:cNvSpPr txBox="1"/>
+          <p:nvPr/>
+        </p:nvSpPr>
+        <p:spPr>
+          <a:xfrm>
+            <a:off x="609600" y="865082"/>
+            <a:ext cx="7391400" cy="3139321"/>
+          </a:xfrm>
+          <a:prstGeom prst="rect">
+            <a:avLst/>
+          </a:prstGeom>
+          <a:noFill/>
+        </p:spPr>
+        <p:txBody>
+          <a:bodyPr wrap="square">
+            <a:spAutoFit/>
+          </a:bodyPr>
+          <a:lstStyle/>
+          <a:p>
+            <a:pPr algn="just"/>
+            <a:r>
+              <a:rPr lang="zh-CN" altLang="en-US" dirty="0"/>
+              <a:t>该方法在两个器官上得到了验证：肝脏和脾脏。</a:t>
+            </a:r>
+            <a:endParaRPr lang="en-US" altLang="zh-CN" dirty="0"/>
+          </a:p>
+          <a:p>
+            <a:pPr algn="just"/>
+            <a:endParaRPr lang="en-US" altLang="zh-CN" dirty="0"/>
+          </a:p>
+          <a:p>
+            <a:pPr algn="just"/>
+            <a:r>
+              <a:rPr lang="zh-CN" altLang="en-US" dirty="0"/>
+              <a:t>肝脏分割数据集来自 </a:t>
+            </a:r>
+            <a:r>
+              <a:rPr lang="en-US" altLang="zh-CN" dirty="0"/>
+              <a:t>ISBI LITS 2017 Challenge</a:t>
+            </a:r>
+            <a:r>
+              <a:rPr lang="zh-CN" altLang="en-US" dirty="0"/>
+              <a:t>。它包含</a:t>
+            </a:r>
+            <a:r>
+              <a:rPr lang="en-US" altLang="zh-CN" dirty="0"/>
+              <a:t>131</a:t>
+            </a:r>
+            <a:r>
+              <a:rPr lang="zh-CN" altLang="en-US" dirty="0"/>
+              <a:t>个增强型</a:t>
+            </a:r>
+            <a:r>
+              <a:rPr lang="en-US" altLang="zh-CN" dirty="0"/>
+              <a:t>3D</a:t>
+            </a:r>
+            <a:r>
+              <a:rPr lang="zh-CN" altLang="en-US" dirty="0"/>
+              <a:t>腹部</a:t>
+            </a:r>
+            <a:r>
+              <a:rPr lang="en-US" altLang="zh-CN" dirty="0"/>
+              <a:t>CT</a:t>
+            </a:r>
+            <a:r>
+              <a:rPr lang="zh-CN" altLang="en-US" dirty="0"/>
+              <a:t>扫描，其中</a:t>
+            </a:r>
+            <a:r>
+              <a:rPr lang="en-US" altLang="zh-CN" dirty="0"/>
+              <a:t>103</a:t>
+            </a:r>
+            <a:r>
+              <a:rPr lang="zh-CN" altLang="en-US" dirty="0"/>
+              <a:t>个</a:t>
+            </a:r>
+            <a:r>
+              <a:rPr lang="en-US" altLang="zh-CN" dirty="0"/>
+              <a:t>CT volumes</a:t>
+            </a:r>
+            <a:r>
+              <a:rPr lang="zh-CN" altLang="en-US" dirty="0"/>
+              <a:t>用于训练，</a:t>
+            </a:r>
+            <a:r>
+              <a:rPr lang="en-US" altLang="zh-CN" dirty="0"/>
+              <a:t>28</a:t>
+            </a:r>
+            <a:r>
+              <a:rPr lang="zh-CN" altLang="en-US" dirty="0"/>
+              <a:t>个</a:t>
+            </a:r>
+            <a:r>
+              <a:rPr lang="en-US" altLang="zh-CN" dirty="0"/>
+              <a:t>CT volumes</a:t>
+            </a:r>
+            <a:r>
+              <a:rPr lang="zh-CN" altLang="en-US" dirty="0"/>
+              <a:t>用于测试。</a:t>
+            </a:r>
+            <a:endParaRPr lang="en-US" altLang="zh-CN" dirty="0"/>
+          </a:p>
+          <a:p>
+            <a:pPr algn="just"/>
+            <a:r>
+              <a:rPr lang="zh-CN" altLang="en-US" dirty="0"/>
+              <a:t> </a:t>
+            </a:r>
+            <a:endParaRPr lang="en-US" altLang="zh-CN" dirty="0"/>
+          </a:p>
+          <a:p>
+            <a:pPr algn="just"/>
+            <a:r>
+              <a:rPr lang="zh-CN" altLang="en-US" dirty="0"/>
+              <a:t>脾脏数据集来自作者从医院自己采集。它包含</a:t>
+            </a:r>
+            <a:r>
+              <a:rPr lang="en-US" altLang="zh-CN" dirty="0"/>
+              <a:t>49</a:t>
+            </a:r>
+            <a:r>
+              <a:rPr lang="zh-CN" altLang="en-US" dirty="0"/>
+              <a:t>个增强型</a:t>
+            </a:r>
+            <a:r>
+              <a:rPr lang="en-US" altLang="zh-CN" dirty="0"/>
+              <a:t>3D</a:t>
+            </a:r>
+            <a:r>
+              <a:rPr lang="zh-CN" altLang="en-US" dirty="0"/>
+              <a:t>腹部</a:t>
+            </a:r>
+            <a:r>
+              <a:rPr lang="en-US" altLang="zh-CN" dirty="0"/>
+              <a:t>CT</a:t>
+            </a:r>
+            <a:r>
+              <a:rPr lang="zh-CN" altLang="en-US" dirty="0"/>
+              <a:t>扫描，其中</a:t>
+            </a:r>
+            <a:r>
+              <a:rPr lang="en-US" altLang="zh-CN" dirty="0"/>
+              <a:t>40</a:t>
+            </a:r>
+            <a:r>
+              <a:rPr lang="zh-CN" altLang="en-US" dirty="0"/>
+              <a:t>个</a:t>
+            </a:r>
+            <a:r>
+              <a:rPr lang="en-US" altLang="zh-CN" dirty="0"/>
+              <a:t>CT volumes</a:t>
+            </a:r>
+            <a:r>
+              <a:rPr lang="zh-CN" altLang="en-US" dirty="0"/>
+              <a:t>用于训练，</a:t>
+            </a:r>
+            <a:r>
+              <a:rPr lang="en-US" altLang="zh-CN" dirty="0"/>
+              <a:t>9</a:t>
+            </a:r>
+            <a:r>
+              <a:rPr lang="zh-CN" altLang="en-US" dirty="0"/>
+              <a:t>个</a:t>
+            </a:r>
+            <a:r>
+              <a:rPr lang="en-US" altLang="zh-CN" dirty="0"/>
+              <a:t>CT volumes</a:t>
+            </a:r>
+            <a:r>
+              <a:rPr lang="zh-CN" altLang="en-US" dirty="0"/>
+              <a:t>用于和测试。 </a:t>
+            </a:r>
+            <a:endParaRPr lang="en-US" altLang="zh-CN" dirty="0"/>
+          </a:p>
+          <a:p>
+            <a:pPr algn="just"/>
+            <a:endParaRPr lang="en-US" altLang="zh-CN" dirty="0"/>
+          </a:p>
+          <a:p>
+            <a:pPr algn="just"/>
+            <a:r>
+              <a:rPr lang="zh-CN" altLang="en-US" dirty="0"/>
+              <a:t>为了加快训练速度，</a:t>
+            </a:r>
+            <a:r>
+              <a:rPr lang="zh-CN" altLang="en-US" dirty="0">
+                <a:solidFill>
+                  <a:srgbClr val="FF0000"/>
+                </a:solidFill>
+              </a:rPr>
+              <a:t>输入图像具有三个通道，包括待分割的切片和上下切片，裁剪为</a:t>
+            </a:r>
+            <a:r>
+              <a:rPr lang="en-US" altLang="zh-CN" dirty="0">
+                <a:solidFill>
+                  <a:srgbClr val="FF0000"/>
+                </a:solidFill>
+              </a:rPr>
+              <a:t>320×320</a:t>
+            </a:r>
+            <a:r>
+              <a:rPr lang="zh-CN" altLang="en-US" dirty="0">
+                <a:solidFill>
+                  <a:srgbClr val="FF0000"/>
+                </a:solidFill>
+              </a:rPr>
+              <a:t>。</a:t>
+            </a:r>
+          </a:p>
+        </p:txBody>
+      </p:sp>
     </p:spTree>
     <p:extLst>
       <p:ext uri="{BB962C8B-B14F-4D97-AF65-F5344CB8AC3E}">
-        <p14:creationId xmlns:p14="http://schemas.microsoft.com/office/powerpoint/2010/main" val="2506969586"/>
+        <p14:creationId xmlns:p14="http://schemas.microsoft.com/office/powerpoint/2010/main" val="2090015547"/>
       </p:ext>
     </p:extLst>
   </p:cSld>
